--- a/Documents/Presentations/HerbertPresentation.pptx
+++ b/Documents/Presentations/HerbertPresentation.pptx
@@ -121,7 +121,7 @@
   </p:defaultTextStyle>
   <p:extLst>
     <p:ext uri="{EFAFB233-063F-42B5-8137-9DF3F51BA10A}">
-      <p15:sldGuideLst xmlns:p15="http://schemas.microsoft.com/office/powerpoint/2012/main">
+      <p15:sldGuideLst xmlns:p15="http://schemas.microsoft.com/office/powerpoint/2012/main" xmlns="">
         <p15:guide id="1" orient="horz" pos="2160">
           <p15:clr>
             <a:srgbClr val="A4A3A4"/>
@@ -195,7 +195,7 @@
           <a:noFill/>
           <a:extLst>
             <a:ext uri="{909E8E84-426E-40dd-AFC4-6F175D3DCCD1}">
-              <a14:hiddenFill xmlns:a14="http://schemas.microsoft.com/office/drawing/2010/main" xmlns="">
+              <a14:hiddenFill xmlns:a14="http://schemas.microsoft.com/office/drawing/2010/main">
                 <a:solidFill>
                   <a:srgbClr val="FFFFFF"/>
                 </a:solidFill>
@@ -255,7 +255,7 @@
             </a:ln>
             <a:extLst>
               <a:ext uri="{91240B29-F687-4f45-9708-019B960494DF}">
-                <a14:hiddenLine xmlns:a14="http://schemas.microsoft.com/office/drawing/2010/main" xmlns="" w="9525">
+                <a14:hiddenLine xmlns:a14="http://schemas.microsoft.com/office/drawing/2010/main" w="9525">
                   <a:solidFill>
                     <a:srgbClr val="000000"/>
                   </a:solidFill>
@@ -345,7 +345,7 @@
             </a:ln>
             <a:extLst>
               <a:ext uri="{91240B29-F687-4f45-9708-019B960494DF}">
-                <a14:hiddenLine xmlns:a14="http://schemas.microsoft.com/office/drawing/2010/main" xmlns="" w="9525">
+                <a14:hiddenLine xmlns:a14="http://schemas.microsoft.com/office/drawing/2010/main" w="9525">
                   <a:solidFill>
                     <a:srgbClr val="000000"/>
                   </a:solidFill>
@@ -435,7 +435,7 @@
             </a:ln>
             <a:extLst>
               <a:ext uri="{91240B29-F687-4f45-9708-019B960494DF}">
-                <a14:hiddenLine xmlns:a14="http://schemas.microsoft.com/office/drawing/2010/main" xmlns="" w="9525">
+                <a14:hiddenLine xmlns:a14="http://schemas.microsoft.com/office/drawing/2010/main" w="9525">
                   <a:solidFill>
                     <a:srgbClr val="000000"/>
                   </a:solidFill>
@@ -469,7 +469,7 @@
             </a:ln>
             <a:extLst>
               <a:ext uri="{91240B29-F687-4f45-9708-019B960494DF}">
-                <a14:hiddenLine xmlns:a14="http://schemas.microsoft.com/office/drawing/2010/main" xmlns="" w="9525">
+                <a14:hiddenLine xmlns:a14="http://schemas.microsoft.com/office/drawing/2010/main" w="9525">
                   <a:solidFill>
                     <a:srgbClr val="000000"/>
                   </a:solidFill>
@@ -559,7 +559,7 @@
             </a:ln>
             <a:extLst>
               <a:ext uri="{91240B29-F687-4f45-9708-019B960494DF}">
-                <a14:hiddenLine xmlns:a14="http://schemas.microsoft.com/office/drawing/2010/main" xmlns="" w="9525">
+                <a14:hiddenLine xmlns:a14="http://schemas.microsoft.com/office/drawing/2010/main" w="9525">
                   <a:solidFill>
                     <a:srgbClr val="000000"/>
                   </a:solidFill>
@@ -621,7 +621,7 @@
             </a:ln>
             <a:extLst>
               <a:ext uri="{91240B29-F687-4f45-9708-019B960494DF}">
-                <a14:hiddenLine xmlns:a14="http://schemas.microsoft.com/office/drawing/2010/main" xmlns="" w="9525">
+                <a14:hiddenLine xmlns:a14="http://schemas.microsoft.com/office/drawing/2010/main" w="9525">
                   <a:solidFill>
                     <a:srgbClr val="000000"/>
                   </a:solidFill>
@@ -683,7 +683,7 @@
             </a:ln>
             <a:extLst>
               <a:ext uri="{91240B29-F687-4f45-9708-019B960494DF}">
-                <a14:hiddenLine xmlns:a14="http://schemas.microsoft.com/office/drawing/2010/main" xmlns="" w="9525">
+                <a14:hiddenLine xmlns:a14="http://schemas.microsoft.com/office/drawing/2010/main" w="9525">
                   <a:solidFill>
                     <a:srgbClr val="000000"/>
                   </a:solidFill>
@@ -773,7 +773,7 @@
             </a:ln>
             <a:extLst>
               <a:ext uri="{91240B29-F687-4f45-9708-019B960494DF}">
-                <a14:hiddenLine xmlns:a14="http://schemas.microsoft.com/office/drawing/2010/main" xmlns="" w="9525">
+                <a14:hiddenLine xmlns:a14="http://schemas.microsoft.com/office/drawing/2010/main" w="9525">
                   <a:solidFill>
                     <a:srgbClr val="000000"/>
                   </a:solidFill>
@@ -835,7 +835,7 @@
             </a:ln>
             <a:extLst>
               <a:ext uri="{91240B29-F687-4f45-9708-019B960494DF}">
-                <a14:hiddenLine xmlns:a14="http://schemas.microsoft.com/office/drawing/2010/main" xmlns="" w="9525">
+                <a14:hiddenLine xmlns:a14="http://schemas.microsoft.com/office/drawing/2010/main" w="9525">
                   <a:solidFill>
                     <a:srgbClr val="000000"/>
                   </a:solidFill>
@@ -897,7 +897,7 @@
             </a:ln>
             <a:extLst>
               <a:ext uri="{91240B29-F687-4f45-9708-019B960494DF}">
-                <a14:hiddenLine xmlns:a14="http://schemas.microsoft.com/office/drawing/2010/main" xmlns="" w="9525">
+                <a14:hiddenLine xmlns:a14="http://schemas.microsoft.com/office/drawing/2010/main" w="9525">
                   <a:solidFill>
                     <a:srgbClr val="000000"/>
                   </a:solidFill>
@@ -987,7 +987,7 @@
             </a:ln>
             <a:extLst>
               <a:ext uri="{91240B29-F687-4f45-9708-019B960494DF}">
-                <a14:hiddenLine xmlns:a14="http://schemas.microsoft.com/office/drawing/2010/main" xmlns="" w="9525">
+                <a14:hiddenLine xmlns:a14="http://schemas.microsoft.com/office/drawing/2010/main" w="9525">
                   <a:solidFill>
                     <a:srgbClr val="000000"/>
                   </a:solidFill>
@@ -1077,7 +1077,7 @@
             </a:ln>
             <a:extLst>
               <a:ext uri="{91240B29-F687-4f45-9708-019B960494DF}">
-                <a14:hiddenLine xmlns:a14="http://schemas.microsoft.com/office/drawing/2010/main" xmlns="" w="9525">
+                <a14:hiddenLine xmlns:a14="http://schemas.microsoft.com/office/drawing/2010/main" w="9525">
                   <a:solidFill>
                     <a:srgbClr val="000000"/>
                   </a:solidFill>
@@ -1139,7 +1139,7 @@
             </a:ln>
             <a:extLst>
               <a:ext uri="{91240B29-F687-4f45-9708-019B960494DF}">
-                <a14:hiddenLine xmlns:a14="http://schemas.microsoft.com/office/drawing/2010/main" xmlns="" w="9525">
+                <a14:hiddenLine xmlns:a14="http://schemas.microsoft.com/office/drawing/2010/main" w="9525">
                   <a:solidFill>
                     <a:srgbClr val="000000"/>
                   </a:solidFill>
@@ -1249,7 +1249,7 @@
             </a:ln>
             <a:extLst>
               <a:ext uri="{91240B29-F687-4f45-9708-019B960494DF}">
-                <a14:hiddenLine xmlns:a14="http://schemas.microsoft.com/office/drawing/2010/main" xmlns="" w="9525">
+                <a14:hiddenLine xmlns:a14="http://schemas.microsoft.com/office/drawing/2010/main" w="9525">
                   <a:solidFill>
                     <a:srgbClr val="000000"/>
                   </a:solidFill>
@@ -1311,7 +1311,7 @@
             </a:ln>
             <a:extLst>
               <a:ext uri="{91240B29-F687-4f45-9708-019B960494DF}">
-                <a14:hiddenLine xmlns:a14="http://schemas.microsoft.com/office/drawing/2010/main" xmlns="" w="9525">
+                <a14:hiddenLine xmlns:a14="http://schemas.microsoft.com/office/drawing/2010/main" w="9525">
                   <a:solidFill>
                     <a:srgbClr val="000000"/>
                   </a:solidFill>
@@ -1401,7 +1401,7 @@
             </a:ln>
             <a:extLst>
               <a:ext uri="{91240B29-F687-4f45-9708-019B960494DF}">
-                <a14:hiddenLine xmlns:a14="http://schemas.microsoft.com/office/drawing/2010/main" xmlns="" w="9525">
+                <a14:hiddenLine xmlns:a14="http://schemas.microsoft.com/office/drawing/2010/main" w="9525">
                   <a:solidFill>
                     <a:srgbClr val="000000"/>
                   </a:solidFill>
@@ -1491,7 +1491,7 @@
             </a:ln>
             <a:extLst>
               <a:ext uri="{91240B29-F687-4f45-9708-019B960494DF}">
-                <a14:hiddenLine xmlns:a14="http://schemas.microsoft.com/office/drawing/2010/main" xmlns="" w="9525">
+                <a14:hiddenLine xmlns:a14="http://schemas.microsoft.com/office/drawing/2010/main" w="9525">
                   <a:solidFill>
                     <a:srgbClr val="000000"/>
                   </a:solidFill>
@@ -1553,7 +1553,7 @@
             </a:ln>
             <a:extLst>
               <a:ext uri="{91240B29-F687-4f45-9708-019B960494DF}">
-                <a14:hiddenLine xmlns:a14="http://schemas.microsoft.com/office/drawing/2010/main" xmlns="" w="9525">
+                <a14:hiddenLine xmlns:a14="http://schemas.microsoft.com/office/drawing/2010/main" w="9525">
                   <a:solidFill>
                     <a:srgbClr val="000000"/>
                   </a:solidFill>
@@ -1643,7 +1643,7 @@
             </a:ln>
             <a:extLst>
               <a:ext uri="{91240B29-F687-4f45-9708-019B960494DF}">
-                <a14:hiddenLine xmlns:a14="http://schemas.microsoft.com/office/drawing/2010/main" xmlns="" w="9525">
+                <a14:hiddenLine xmlns:a14="http://schemas.microsoft.com/office/drawing/2010/main" w="9525">
                   <a:solidFill>
                     <a:srgbClr val="000000"/>
                   </a:solidFill>
@@ -1733,7 +1733,7 @@
             </a:ln>
             <a:extLst>
               <a:ext uri="{91240B29-F687-4f45-9708-019B960494DF}">
-                <a14:hiddenLine xmlns:a14="http://schemas.microsoft.com/office/drawing/2010/main" xmlns="" w="9525">
+                <a14:hiddenLine xmlns:a14="http://schemas.microsoft.com/office/drawing/2010/main" w="9525">
                   <a:solidFill>
                     <a:srgbClr val="000000"/>
                   </a:solidFill>
@@ -1789,7 +1789,7 @@
             </a:ln>
             <a:extLst>
               <a:ext uri="{91240B29-F687-4f45-9708-019B960494DF}">
-                <a14:hiddenLine xmlns:a14="http://schemas.microsoft.com/office/drawing/2010/main" xmlns="" w="9525">
+                <a14:hiddenLine xmlns:a14="http://schemas.microsoft.com/office/drawing/2010/main" w="9525">
                   <a:solidFill>
                     <a:srgbClr val="000000"/>
                   </a:solidFill>
@@ -1879,7 +1879,7 @@
             </a:ln>
             <a:extLst>
               <a:ext uri="{91240B29-F687-4f45-9708-019B960494DF}">
-                <a14:hiddenLine xmlns:a14="http://schemas.microsoft.com/office/drawing/2010/main" xmlns="" w="9525">
+                <a14:hiddenLine xmlns:a14="http://schemas.microsoft.com/office/drawing/2010/main" w="9525">
                   <a:solidFill>
                     <a:srgbClr val="000000"/>
                   </a:solidFill>
@@ -1935,7 +1935,7 @@
             </a:ln>
             <a:extLst>
               <a:ext uri="{91240B29-F687-4f45-9708-019B960494DF}">
-                <a14:hiddenLine xmlns:a14="http://schemas.microsoft.com/office/drawing/2010/main" xmlns="" w="9525">
+                <a14:hiddenLine xmlns:a14="http://schemas.microsoft.com/office/drawing/2010/main" w="9525">
                   <a:solidFill>
                     <a:srgbClr val="000000"/>
                   </a:solidFill>
@@ -2025,7 +2025,7 @@
             </a:ln>
             <a:extLst>
               <a:ext uri="{91240B29-F687-4f45-9708-019B960494DF}">
-                <a14:hiddenLine xmlns:a14="http://schemas.microsoft.com/office/drawing/2010/main" xmlns="" w="9525">
+                <a14:hiddenLine xmlns:a14="http://schemas.microsoft.com/office/drawing/2010/main" w="9525">
                   <a:solidFill>
                     <a:srgbClr val="000000"/>
                   </a:solidFill>
@@ -2093,7 +2093,7 @@
             </a:ln>
             <a:extLst>
               <a:ext uri="{91240B29-F687-4f45-9708-019B960494DF}">
-                <a14:hiddenLine xmlns:a14="http://schemas.microsoft.com/office/drawing/2010/main" xmlns="" w="9525">
+                <a14:hiddenLine xmlns:a14="http://schemas.microsoft.com/office/drawing/2010/main" w="9525">
                   <a:solidFill>
                     <a:srgbClr val="000000"/>
                   </a:solidFill>
@@ -2183,7 +2183,7 @@
             </a:ln>
             <a:extLst>
               <a:ext uri="{91240B29-F687-4f45-9708-019B960494DF}">
-                <a14:hiddenLine xmlns:a14="http://schemas.microsoft.com/office/drawing/2010/main" xmlns="" w="9525">
+                <a14:hiddenLine xmlns:a14="http://schemas.microsoft.com/office/drawing/2010/main" w="9525">
                   <a:solidFill>
                     <a:srgbClr val="000000"/>
                   </a:solidFill>
@@ -2251,7 +2251,7 @@
             </a:ln>
             <a:extLst>
               <a:ext uri="{91240B29-F687-4f45-9708-019B960494DF}">
-                <a14:hiddenLine xmlns:a14="http://schemas.microsoft.com/office/drawing/2010/main" xmlns="" w="9525">
+                <a14:hiddenLine xmlns:a14="http://schemas.microsoft.com/office/drawing/2010/main" w="9525">
                   <a:solidFill>
                     <a:srgbClr val="000000"/>
                   </a:solidFill>
@@ -2341,7 +2341,7 @@
             </a:ln>
             <a:extLst>
               <a:ext uri="{91240B29-F687-4f45-9708-019B960494DF}">
-                <a14:hiddenLine xmlns:a14="http://schemas.microsoft.com/office/drawing/2010/main" xmlns="" w="9525">
+                <a14:hiddenLine xmlns:a14="http://schemas.microsoft.com/office/drawing/2010/main" w="9525">
                   <a:solidFill>
                     <a:srgbClr val="000000"/>
                   </a:solidFill>
@@ -2375,7 +2375,7 @@
             </a:ln>
             <a:extLst>
               <a:ext uri="{91240B29-F687-4f45-9708-019B960494DF}">
-                <a14:hiddenLine xmlns:a14="http://schemas.microsoft.com/office/drawing/2010/main" xmlns="" w="9525">
+                <a14:hiddenLine xmlns:a14="http://schemas.microsoft.com/office/drawing/2010/main" w="9525">
                   <a:solidFill>
                     <a:srgbClr val="000000"/>
                   </a:solidFill>
@@ -2465,7 +2465,7 @@
             </a:ln>
             <a:extLst>
               <a:ext uri="{91240B29-F687-4f45-9708-019B960494DF}">
-                <a14:hiddenLine xmlns:a14="http://schemas.microsoft.com/office/drawing/2010/main" xmlns="" w="9525">
+                <a14:hiddenLine xmlns:a14="http://schemas.microsoft.com/office/drawing/2010/main" w="9525">
                   <a:solidFill>
                     <a:srgbClr val="000000"/>
                   </a:solidFill>
@@ -2527,7 +2527,7 @@
             </a:ln>
             <a:extLst>
               <a:ext uri="{91240B29-F687-4f45-9708-019B960494DF}">
-                <a14:hiddenLine xmlns:a14="http://schemas.microsoft.com/office/drawing/2010/main" xmlns="" w="9525">
+                <a14:hiddenLine xmlns:a14="http://schemas.microsoft.com/office/drawing/2010/main" w="9525">
                   <a:solidFill>
                     <a:srgbClr val="000000"/>
                   </a:solidFill>
@@ -2589,7 +2589,7 @@
             </a:ln>
             <a:extLst>
               <a:ext uri="{91240B29-F687-4f45-9708-019B960494DF}">
-                <a14:hiddenLine xmlns:a14="http://schemas.microsoft.com/office/drawing/2010/main" xmlns="" w="9525">
+                <a14:hiddenLine xmlns:a14="http://schemas.microsoft.com/office/drawing/2010/main" w="9525">
                   <a:solidFill>
                     <a:srgbClr val="000000"/>
                   </a:solidFill>
@@ -2679,7 +2679,7 @@
             </a:ln>
             <a:extLst>
               <a:ext uri="{91240B29-F687-4f45-9708-019B960494DF}">
-                <a14:hiddenLine xmlns:a14="http://schemas.microsoft.com/office/drawing/2010/main" xmlns="" w="9525">
+                <a14:hiddenLine xmlns:a14="http://schemas.microsoft.com/office/drawing/2010/main" w="9525">
                   <a:solidFill>
                     <a:srgbClr val="000000"/>
                   </a:solidFill>
@@ -2747,7 +2747,7 @@
             </a:ln>
             <a:extLst>
               <a:ext uri="{91240B29-F687-4f45-9708-019B960494DF}">
-                <a14:hiddenLine xmlns:a14="http://schemas.microsoft.com/office/drawing/2010/main" xmlns="" w="9525">
+                <a14:hiddenLine xmlns:a14="http://schemas.microsoft.com/office/drawing/2010/main" w="9525">
                   <a:solidFill>
                     <a:srgbClr val="000000"/>
                   </a:solidFill>
@@ -2809,7 +2809,7 @@
             </a:ln>
             <a:extLst>
               <a:ext uri="{91240B29-F687-4f45-9708-019B960494DF}">
-                <a14:hiddenLine xmlns:a14="http://schemas.microsoft.com/office/drawing/2010/main" xmlns="" w="9525">
+                <a14:hiddenLine xmlns:a14="http://schemas.microsoft.com/office/drawing/2010/main" w="9525">
                   <a:solidFill>
                     <a:srgbClr val="000000"/>
                   </a:solidFill>
@@ -2899,7 +2899,7 @@
             </a:ln>
             <a:extLst>
               <a:ext uri="{91240B29-F687-4f45-9708-019B960494DF}">
-                <a14:hiddenLine xmlns:a14="http://schemas.microsoft.com/office/drawing/2010/main" xmlns="" w="9525">
+                <a14:hiddenLine xmlns:a14="http://schemas.microsoft.com/office/drawing/2010/main" w="9525">
                   <a:solidFill>
                     <a:srgbClr val="000000"/>
                   </a:solidFill>
@@ -2961,7 +2961,7 @@
             </a:ln>
             <a:extLst>
               <a:ext uri="{91240B29-F687-4f45-9708-019B960494DF}">
-                <a14:hiddenLine xmlns:a14="http://schemas.microsoft.com/office/drawing/2010/main" xmlns="" w="9525">
+                <a14:hiddenLine xmlns:a14="http://schemas.microsoft.com/office/drawing/2010/main" w="9525">
                   <a:solidFill>
                     <a:srgbClr val="000000"/>
                   </a:solidFill>
@@ -3051,7 +3051,7 @@
             </a:ln>
             <a:extLst>
               <a:ext uri="{91240B29-F687-4f45-9708-019B960494DF}">
-                <a14:hiddenLine xmlns:a14="http://schemas.microsoft.com/office/drawing/2010/main" xmlns="" w="9525">
+                <a14:hiddenLine xmlns:a14="http://schemas.microsoft.com/office/drawing/2010/main" w="9525">
                   <a:solidFill>
                     <a:srgbClr val="000000"/>
                   </a:solidFill>
@@ -3113,7 +3113,7 @@
             </a:ln>
             <a:extLst>
               <a:ext uri="{91240B29-F687-4f45-9708-019B960494DF}">
-                <a14:hiddenLine xmlns:a14="http://schemas.microsoft.com/office/drawing/2010/main" xmlns="" w="9525">
+                <a14:hiddenLine xmlns:a14="http://schemas.microsoft.com/office/drawing/2010/main" w="9525">
                   <a:solidFill>
                     <a:srgbClr val="000000"/>
                   </a:solidFill>
@@ -3203,7 +3203,7 @@
             </a:ln>
             <a:extLst>
               <a:ext uri="{91240B29-F687-4f45-9708-019B960494DF}">
-                <a14:hiddenLine xmlns:a14="http://schemas.microsoft.com/office/drawing/2010/main" xmlns="" w="9525">
+                <a14:hiddenLine xmlns:a14="http://schemas.microsoft.com/office/drawing/2010/main" w="9525">
                   <a:solidFill>
                     <a:srgbClr val="000000"/>
                   </a:solidFill>
@@ -3237,7 +3237,7 @@
             </a:ln>
             <a:extLst>
               <a:ext uri="{91240B29-F687-4f45-9708-019B960494DF}">
-                <a14:hiddenLine xmlns:a14="http://schemas.microsoft.com/office/drawing/2010/main" xmlns="" w="9525">
+                <a14:hiddenLine xmlns:a14="http://schemas.microsoft.com/office/drawing/2010/main" w="9525">
                   <a:solidFill>
                     <a:srgbClr val="000000"/>
                   </a:solidFill>
@@ -3302,7 +3302,7 @@
             </a:ln>
             <a:extLst>
               <a:ext uri="{91240B29-F687-4f45-9708-019B960494DF}">
-                <a14:hiddenLine xmlns:a14="http://schemas.microsoft.com/office/drawing/2010/main" xmlns="" w="9525">
+                <a14:hiddenLine xmlns:a14="http://schemas.microsoft.com/office/drawing/2010/main" w="9525">
                   <a:solidFill>
                     <a:srgbClr val="000000"/>
                   </a:solidFill>
@@ -3392,7 +3392,7 @@
             </a:ln>
             <a:extLst>
               <a:ext uri="{91240B29-F687-4f45-9708-019B960494DF}">
-                <a14:hiddenLine xmlns:a14="http://schemas.microsoft.com/office/drawing/2010/main" xmlns="" w="9525">
+                <a14:hiddenLine xmlns:a14="http://schemas.microsoft.com/office/drawing/2010/main" w="9525">
                   <a:solidFill>
                     <a:srgbClr val="000000"/>
                   </a:solidFill>
@@ -3454,7 +3454,7 @@
             </a:ln>
             <a:extLst>
               <a:ext uri="{91240B29-F687-4f45-9708-019B960494DF}">
-                <a14:hiddenLine xmlns:a14="http://schemas.microsoft.com/office/drawing/2010/main" xmlns="" w="9525">
+                <a14:hiddenLine xmlns:a14="http://schemas.microsoft.com/office/drawing/2010/main" w="9525">
                   <a:solidFill>
                     <a:srgbClr val="000000"/>
                   </a:solidFill>
@@ -3544,7 +3544,7 @@
             </a:ln>
             <a:extLst>
               <a:ext uri="{91240B29-F687-4f45-9708-019B960494DF}">
-                <a14:hiddenLine xmlns:a14="http://schemas.microsoft.com/office/drawing/2010/main" xmlns="" w="9525">
+                <a14:hiddenLine xmlns:a14="http://schemas.microsoft.com/office/drawing/2010/main" w="9525">
                   <a:solidFill>
                     <a:srgbClr val="000000"/>
                   </a:solidFill>
@@ -3634,7 +3634,7 @@
             </a:ln>
             <a:extLst>
               <a:ext uri="{91240B29-F687-4f45-9708-019B960494DF}">
-                <a14:hiddenLine xmlns:a14="http://schemas.microsoft.com/office/drawing/2010/main" xmlns="" w="9525">
+                <a14:hiddenLine xmlns:a14="http://schemas.microsoft.com/office/drawing/2010/main" w="9525">
                   <a:solidFill>
                     <a:srgbClr val="000000"/>
                   </a:solidFill>
@@ -3699,7 +3699,7 @@
             </a:ln>
             <a:extLst>
               <a:ext uri="{91240B29-F687-4f45-9708-019B960494DF}">
-                <a14:hiddenLine xmlns:a14="http://schemas.microsoft.com/office/drawing/2010/main" xmlns="" w="9525">
+                <a14:hiddenLine xmlns:a14="http://schemas.microsoft.com/office/drawing/2010/main" w="9525">
                   <a:solidFill>
                     <a:srgbClr val="000000"/>
                   </a:solidFill>
@@ -3761,7 +3761,7 @@
             </a:ln>
             <a:extLst>
               <a:ext uri="{91240B29-F687-4f45-9708-019B960494DF}">
-                <a14:hiddenLine xmlns:a14="http://schemas.microsoft.com/office/drawing/2010/main" xmlns="" w="9525">
+                <a14:hiddenLine xmlns:a14="http://schemas.microsoft.com/office/drawing/2010/main" w="9525">
                   <a:solidFill>
                     <a:srgbClr val="000000"/>
                   </a:solidFill>
@@ -3851,7 +3851,7 @@
             </a:ln>
             <a:extLst>
               <a:ext uri="{91240B29-F687-4f45-9708-019B960494DF}">
-                <a14:hiddenLine xmlns:a14="http://schemas.microsoft.com/office/drawing/2010/main" xmlns="" w="9525">
+                <a14:hiddenLine xmlns:a14="http://schemas.microsoft.com/office/drawing/2010/main" w="9525">
                   <a:solidFill>
                     <a:srgbClr val="000000"/>
                   </a:solidFill>
@@ -3941,7 +3941,7 @@
             </a:ln>
             <a:extLst>
               <a:ext uri="{91240B29-F687-4f45-9708-019B960494DF}">
-                <a14:hiddenLine xmlns:a14="http://schemas.microsoft.com/office/drawing/2010/main" xmlns="" w="9525">
+                <a14:hiddenLine xmlns:a14="http://schemas.microsoft.com/office/drawing/2010/main" w="9525">
                   <a:solidFill>
                     <a:srgbClr val="000000"/>
                   </a:solidFill>
@@ -4003,7 +4003,7 @@
             </a:ln>
             <a:extLst>
               <a:ext uri="{91240B29-F687-4f45-9708-019B960494DF}">
-                <a14:hiddenLine xmlns:a14="http://schemas.microsoft.com/office/drawing/2010/main" xmlns="" w="9525">
+                <a14:hiddenLine xmlns:a14="http://schemas.microsoft.com/office/drawing/2010/main" w="9525">
                   <a:solidFill>
                     <a:srgbClr val="000000"/>
                   </a:solidFill>
@@ -4123,7 +4123,7 @@
             </a:ln>
             <a:extLst>
               <a:ext uri="{91240B29-F687-4f45-9708-019B960494DF}">
-                <a14:hiddenLine xmlns:a14="http://schemas.microsoft.com/office/drawing/2010/main" xmlns="" w="9525">
+                <a14:hiddenLine xmlns:a14="http://schemas.microsoft.com/office/drawing/2010/main" w="9525">
                   <a:solidFill>
                     <a:srgbClr val="000000"/>
                   </a:solidFill>
@@ -4191,7 +4191,7 @@
             </a:ln>
             <a:extLst>
               <a:ext uri="{91240B29-F687-4f45-9708-019B960494DF}">
-                <a14:hiddenLine xmlns:a14="http://schemas.microsoft.com/office/drawing/2010/main" xmlns="" w="9525">
+                <a14:hiddenLine xmlns:a14="http://schemas.microsoft.com/office/drawing/2010/main" w="9525">
                   <a:solidFill>
                     <a:srgbClr val="000000"/>
                   </a:solidFill>
@@ -4281,7 +4281,7 @@
             </a:ln>
             <a:extLst>
               <a:ext uri="{91240B29-F687-4f45-9708-019B960494DF}">
-                <a14:hiddenLine xmlns:a14="http://schemas.microsoft.com/office/drawing/2010/main" xmlns="" w="9525">
+                <a14:hiddenLine xmlns:a14="http://schemas.microsoft.com/office/drawing/2010/main" w="9525">
                   <a:solidFill>
                     <a:srgbClr val="000000"/>
                   </a:solidFill>
@@ -4421,7 +4421,7 @@
           <a:p>
             <a:fld id="{B3D6EF8A-A6D9-B040-9BC2-718C5C9E1F91}" type="datetimeFigureOut">
               <a:rPr lang="en-US" smtClean="0"/>
-              <a:t>4/28/2015</a:t>
+              <a:t>4/28/15</a:t>
             </a:fld>
             <a:endParaRPr lang="en-US"/>
           </a:p>
@@ -4688,7 +4688,7 @@
           <a:p>
             <a:fld id="{B3D6EF8A-A6D9-B040-9BC2-718C5C9E1F91}" type="datetimeFigureOut">
               <a:rPr lang="en-US" smtClean="0"/>
-              <a:t>4/28/2015</a:t>
+              <a:t>4/28/15</a:t>
             </a:fld>
             <a:endParaRPr lang="en-US"/>
           </a:p>
@@ -4884,7 +4884,7 @@
           <a:p>
             <a:fld id="{B3D6EF8A-A6D9-B040-9BC2-718C5C9E1F91}" type="datetimeFigureOut">
               <a:rPr lang="en-US" smtClean="0"/>
-              <a:t>4/28/2015</a:t>
+              <a:t>4/28/15</a:t>
             </a:fld>
             <a:endParaRPr lang="en-US"/>
           </a:p>
@@ -5147,7 +5147,7 @@
           <a:p>
             <a:fld id="{B3D6EF8A-A6D9-B040-9BC2-718C5C9E1F91}" type="datetimeFigureOut">
               <a:rPr lang="en-US" smtClean="0"/>
-              <a:t>4/28/2015</a:t>
+              <a:t>4/28/15</a:t>
             </a:fld>
             <a:endParaRPr lang="en-US"/>
           </a:p>
@@ -5581,7 +5581,7 @@
           <a:p>
             <a:fld id="{B3D6EF8A-A6D9-B040-9BC2-718C5C9E1F91}" type="datetimeFigureOut">
               <a:rPr lang="en-US" smtClean="0"/>
-              <a:t>4/28/2015</a:t>
+              <a:t>4/28/15</a:t>
             </a:fld>
             <a:endParaRPr lang="en-US"/>
           </a:p>
@@ -6127,7 +6127,7 @@
           <a:p>
             <a:fld id="{B3D6EF8A-A6D9-B040-9BC2-718C5C9E1F91}" type="datetimeFigureOut">
               <a:rPr lang="en-US" smtClean="0"/>
-              <a:t>4/28/2015</a:t>
+              <a:t>4/28/15</a:t>
             </a:fld>
             <a:endParaRPr lang="en-US"/>
           </a:p>
@@ -6847,7 +6847,7 @@
           <a:p>
             <a:fld id="{B3D6EF8A-A6D9-B040-9BC2-718C5C9E1F91}" type="datetimeFigureOut">
               <a:rPr lang="en-US" smtClean="0"/>
-              <a:t>4/28/2015</a:t>
+              <a:t>4/28/15</a:t>
             </a:fld>
             <a:endParaRPr lang="en-US"/>
           </a:p>
@@ -7021,7 +7021,7 @@
           <a:p>
             <a:fld id="{B3D6EF8A-A6D9-B040-9BC2-718C5C9E1F91}" type="datetimeFigureOut">
               <a:rPr lang="en-US" smtClean="0"/>
-              <a:t>4/28/2015</a:t>
+              <a:t>4/28/15</a:t>
             </a:fld>
             <a:endParaRPr lang="en-US"/>
           </a:p>
@@ -7201,7 +7201,7 @@
           <a:p>
             <a:fld id="{B3D6EF8A-A6D9-B040-9BC2-718C5C9E1F91}" type="datetimeFigureOut">
               <a:rPr lang="en-US" smtClean="0"/>
-              <a:t>4/28/2015</a:t>
+              <a:t>4/28/15</a:t>
             </a:fld>
             <a:endParaRPr lang="en-US"/>
           </a:p>
@@ -7386,7 +7386,7 @@
           <a:p>
             <a:fld id="{B3D6EF8A-A6D9-B040-9BC2-718C5C9E1F91}" type="datetimeFigureOut">
               <a:rPr lang="en-US" smtClean="0"/>
-              <a:t>4/28/2015</a:t>
+              <a:t>4/28/15</a:t>
             </a:fld>
             <a:endParaRPr lang="en-US"/>
           </a:p>
@@ -7646,7 +7646,7 @@
           <a:p>
             <a:fld id="{B3D6EF8A-A6D9-B040-9BC2-718C5C9E1F91}" type="datetimeFigureOut">
               <a:rPr lang="en-US" smtClean="0"/>
-              <a:t>4/28/2015</a:t>
+              <a:t>4/28/15</a:t>
             </a:fld>
             <a:endParaRPr lang="en-US"/>
           </a:p>
@@ -7878,7 +7878,7 @@
           <a:p>
             <a:fld id="{B3D6EF8A-A6D9-B040-9BC2-718C5C9E1F91}" type="datetimeFigureOut">
               <a:rPr lang="en-US" smtClean="0"/>
-              <a:t>4/28/2015</a:t>
+              <a:t>4/28/15</a:t>
             </a:fld>
             <a:endParaRPr lang="en-US"/>
           </a:p>
@@ -8259,7 +8259,7 @@
           <a:p>
             <a:fld id="{B3D6EF8A-A6D9-B040-9BC2-718C5C9E1F91}" type="datetimeFigureOut">
               <a:rPr lang="en-US" smtClean="0"/>
-              <a:t>4/28/2015</a:t>
+              <a:t>4/28/15</a:t>
             </a:fld>
             <a:endParaRPr lang="en-US"/>
           </a:p>
@@ -8377,7 +8377,7 @@
           <a:p>
             <a:fld id="{B3D6EF8A-A6D9-B040-9BC2-718C5C9E1F91}" type="datetimeFigureOut">
               <a:rPr lang="en-US" smtClean="0"/>
-              <a:t>4/28/2015</a:t>
+              <a:t>4/28/15</a:t>
             </a:fld>
             <a:endParaRPr lang="en-US"/>
           </a:p>
@@ -8472,7 +8472,7 @@
           <a:p>
             <a:fld id="{B3D6EF8A-A6D9-B040-9BC2-718C5C9E1F91}" type="datetimeFigureOut">
               <a:rPr lang="en-US" smtClean="0"/>
-              <a:t>4/28/2015</a:t>
+              <a:t>4/28/15</a:t>
             </a:fld>
             <a:endParaRPr lang="en-US"/>
           </a:p>
@@ -8721,7 +8721,7 @@
           <a:p>
             <a:fld id="{B3D6EF8A-A6D9-B040-9BC2-718C5C9E1F91}" type="datetimeFigureOut">
               <a:rPr lang="en-US" smtClean="0"/>
-              <a:t>4/28/2015</a:t>
+              <a:t>4/28/15</a:t>
             </a:fld>
             <a:endParaRPr lang="en-US"/>
           </a:p>
@@ -8973,7 +8973,7 @@
           <a:p>
             <a:fld id="{B3D6EF8A-A6D9-B040-9BC2-718C5C9E1F91}" type="datetimeFigureOut">
               <a:rPr lang="en-US" smtClean="0"/>
-              <a:t>4/28/2015</a:t>
+              <a:t>4/28/15</a:t>
             </a:fld>
             <a:endParaRPr lang="en-US"/>
           </a:p>
@@ -9096,7 +9096,7 @@
           <a:noFill/>
           <a:extLst>
             <a:ext uri="{909E8E84-426E-40dd-AFC4-6F175D3DCCD1}">
-              <a14:hiddenFill xmlns:a14="http://schemas.microsoft.com/office/drawing/2010/main" xmlns="">
+              <a14:hiddenFill xmlns:a14="http://schemas.microsoft.com/office/drawing/2010/main">
                 <a:solidFill>
                   <a:srgbClr val="FFFFFF"/>
                 </a:solidFill>
@@ -9170,7 +9170,7 @@
               </a:ln>
               <a:extLst>
                 <a:ext uri="{91240B29-F687-4f45-9708-019B960494DF}">
-                  <a14:hiddenLine xmlns:a14="http://schemas.microsoft.com/office/drawing/2010/main" xmlns="" w="9525">
+                  <a14:hiddenLine xmlns:a14="http://schemas.microsoft.com/office/drawing/2010/main" w="9525">
                     <a:solidFill>
                       <a:srgbClr val="000000"/>
                     </a:solidFill>
@@ -9260,7 +9260,7 @@
               </a:ln>
               <a:extLst>
                 <a:ext uri="{91240B29-F687-4f45-9708-019B960494DF}">
-                  <a14:hiddenLine xmlns:a14="http://schemas.microsoft.com/office/drawing/2010/main" xmlns="" w="9525">
+                  <a14:hiddenLine xmlns:a14="http://schemas.microsoft.com/office/drawing/2010/main" w="9525">
                     <a:solidFill>
                       <a:srgbClr val="000000"/>
                     </a:solidFill>
@@ -9350,7 +9350,7 @@
               </a:ln>
               <a:extLst>
                 <a:ext uri="{91240B29-F687-4f45-9708-019B960494DF}">
-                  <a14:hiddenLine xmlns:a14="http://schemas.microsoft.com/office/drawing/2010/main" xmlns="" w="9525">
+                  <a14:hiddenLine xmlns:a14="http://schemas.microsoft.com/office/drawing/2010/main" w="9525">
                     <a:solidFill>
                       <a:srgbClr val="000000"/>
                     </a:solidFill>
@@ -9412,7 +9412,7 @@
               </a:ln>
               <a:extLst>
                 <a:ext uri="{91240B29-F687-4f45-9708-019B960494DF}">
-                  <a14:hiddenLine xmlns:a14="http://schemas.microsoft.com/office/drawing/2010/main" xmlns="" w="9525">
+                  <a14:hiddenLine xmlns:a14="http://schemas.microsoft.com/office/drawing/2010/main" w="9525">
                     <a:solidFill>
                       <a:srgbClr val="000000"/>
                     </a:solidFill>
@@ -9502,7 +9502,7 @@
               </a:ln>
               <a:extLst>
                 <a:ext uri="{91240B29-F687-4f45-9708-019B960494DF}">
-                  <a14:hiddenLine xmlns:a14="http://schemas.microsoft.com/office/drawing/2010/main" xmlns="" w="9525">
+                  <a14:hiddenLine xmlns:a14="http://schemas.microsoft.com/office/drawing/2010/main" w="9525">
                     <a:solidFill>
                       <a:srgbClr val="000000"/>
                     </a:solidFill>
@@ -9564,7 +9564,7 @@
               </a:ln>
               <a:extLst>
                 <a:ext uri="{91240B29-F687-4f45-9708-019B960494DF}">
-                  <a14:hiddenLine xmlns:a14="http://schemas.microsoft.com/office/drawing/2010/main" xmlns="" w="9525">
+                  <a14:hiddenLine xmlns:a14="http://schemas.microsoft.com/office/drawing/2010/main" w="9525">
                     <a:solidFill>
                       <a:srgbClr val="000000"/>
                     </a:solidFill>
@@ -9626,7 +9626,7 @@
               </a:ln>
               <a:extLst>
                 <a:ext uri="{91240B29-F687-4f45-9708-019B960494DF}">
-                  <a14:hiddenLine xmlns:a14="http://schemas.microsoft.com/office/drawing/2010/main" xmlns="" w="9525">
+                  <a14:hiddenLine xmlns:a14="http://schemas.microsoft.com/office/drawing/2010/main" w="9525">
                     <a:solidFill>
                       <a:srgbClr val="000000"/>
                     </a:solidFill>
@@ -9716,7 +9716,7 @@
               </a:ln>
               <a:extLst>
                 <a:ext uri="{91240B29-F687-4f45-9708-019B960494DF}">
-                  <a14:hiddenLine xmlns:a14="http://schemas.microsoft.com/office/drawing/2010/main" xmlns="" w="9525">
+                  <a14:hiddenLine xmlns:a14="http://schemas.microsoft.com/office/drawing/2010/main" w="9525">
                     <a:solidFill>
                       <a:srgbClr val="000000"/>
                     </a:solidFill>
@@ -9806,7 +9806,7 @@
               </a:ln>
               <a:extLst>
                 <a:ext uri="{91240B29-F687-4f45-9708-019B960494DF}">
-                  <a14:hiddenLine xmlns:a14="http://schemas.microsoft.com/office/drawing/2010/main" xmlns="" w="9525">
+                  <a14:hiddenLine xmlns:a14="http://schemas.microsoft.com/office/drawing/2010/main" w="9525">
                     <a:solidFill>
                       <a:srgbClr val="000000"/>
                     </a:solidFill>
@@ -9868,7 +9868,7 @@
               </a:ln>
               <a:extLst>
                 <a:ext uri="{91240B29-F687-4f45-9708-019B960494DF}">
-                  <a14:hiddenLine xmlns:a14="http://schemas.microsoft.com/office/drawing/2010/main" xmlns="" w="9525">
+                  <a14:hiddenLine xmlns:a14="http://schemas.microsoft.com/office/drawing/2010/main" w="9525">
                     <a:solidFill>
                       <a:srgbClr val="000000"/>
                     </a:solidFill>
@@ -9978,7 +9978,7 @@
               </a:ln>
               <a:extLst>
                 <a:ext uri="{91240B29-F687-4f45-9708-019B960494DF}">
-                  <a14:hiddenLine xmlns:a14="http://schemas.microsoft.com/office/drawing/2010/main" xmlns="" w="9525">
+                  <a14:hiddenLine xmlns:a14="http://schemas.microsoft.com/office/drawing/2010/main" w="9525">
                     <a:solidFill>
                       <a:srgbClr val="000000"/>
                     </a:solidFill>
@@ -10062,7 +10062,7 @@
               </a:ln>
               <a:extLst>
                 <a:ext uri="{91240B29-F687-4f45-9708-019B960494DF}">
-                  <a14:hiddenLine xmlns:a14="http://schemas.microsoft.com/office/drawing/2010/main" xmlns="" w="9525">
+                  <a14:hiddenLine xmlns:a14="http://schemas.microsoft.com/office/drawing/2010/main" w="9525">
                     <a:solidFill>
                       <a:srgbClr val="000000"/>
                     </a:solidFill>
@@ -10124,7 +10124,7 @@
               </a:ln>
               <a:extLst>
                 <a:ext uri="{91240B29-F687-4f45-9708-019B960494DF}">
-                  <a14:hiddenLine xmlns:a14="http://schemas.microsoft.com/office/drawing/2010/main" xmlns="" w="9525">
+                  <a14:hiddenLine xmlns:a14="http://schemas.microsoft.com/office/drawing/2010/main" w="9525">
                     <a:solidFill>
                       <a:srgbClr val="000000"/>
                     </a:solidFill>
@@ -10186,7 +10186,7 @@
               </a:ln>
               <a:extLst>
                 <a:ext uri="{91240B29-F687-4f45-9708-019B960494DF}">
-                  <a14:hiddenLine xmlns:a14="http://schemas.microsoft.com/office/drawing/2010/main" xmlns="" w="9525">
+                  <a14:hiddenLine xmlns:a14="http://schemas.microsoft.com/office/drawing/2010/main" w="9525">
                     <a:solidFill>
                       <a:srgbClr val="000000"/>
                     </a:solidFill>
@@ -10276,7 +10276,7 @@
               </a:ln>
               <a:extLst>
                 <a:ext uri="{91240B29-F687-4f45-9708-019B960494DF}">
-                  <a14:hiddenLine xmlns:a14="http://schemas.microsoft.com/office/drawing/2010/main" xmlns="" w="9525">
+                  <a14:hiddenLine xmlns:a14="http://schemas.microsoft.com/office/drawing/2010/main" w="9525">
                     <a:solidFill>
                       <a:srgbClr val="000000"/>
                     </a:solidFill>
@@ -10310,7 +10310,7 @@
               </a:ln>
               <a:extLst>
                 <a:ext uri="{91240B29-F687-4f45-9708-019B960494DF}">
-                  <a14:hiddenLine xmlns:a14="http://schemas.microsoft.com/office/drawing/2010/main" xmlns="" w="9525">
+                  <a14:hiddenLine xmlns:a14="http://schemas.microsoft.com/office/drawing/2010/main" w="9525">
                     <a:solidFill>
                       <a:srgbClr val="000000"/>
                     </a:solidFill>
@@ -10375,7 +10375,7 @@
               </a:ln>
               <a:extLst>
                 <a:ext uri="{91240B29-F687-4f45-9708-019B960494DF}">
-                  <a14:hiddenLine xmlns:a14="http://schemas.microsoft.com/office/drawing/2010/main" xmlns="" w="9525">
+                  <a14:hiddenLine xmlns:a14="http://schemas.microsoft.com/office/drawing/2010/main" w="9525">
                     <a:solidFill>
                       <a:srgbClr val="000000"/>
                     </a:solidFill>
@@ -10465,7 +10465,7 @@
               </a:ln>
               <a:extLst>
                 <a:ext uri="{91240B29-F687-4f45-9708-019B960494DF}">
-                  <a14:hiddenLine xmlns:a14="http://schemas.microsoft.com/office/drawing/2010/main" xmlns="" w="9525">
+                  <a14:hiddenLine xmlns:a14="http://schemas.microsoft.com/office/drawing/2010/main" w="9525">
                     <a:solidFill>
                       <a:srgbClr val="000000"/>
                     </a:solidFill>
@@ -10527,7 +10527,7 @@
               </a:ln>
               <a:extLst>
                 <a:ext uri="{91240B29-F687-4f45-9708-019B960494DF}">
-                  <a14:hiddenLine xmlns:a14="http://schemas.microsoft.com/office/drawing/2010/main" xmlns="" w="9525">
+                  <a14:hiddenLine xmlns:a14="http://schemas.microsoft.com/office/drawing/2010/main" w="9525">
                     <a:solidFill>
                       <a:srgbClr val="000000"/>
                     </a:solidFill>
@@ -10617,7 +10617,7 @@
               </a:ln>
               <a:extLst>
                 <a:ext uri="{91240B29-F687-4f45-9708-019B960494DF}">
-                  <a14:hiddenLine xmlns:a14="http://schemas.microsoft.com/office/drawing/2010/main" xmlns="" w="9525">
+                  <a14:hiddenLine xmlns:a14="http://schemas.microsoft.com/office/drawing/2010/main" w="9525">
                     <a:solidFill>
                       <a:srgbClr val="000000"/>
                     </a:solidFill>
@@ -10682,7 +10682,7 @@
               </a:ln>
               <a:extLst>
                 <a:ext uri="{91240B29-F687-4f45-9708-019B960494DF}">
-                  <a14:hiddenLine xmlns:a14="http://schemas.microsoft.com/office/drawing/2010/main" xmlns="" w="9525">
+                  <a14:hiddenLine xmlns:a14="http://schemas.microsoft.com/office/drawing/2010/main" w="9525">
                     <a:solidFill>
                       <a:srgbClr val="000000"/>
                     </a:solidFill>
@@ -10744,7 +10744,7 @@
               </a:ln>
               <a:extLst>
                 <a:ext uri="{91240B29-F687-4f45-9708-019B960494DF}">
-                  <a14:hiddenLine xmlns:a14="http://schemas.microsoft.com/office/drawing/2010/main" xmlns="" w="9525">
+                  <a14:hiddenLine xmlns:a14="http://schemas.microsoft.com/office/drawing/2010/main" w="9525">
                     <a:solidFill>
                       <a:srgbClr val="000000"/>
                     </a:solidFill>
@@ -10834,7 +10834,7 @@
               </a:ln>
               <a:extLst>
                 <a:ext uri="{91240B29-F687-4f45-9708-019B960494DF}">
-                  <a14:hiddenLine xmlns:a14="http://schemas.microsoft.com/office/drawing/2010/main" xmlns="" w="9525">
+                  <a14:hiddenLine xmlns:a14="http://schemas.microsoft.com/office/drawing/2010/main" w="9525">
                     <a:solidFill>
                       <a:srgbClr val="000000"/>
                     </a:solidFill>
@@ -10924,7 +10924,7 @@
               </a:ln>
               <a:extLst>
                 <a:ext uri="{91240B29-F687-4f45-9708-019B960494DF}">
-                  <a14:hiddenLine xmlns:a14="http://schemas.microsoft.com/office/drawing/2010/main" xmlns="" w="9525">
+                  <a14:hiddenLine xmlns:a14="http://schemas.microsoft.com/office/drawing/2010/main" w="9525">
                     <a:solidFill>
                       <a:srgbClr val="000000"/>
                     </a:solidFill>
@@ -10989,7 +10989,7 @@
               </a:ln>
               <a:extLst>
                 <a:ext uri="{91240B29-F687-4f45-9708-019B960494DF}">
-                  <a14:hiddenLine xmlns:a14="http://schemas.microsoft.com/office/drawing/2010/main" xmlns="" w="9525">
+                  <a14:hiddenLine xmlns:a14="http://schemas.microsoft.com/office/drawing/2010/main" w="9525">
                     <a:solidFill>
                       <a:srgbClr val="000000"/>
                     </a:solidFill>
@@ -11109,7 +11109,7 @@
               </a:ln>
               <a:extLst>
                 <a:ext uri="{91240B29-F687-4f45-9708-019B960494DF}">
-                  <a14:hiddenLine xmlns:a14="http://schemas.microsoft.com/office/drawing/2010/main" xmlns="" w="9525">
+                  <a14:hiddenLine xmlns:a14="http://schemas.microsoft.com/office/drawing/2010/main" w="9525">
                     <a:solidFill>
                       <a:srgbClr val="000000"/>
                     </a:solidFill>
@@ -11207,7 +11207,7 @@
               </a:ln>
               <a:extLst>
                 <a:ext uri="{91240B29-F687-4f45-9708-019B960494DF}">
-                  <a14:hiddenLine xmlns:a14="http://schemas.microsoft.com/office/drawing/2010/main" xmlns="" w="9525">
+                  <a14:hiddenLine xmlns:a14="http://schemas.microsoft.com/office/drawing/2010/main" w="9525">
                     <a:solidFill>
                       <a:srgbClr val="000000"/>
                     </a:solidFill>
@@ -11322,7 +11322,7 @@
               </a:ln>
               <a:extLst>
                 <a:ext uri="{91240B29-F687-4f45-9708-019B960494DF}">
-                  <a14:hiddenLine xmlns:a14="http://schemas.microsoft.com/office/drawing/2010/main" xmlns="" w="9525">
+                  <a14:hiddenLine xmlns:a14="http://schemas.microsoft.com/office/drawing/2010/main" w="9525">
                     <a:solidFill>
                       <a:srgbClr val="000000"/>
                     </a:solidFill>
@@ -11412,7 +11412,7 @@
               </a:ln>
               <a:extLst>
                 <a:ext uri="{91240B29-F687-4f45-9708-019B960494DF}">
-                  <a14:hiddenLine xmlns:a14="http://schemas.microsoft.com/office/drawing/2010/main" xmlns="" w="9525">
+                  <a14:hiddenLine xmlns:a14="http://schemas.microsoft.com/office/drawing/2010/main" w="9525">
                     <a:solidFill>
                       <a:srgbClr val="000000"/>
                     </a:solidFill>
@@ -11477,7 +11477,7 @@
               </a:ln>
               <a:extLst>
                 <a:ext uri="{91240B29-F687-4f45-9708-019B960494DF}">
-                  <a14:hiddenLine xmlns:a14="http://schemas.microsoft.com/office/drawing/2010/main" xmlns="" w="9525">
+                  <a14:hiddenLine xmlns:a14="http://schemas.microsoft.com/office/drawing/2010/main" w="9525">
                     <a:solidFill>
                       <a:srgbClr val="000000"/>
                     </a:solidFill>
@@ -11567,7 +11567,7 @@
               </a:ln>
               <a:extLst>
                 <a:ext uri="{91240B29-F687-4f45-9708-019B960494DF}">
-                  <a14:hiddenLine xmlns:a14="http://schemas.microsoft.com/office/drawing/2010/main" xmlns="" w="9525">
+                  <a14:hiddenLine xmlns:a14="http://schemas.microsoft.com/office/drawing/2010/main" w="9525">
                     <a:solidFill>
                       <a:srgbClr val="000000"/>
                     </a:solidFill>
@@ -11635,7 +11635,7 @@
               </a:ln>
               <a:extLst>
                 <a:ext uri="{91240B29-F687-4f45-9708-019B960494DF}">
-                  <a14:hiddenLine xmlns:a14="http://schemas.microsoft.com/office/drawing/2010/main" xmlns="" w="9525">
+                  <a14:hiddenLine xmlns:a14="http://schemas.microsoft.com/office/drawing/2010/main" w="9525">
                     <a:solidFill>
                       <a:srgbClr val="000000"/>
                     </a:solidFill>
@@ -11725,7 +11725,7 @@
               </a:ln>
               <a:extLst>
                 <a:ext uri="{91240B29-F687-4f45-9708-019B960494DF}">
-                  <a14:hiddenLine xmlns:a14="http://schemas.microsoft.com/office/drawing/2010/main" xmlns="" w="9525">
+                  <a14:hiddenLine xmlns:a14="http://schemas.microsoft.com/office/drawing/2010/main" w="9525">
                     <a:solidFill>
                       <a:srgbClr val="000000"/>
                     </a:solidFill>
@@ -11793,7 +11793,7 @@
               </a:ln>
               <a:extLst>
                 <a:ext uri="{91240B29-F687-4f45-9708-019B960494DF}">
-                  <a14:hiddenLine xmlns:a14="http://schemas.microsoft.com/office/drawing/2010/main" xmlns="" w="9525">
+                  <a14:hiddenLine xmlns:a14="http://schemas.microsoft.com/office/drawing/2010/main" w="9525">
                     <a:solidFill>
                       <a:srgbClr val="000000"/>
                     </a:solidFill>
@@ -11883,7 +11883,7 @@
               </a:ln>
               <a:extLst>
                 <a:ext uri="{91240B29-F687-4f45-9708-019B960494DF}">
-                  <a14:hiddenLine xmlns:a14="http://schemas.microsoft.com/office/drawing/2010/main" xmlns="" w="9525">
+                  <a14:hiddenLine xmlns:a14="http://schemas.microsoft.com/office/drawing/2010/main" w="9525">
                     <a:solidFill>
                       <a:srgbClr val="000000"/>
                     </a:solidFill>
@@ -11917,7 +11917,7 @@
               </a:ln>
               <a:extLst>
                 <a:ext uri="{91240B29-F687-4f45-9708-019B960494DF}">
-                  <a14:hiddenLine xmlns:a14="http://schemas.microsoft.com/office/drawing/2010/main" xmlns="" w="9525">
+                  <a14:hiddenLine xmlns:a14="http://schemas.microsoft.com/office/drawing/2010/main" w="9525">
                     <a:solidFill>
                       <a:srgbClr val="000000"/>
                     </a:solidFill>
@@ -12057,7 +12057,7 @@
           <a:p>
             <a:fld id="{B3D6EF8A-A6D9-B040-9BC2-718C5C9E1F91}" type="datetimeFigureOut">
               <a:rPr lang="en-US" smtClean="0"/>
-              <a:t>4/28/2015</a:t>
+              <a:t>4/28/15</a:t>
             </a:fld>
             <a:endParaRPr lang="en-US"/>
           </a:p>
@@ -12555,11 +12555,7 @@
             <a:pPr algn="r"/>
             <a:r>
               <a:rPr lang="en-US" dirty="0" smtClean="0"/>
-              <a:t>Jon </a:t>
-            </a:r>
-            <a:r>
-              <a:rPr lang="en-US" dirty="0" smtClean="0"/>
-              <a:t>Whitaker</a:t>
+              <a:t>Jon Whitaker</a:t>
             </a:r>
             <a:endParaRPr lang="en-US" dirty="0"/>
           </a:p>
@@ -12578,7 +12574,7 @@
   <p:timing>
     <p:tnLst>
       <p:par>
-        <p:cTn id="1" dur="indefinite" restart="never" nodeType="tmRoot"/>
+        <p:cTn xmlns:p14="http://schemas.microsoft.com/office/powerpoint/2010/main" id="1" dur="indefinite" restart="never" nodeType="tmRoot"/>
       </p:par>
     </p:tnLst>
   </p:timing>
@@ -15972,7 +15968,7 @@
   <p:timing>
     <p:tnLst>
       <p:par>
-        <p:cTn id="1" dur="indefinite" restart="never" nodeType="tmRoot"/>
+        <p:cTn xmlns:p14="http://schemas.microsoft.com/office/powerpoint/2010/main" id="1" dur="indefinite" restart="never" nodeType="tmRoot"/>
       </p:par>
     </p:tnLst>
   </p:timing>
@@ -18490,7 +18486,7 @@
   <p:timing>
     <p:tnLst>
       <p:par>
-        <p:cTn id="1" dur="indefinite" restart="never" nodeType="tmRoot"/>
+        <p:cTn xmlns:p14="http://schemas.microsoft.com/office/powerpoint/2010/main" id="1" dur="indefinite" restart="never" nodeType="tmRoot"/>
       </p:par>
     </p:tnLst>
   </p:timing>
@@ -18562,11 +18558,213 @@
         </p:blipFill>
         <p:spPr>
           <a:xfrm>
-            <a:off x="2211426" y="2249488"/>
-            <a:ext cx="4717974" cy="3541712"/>
+            <a:off x="5460303" y="4102233"/>
+            <a:ext cx="3520243" cy="2642594"/>
           </a:xfrm>
         </p:spPr>
       </p:pic>
+      <p:sp>
+        <p:nvSpPr>
+          <p:cNvPr id="5" name="TextBox 4"/>
+          <p:cNvSpPr txBox="1"/>
+          <p:nvPr/>
+        </p:nvSpPr>
+        <p:spPr>
+          <a:xfrm>
+            <a:off x="1445941" y="1747902"/>
+            <a:ext cx="6714192" cy="4985980"/>
+          </a:xfrm>
+          <a:prstGeom prst="rect">
+            <a:avLst/>
+          </a:prstGeom>
+          <a:noFill/>
+        </p:spPr>
+        <p:txBody>
+          <a:bodyPr wrap="square" rtlCol="0">
+            <a:spAutoFit/>
+          </a:bodyPr>
+          <a:lstStyle/>
+          <a:p>
+            <a:pPr marL="285750" indent="-285750">
+              <a:buFont typeface="Arial"/>
+              <a:buChar char="•"/>
+            </a:pPr>
+            <a:r>
+              <a:rPr lang="en-US" sz="2000" dirty="0" smtClean="0"/>
+              <a:t>One arm for each face of the cube</a:t>
+            </a:r>
+          </a:p>
+          <a:p>
+            <a:pPr marL="285750" indent="-285750">
+              <a:buFont typeface="Arial"/>
+              <a:buChar char="•"/>
+            </a:pPr>
+            <a:r>
+              <a:rPr lang="en-US" sz="2000" dirty="0"/>
+              <a:t>E</a:t>
+            </a:r>
+            <a:r>
+              <a:rPr lang="en-US" sz="2000" dirty="0" smtClean="0"/>
+              <a:t>ach </a:t>
+            </a:r>
+            <a:r>
+              <a:rPr lang="en-US" sz="2000" dirty="0"/>
+              <a:t>arm must </a:t>
+            </a:r>
+            <a:r>
+              <a:rPr lang="en-US" sz="2000" dirty="0" smtClean="0"/>
+              <a:t>actuate, and avoid contact with the other arms</a:t>
+            </a:r>
+          </a:p>
+          <a:p>
+            <a:pPr marL="285750" indent="-285750">
+              <a:buFont typeface="Arial"/>
+              <a:buChar char="•"/>
+            </a:pPr>
+            <a:r>
+              <a:rPr lang="en-US" sz="2000" dirty="0"/>
+              <a:t>Very time </a:t>
+            </a:r>
+            <a:r>
+              <a:rPr lang="en-US" sz="2000" dirty="0" smtClean="0"/>
+              <a:t>critical component</a:t>
+            </a:r>
+          </a:p>
+          <a:p>
+            <a:pPr marL="285750" indent="-285750">
+              <a:buFont typeface="Arial"/>
+              <a:buChar char="•"/>
+            </a:pPr>
+            <a:r>
+              <a:rPr lang="en-US" sz="2000" dirty="0" smtClean="0"/>
+              <a:t>Initial ideas included motors</a:t>
+            </a:r>
+          </a:p>
+          <a:p>
+            <a:pPr marL="800100" lvl="1" indent="-342900">
+              <a:buFont typeface="Arial"/>
+              <a:buChar char="•"/>
+            </a:pPr>
+            <a:r>
+              <a:rPr lang="en-US" sz="2000" dirty="0" smtClean="0"/>
+              <a:t>Rotary motion to linear motion</a:t>
+            </a:r>
+          </a:p>
+          <a:p>
+            <a:pPr marL="800100" lvl="1" indent="-342900">
+              <a:buFont typeface="Arial"/>
+              <a:buChar char="•"/>
+            </a:pPr>
+            <a:r>
+              <a:rPr lang="en-US" sz="2000" dirty="0" smtClean="0"/>
+              <a:t>Linear actuator motor</a:t>
+            </a:r>
+          </a:p>
+          <a:p>
+            <a:pPr marL="342900" indent="-342900">
+              <a:buFont typeface="Arial"/>
+              <a:buChar char="•"/>
+            </a:pPr>
+            <a:r>
+              <a:rPr lang="en-US" sz="2000" dirty="0" smtClean="0"/>
+              <a:t>Solution</a:t>
+            </a:r>
+            <a:r>
+              <a:rPr lang="en-US" sz="2000" dirty="0"/>
+              <a:t>: </a:t>
+            </a:r>
+            <a:r>
+              <a:rPr lang="en-US" sz="2000" dirty="0" smtClean="0"/>
+              <a:t>double action pneumatic air cylinder</a:t>
+            </a:r>
+          </a:p>
+          <a:p>
+            <a:pPr marL="800100" lvl="1" indent="-342900">
+              <a:buFont typeface="Arial"/>
+              <a:buChar char="•"/>
+            </a:pPr>
+            <a:r>
+              <a:rPr lang="en-US" sz="2000" dirty="0" smtClean="0"/>
+              <a:t>High Speed</a:t>
+            </a:r>
+          </a:p>
+          <a:p>
+            <a:pPr marL="800100" lvl="1" indent="-342900">
+              <a:buFont typeface="Arial"/>
+              <a:buChar char="•"/>
+            </a:pPr>
+            <a:r>
+              <a:rPr lang="en-US" sz="2000" dirty="0" smtClean="0"/>
+              <a:t>Affordable</a:t>
+            </a:r>
+          </a:p>
+          <a:p>
+            <a:pPr marL="800100" lvl="1" indent="-342900">
+              <a:buFont typeface="Arial"/>
+              <a:buChar char="•"/>
+            </a:pPr>
+            <a:r>
+              <a:rPr lang="en-US" sz="2000" dirty="0" smtClean="0"/>
+              <a:t>Small footprint</a:t>
+            </a:r>
+          </a:p>
+          <a:p>
+            <a:pPr marL="342900" indent="-342900">
+              <a:buFont typeface="Arial"/>
+              <a:buChar char="•"/>
+            </a:pPr>
+            <a:r>
+              <a:rPr lang="en-US" sz="2000" dirty="0" smtClean="0"/>
+              <a:t>Controlled by solenoid valve and a </a:t>
+            </a:r>
+          </a:p>
+          <a:p>
+            <a:r>
+              <a:rPr lang="en-US" sz="2000" dirty="0"/>
+              <a:t> </a:t>
+            </a:r>
+            <a:r>
+              <a:rPr lang="en-US" sz="2000" dirty="0" smtClean="0"/>
+              <a:t>    Relay board</a:t>
+            </a:r>
+          </a:p>
+          <a:p>
+            <a:pPr marL="342900" indent="-342900">
+              <a:buFont typeface="Arial"/>
+              <a:buChar char="•"/>
+            </a:pPr>
+            <a:r>
+              <a:rPr lang="en-US" sz="2000" dirty="0" smtClean="0"/>
+              <a:t>Simultaneous coaxial pair motion</a:t>
+            </a:r>
+          </a:p>
+          <a:p>
+            <a:pPr marL="342900" indent="-342900">
+              <a:buFont typeface="Arial"/>
+              <a:buChar char="•"/>
+            </a:pPr>
+            <a:r>
+              <a:rPr lang="en-US" sz="2000" dirty="0" smtClean="0"/>
+              <a:t>Approximately 80-100psi</a:t>
+            </a:r>
+            <a:endParaRPr lang="en-US" sz="2000" dirty="0"/>
+          </a:p>
+          <a:p>
+            <a:pPr marL="285750" indent="-285750">
+              <a:buFont typeface="Arial"/>
+              <a:buChar char="•"/>
+            </a:pPr>
+            <a:endParaRPr lang="en-US" sz="2000" dirty="0" smtClean="0"/>
+          </a:p>
+          <a:p>
+            <a:pPr marL="285750" indent="-285750">
+              <a:buFont typeface="Arial"/>
+              <a:buChar char="•"/>
+            </a:pPr>
+            <a:endParaRPr lang="en-US" dirty="0"/>
+          </a:p>
+        </p:txBody>
+      </p:sp>
     </p:spTree>
     <p:extLst>
       <p:ext uri="{BB962C8B-B14F-4D97-AF65-F5344CB8AC3E}">
@@ -18580,7 +18778,7 @@
   <p:timing>
     <p:tnLst>
       <p:par>
-        <p:cTn id="1" dur="indefinite" restart="never" nodeType="tmRoot"/>
+        <p:cTn xmlns:p14="http://schemas.microsoft.com/office/powerpoint/2010/main" id="1" dur="indefinite" restart="never" nodeType="tmRoot"/>
       </p:par>
     </p:tnLst>
   </p:timing>
@@ -18654,11 +18852,134 @@
         </p:blipFill>
         <p:spPr>
           <a:xfrm>
-            <a:off x="2205694" y="2249488"/>
-            <a:ext cx="4729437" cy="3541712"/>
+            <a:off x="5104798" y="4075705"/>
+            <a:ext cx="3180760" cy="2381961"/>
           </a:xfrm>
         </p:spPr>
       </p:pic>
+      <p:sp>
+        <p:nvSpPr>
+          <p:cNvPr id="6" name="TextBox 5"/>
+          <p:cNvSpPr txBox="1"/>
+          <p:nvPr/>
+        </p:nvSpPr>
+        <p:spPr>
+          <a:xfrm>
+            <a:off x="856060" y="2364069"/>
+            <a:ext cx="7115471" cy="3785652"/>
+          </a:xfrm>
+          <a:prstGeom prst="rect">
+            <a:avLst/>
+          </a:prstGeom>
+          <a:noFill/>
+        </p:spPr>
+        <p:txBody>
+          <a:bodyPr wrap="square" rtlCol="0">
+            <a:spAutoFit/>
+          </a:bodyPr>
+          <a:lstStyle/>
+          <a:p>
+            <a:pPr marL="342900" indent="-342900">
+              <a:buFont typeface="Arial"/>
+              <a:buChar char="•"/>
+            </a:pPr>
+            <a:r>
+              <a:rPr lang="en-US" sz="2000" dirty="0"/>
+              <a:t>Each actuating arm will have a stepper </a:t>
+            </a:r>
+            <a:r>
+              <a:rPr lang="en-US" sz="2000" dirty="0" smtClean="0"/>
+              <a:t>motor to control rotating each face of the cube</a:t>
+            </a:r>
+          </a:p>
+          <a:p>
+            <a:pPr marL="342900" indent="-342900">
+              <a:buFont typeface="Arial"/>
+              <a:buChar char="•"/>
+            </a:pPr>
+            <a:r>
+              <a:rPr lang="en-US" sz="2000" dirty="0" smtClean="0"/>
+              <a:t>90 degree or 180 degree rotations</a:t>
+            </a:r>
+          </a:p>
+          <a:p>
+            <a:pPr marL="342900" indent="-342900">
+              <a:buFont typeface="Arial"/>
+              <a:buChar char="•"/>
+            </a:pPr>
+            <a:r>
+              <a:rPr lang="en-US" sz="2000" dirty="0" smtClean="0"/>
+              <a:t>Clockwise or Counter-Clockwise rotations</a:t>
+            </a:r>
+          </a:p>
+          <a:p>
+            <a:pPr marL="342900" indent="-342900">
+              <a:buFont typeface="Arial"/>
+              <a:buChar char="•"/>
+            </a:pPr>
+            <a:r>
+              <a:rPr lang="en-US" sz="2000" dirty="0" smtClean="0"/>
+              <a:t>Controlled by a FPGA and Motor control board, which contains a motor driver chip for each stepper</a:t>
+            </a:r>
+          </a:p>
+          <a:p>
+            <a:pPr marL="342900" indent="-342900">
+              <a:buFont typeface="Arial"/>
+              <a:buChar char="•"/>
+            </a:pPr>
+            <a:r>
+              <a:rPr lang="en-US" sz="2000" dirty="0" smtClean="0"/>
+              <a:t>Full Steps, no micro-stepping</a:t>
+            </a:r>
+          </a:p>
+          <a:p>
+            <a:pPr marL="342900" indent="-342900">
+              <a:buFont typeface="Arial"/>
+              <a:buChar char="•"/>
+            </a:pPr>
+            <a:r>
+              <a:rPr lang="en-US" sz="2000" dirty="0" smtClean="0"/>
+              <a:t>Break Sensor for 90 degree </a:t>
+            </a:r>
+          </a:p>
+          <a:p>
+            <a:r>
+              <a:rPr lang="en-US" sz="2000" dirty="0"/>
+              <a:t> </a:t>
+            </a:r>
+            <a:r>
+              <a:rPr lang="en-US" sz="2000" dirty="0" smtClean="0"/>
+              <a:t>   </a:t>
+            </a:r>
+            <a:r>
+              <a:rPr lang="en-US" sz="2000" smtClean="0"/>
+              <a:t> alignment.</a:t>
+            </a:r>
+            <a:endParaRPr lang="en-US" sz="2000" dirty="0" smtClean="0"/>
+          </a:p>
+          <a:p>
+            <a:pPr marL="342900" indent="-342900">
+              <a:buFont typeface="Arial"/>
+              <a:buChar char="•"/>
+            </a:pPr>
+            <a:endParaRPr lang="en-US" sz="2000" dirty="0" smtClean="0"/>
+          </a:p>
+          <a:p>
+            <a:pPr marL="342900" indent="-342900">
+              <a:buFont typeface="Arial"/>
+              <a:buChar char="•"/>
+            </a:pPr>
+            <a:endParaRPr lang="en-US" sz="2000" dirty="0" smtClean="0"/>
+          </a:p>
+          <a:p>
+            <a:pPr marL="342900" indent="-342900">
+              <a:buFont typeface="Arial"/>
+              <a:buChar char="•"/>
+            </a:pPr>
+            <a:endParaRPr lang="en-US" sz="2000" dirty="0"/>
+          </a:p>
+        </p:txBody>
+      </p:sp>
     </p:spTree>
     <p:extLst>
       <p:ext uri="{BB962C8B-B14F-4D97-AF65-F5344CB8AC3E}">
@@ -18672,7 +18993,7 @@
   <p:timing>
     <p:tnLst>
       <p:par>
-        <p:cTn id="1" dur="indefinite" restart="never" nodeType="tmRoot"/>
+        <p:cTn xmlns:p14="http://schemas.microsoft.com/office/powerpoint/2010/main" id="1" dur="indefinite" restart="never" nodeType="tmRoot"/>
       </p:par>
     </p:tnLst>
   </p:timing>
@@ -18812,7 +19133,7 @@
   <p:timing>
     <p:tnLst>
       <p:par>
-        <p:cTn id="1" dur="indefinite" restart="never" nodeType="tmRoot"/>
+        <p:cTn xmlns:p14="http://schemas.microsoft.com/office/powerpoint/2010/main" id="1" dur="indefinite" restart="never" nodeType="tmRoot"/>
       </p:par>
     </p:tnLst>
   </p:timing>
@@ -18917,11 +19238,7 @@
             </a:r>
             <a:r>
               <a:rPr lang="en-US" dirty="0" smtClean="0"/>
-              <a:t> </a:t>
-            </a:r>
-            <a:r>
-              <a:rPr lang="en-US" dirty="0" smtClean="0"/>
-              <a:t>Industries</a:t>
+              <a:t> Industries</a:t>
             </a:r>
             <a:endParaRPr lang="en-US" dirty="0"/>
           </a:p>
@@ -19031,7 +19348,7 @@
   <p:timing>
     <p:tnLst>
       <p:par>
-        <p:cTn id="1" dur="indefinite" restart="never" nodeType="tmRoot"/>
+        <p:cTn xmlns:p14="http://schemas.microsoft.com/office/powerpoint/2010/main" id="1" dur="indefinite" restart="never" nodeType="tmRoot"/>
       </p:par>
     </p:tnLst>
   </p:timing>
@@ -19326,7 +19643,7 @@
   <p:timing>
     <p:tnLst>
       <p:par>
-        <p:cTn id="1" dur="indefinite" restart="never" nodeType="tmRoot"/>
+        <p:cTn xmlns:p14="http://schemas.microsoft.com/office/powerpoint/2010/main" id="1" dur="indefinite" restart="never" nodeType="tmRoot"/>
       </p:par>
     </p:tnLst>
   </p:timing>
@@ -19395,11 +19712,7 @@
             </a:r>
             <a:r>
               <a:rPr lang="en-US" dirty="0" smtClean="0"/>
-              <a:t> 3 – Fastest robot to solv</a:t>
-            </a:r>
-            <a:r>
-              <a:rPr lang="en-US" dirty="0" smtClean="0"/>
-              <a:t>e a Rubik’s Cube (3.253s) [1].</a:t>
+              <a:t> 3 – Fastest robot to solve a Rubik’s Cube (3.253s) [1].</a:t>
             </a:r>
           </a:p>
           <a:p>
@@ -19417,7 +19730,7 @@
             <a:picLocks noRot="1" noChangeAspect="1"/>
           </p:cNvPicPr>
           <p:nvPr>
-            <a:videoFile r:link="rId1"/>
+            <a:quickTimeFile r:link="rId1"/>
           </p:nvPr>
         </p:nvPicPr>
         <p:blipFill>
@@ -19449,7 +19762,7 @@
   <p:timing>
     <p:tnLst>
       <p:par>
-        <p:cTn id="1" dur="indefinite" restart="never" nodeType="tmRoot"/>
+        <p:cTn xmlns:p14="http://schemas.microsoft.com/office/powerpoint/2010/main" id="1" dur="indefinite" restart="never" nodeType="tmRoot"/>
       </p:par>
     </p:tnLst>
   </p:timing>
@@ -19542,11 +19855,7 @@
             <a:pPr lvl="1"/>
             <a:r>
               <a:rPr lang="en-US" dirty="0" smtClean="0"/>
-              <a:t>Video cameras, stepper motors, mechanical actuators, singl</a:t>
-            </a:r>
-            <a:r>
-              <a:rPr lang="en-US" dirty="0" smtClean="0"/>
-              <a:t>e-board computer, FPGA</a:t>
+              <a:t>Video cameras, stepper motors, mechanical actuators, single-board computer, FPGA</a:t>
             </a:r>
             <a:endParaRPr lang="en-US" dirty="0"/>
           </a:p>
@@ -19573,7 +19882,6 @@
               <a:rPr lang="en-US" dirty="0"/>
               <a:t>the precision needed to rotate the cube.</a:t>
             </a:r>
-            <a:endParaRPr lang="en-US" dirty="0"/>
           </a:p>
         </p:txBody>
       </p:sp>
@@ -19590,7 +19898,7 @@
   <p:timing>
     <p:tnLst>
       <p:par>
-        <p:cTn id="1" dur="indefinite" restart="never" nodeType="tmRoot"/>
+        <p:cTn xmlns:p14="http://schemas.microsoft.com/office/powerpoint/2010/main" id="1" dur="indefinite" restart="never" nodeType="tmRoot"/>
       </p:par>
     </p:tnLst>
   </p:timing>
@@ -19976,7 +20284,7 @@
   <p:timing>
     <p:tnLst>
       <p:par>
-        <p:cTn id="1" dur="indefinite" restart="never" nodeType="tmRoot"/>
+        <p:cTn xmlns:p14="http://schemas.microsoft.com/office/powerpoint/2010/main" id="1" dur="indefinite" restart="never" nodeType="tmRoot"/>
       </p:par>
     </p:tnLst>
   </p:timing>
@@ -20123,15 +20431,7 @@
             </a:r>
             <a:r>
               <a:rPr lang="en-US" sz="1600" dirty="0" smtClean="0"/>
-              <a:t> </a:t>
-            </a:r>
-            <a:r>
-              <a:rPr lang="en-US" sz="1600" dirty="0" smtClean="0"/>
-              <a:t>Determine </a:t>
-            </a:r>
-            <a:r>
-              <a:rPr lang="en-US" sz="1600" dirty="0" smtClean="0"/>
-              <a:t>Face Color </a:t>
+              <a:t> Determine Face Color </a:t>
             </a:r>
           </a:p>
           <a:p>
@@ -20204,11 +20504,7 @@
             <a:pPr algn="ctr"/>
             <a:r>
               <a:rPr lang="en-US" sz="1600" dirty="0" smtClean="0"/>
-              <a:t>12 </a:t>
-            </a:r>
-            <a:r>
-              <a:rPr lang="en-US" sz="1600" dirty="0" smtClean="0"/>
-              <a:t>Edge </a:t>
+              <a:t>12 Edge </a:t>
             </a:r>
             <a:r>
               <a:rPr lang="en-US" sz="1600" dirty="0" err="1" smtClean="0"/>
@@ -20231,7 +20527,7 @@
   <p:timing>
     <p:tnLst>
       <p:par>
-        <p:cTn id="1" dur="indefinite" restart="never" nodeType="tmRoot"/>
+        <p:cTn xmlns:p14="http://schemas.microsoft.com/office/powerpoint/2010/main" id="1" dur="indefinite" restart="never" nodeType="tmRoot"/>
       </p:par>
     </p:tnLst>
   </p:timing>
@@ -20907,7 +21203,7 @@
   <p:timing>
     <p:tnLst>
       <p:par>
-        <p:cTn id="1" dur="indefinite" restart="never" nodeType="tmRoot"/>
+        <p:cTn xmlns:p14="http://schemas.microsoft.com/office/powerpoint/2010/main" id="1" dur="indefinite" restart="never" nodeType="tmRoot"/>
       </p:par>
     </p:tnLst>
   </p:timing>
@@ -21003,7 +21299,7 @@
   <p:timing>
     <p:tnLst>
       <p:par>
-        <p:cTn id="1" dur="indefinite" restart="never" nodeType="tmRoot"/>
+        <p:cTn xmlns:p14="http://schemas.microsoft.com/office/powerpoint/2010/main" id="1" dur="indefinite" restart="never" nodeType="tmRoot"/>
       </p:par>
     </p:tnLst>
   </p:timing>
@@ -21128,11 +21424,7 @@
           <a:p>
             <a:r>
               <a:rPr lang="en-US" dirty="0" smtClean="0"/>
-              <a:t>Contour filtering - </a:t>
-            </a:r>
-            <a:r>
-              <a:rPr lang="en-US" dirty="0" smtClean="0"/>
-              <a:t>Identify </a:t>
+              <a:t>Contour filtering - Identify </a:t>
             </a:r>
             <a:r>
               <a:rPr lang="en-US" dirty="0" err="1" smtClean="0"/>
@@ -21167,7 +21459,7 @@
   <p:timing>
     <p:tnLst>
       <p:par>
-        <p:cTn id="1" dur="indefinite" restart="never" nodeType="tmRoot"/>
+        <p:cTn xmlns:p14="http://schemas.microsoft.com/office/powerpoint/2010/main" id="1" dur="indefinite" restart="never" nodeType="tmRoot"/>
       </p:par>
     </p:tnLst>
   </p:timing>
@@ -21243,11 +21535,7 @@
             </a:r>
             <a:r>
               <a:rPr lang="en-US" dirty="0" smtClean="0"/>
-              <a:t> </a:t>
-            </a:r>
-            <a:r>
-              <a:rPr lang="en-US" dirty="0" smtClean="0"/>
-              <a:t>&amp; Solution Sequence</a:t>
+              <a:t> &amp; Solution Sequence</a:t>
             </a:r>
             <a:endParaRPr lang="en-US" dirty="0"/>
           </a:p>
@@ -21407,7 +21695,7 @@
   <p:timing>
     <p:tnLst>
       <p:par>
-        <p:cTn id="1" dur="indefinite" restart="never" nodeType="tmRoot"/>
+        <p:cTn xmlns:p14="http://schemas.microsoft.com/office/powerpoint/2010/main" id="1" dur="indefinite" restart="never" nodeType="tmRoot"/>
       </p:par>
     </p:tnLst>
   </p:timing>
@@ -21457,7 +21745,7 @@
     </a:clrScheme>
     <a:fontScheme name="Circuit">
       <a:majorFont>
-        <a:latin typeface="Tw Cen MT" panose="020B0602020104020603"/>
+        <a:latin typeface="Tw Cen MT"/>
         <a:ea typeface=""/>
         <a:cs typeface=""/>
         <a:font script="Jpan" typeface="ＭＳ Ｐゴシック"/>
@@ -21492,7 +21780,7 @@
         <a:font script="Geor" typeface="Sylfaen"/>
       </a:majorFont>
       <a:minorFont>
-        <a:latin typeface="Tw Cen MT" panose="020B0602020104020603"/>
+        <a:latin typeface="Tw Cen MT"/>
         <a:ea typeface=""/>
         <a:cs typeface=""/>
         <a:font script="Jpan" typeface="ＭＳ Ｐゴシック"/>
@@ -21659,7 +21947,7 @@
   <a:extraClrSchemeLst/>
   <a:extLst>
     <a:ext uri="{05A4C25C-085E-4340-85A3-A5531E510DB2}">
-      <thm15:themeFamily xmlns:thm15="http://schemas.microsoft.com/office/thememl/2012/main" name="Circuit" id="{0AC2F7E7-15F5-431C-B2A2-456FE929F56C}" vid="{0911B802-464C-4241-8DD9-B60FF88E379F}"/>
+      <thm15:themeFamily xmlns:thm15="http://schemas.microsoft.com/office/thememl/2012/main" xmlns="" name="Circuit" id="{0AC2F7E7-15F5-431C-B2A2-456FE929F56C}" vid="{0911B802-464C-4241-8DD9-B60FF88E379F}"/>
     </a:ext>
   </a:extLst>
 </a:theme>

--- a/Documents/Presentations/HerbertPresentation.pptx
+++ b/Documents/Presentations/HerbertPresentation.pptx
@@ -121,7 +121,7 @@
   </p:defaultTextStyle>
   <p:extLst>
     <p:ext uri="{EFAFB233-063F-42B5-8137-9DF3F51BA10A}">
-      <p15:sldGuideLst xmlns:p15="http://schemas.microsoft.com/office/powerpoint/2012/main" xmlns="">
+      <p15:sldGuideLst xmlns="" xmlns:p15="http://schemas.microsoft.com/office/powerpoint/2012/main">
         <p15:guide id="1" orient="horz" pos="2160">
           <p15:clr>
             <a:srgbClr val="A4A3A4"/>
@@ -9038,7 +9038,7 @@
 <p:sldMaster xmlns:a="http://schemas.openxmlformats.org/drawingml/2006/main" xmlns:r="http://schemas.openxmlformats.org/officeDocument/2006/relationships" xmlns:p="http://schemas.openxmlformats.org/presentationml/2006/main">
   <p:cSld>
     <p:bg>
-      <p:bgRef idx="1003">
+      <p:bgRef idx="1001">
         <a:schemeClr val="bg2"/>
       </p:bgRef>
     </p:bg>
@@ -12584,6 +12584,14 @@
 <file path=ppt/slides/slide10.xml><?xml version="1.0" encoding="utf-8"?>
 <p:sld xmlns:a="http://schemas.openxmlformats.org/drawingml/2006/main" xmlns:r="http://schemas.openxmlformats.org/officeDocument/2006/relationships" xmlns:p="http://schemas.openxmlformats.org/presentationml/2006/main">
   <p:cSld>
+    <p:bg>
+      <p:bgPr>
+        <a:solidFill>
+          <a:schemeClr val="bg2"/>
+        </a:solidFill>
+        <a:effectLst/>
+      </p:bgPr>
+    </p:bg>
     <p:spTree>
       <p:nvGrpSpPr>
         <p:cNvPr id="1" name=""/>
@@ -12620,7 +12628,7 @@
         </p:blipFill>
         <p:spPr>
           <a:xfrm>
-            <a:off x="14194" y="4761008"/>
+            <a:off x="748288" y="4878288"/>
             <a:ext cx="693055" cy="578635"/>
           </a:xfrm>
           <a:prstGeom prst="rect">
@@ -12650,7 +12658,7 @@
         </p:blipFill>
         <p:spPr>
           <a:xfrm>
-            <a:off x="8334293" y="3011800"/>
+            <a:off x="8024898" y="2987267"/>
             <a:ext cx="693055" cy="578635"/>
           </a:xfrm>
           <a:prstGeom prst="rect">
@@ -12661,15 +12669,13 @@
       <p:cxnSp>
         <p:nvCxnSpPr>
           <p:cNvPr id="131" name="Straight Arrow Connector 130"/>
-          <p:cNvCxnSpPr>
-            <a:endCxn id="141" idx="0"/>
-          </p:cNvCxnSpPr>
+          <p:cNvCxnSpPr/>
           <p:nvPr/>
         </p:nvCxnSpPr>
         <p:spPr>
           <a:xfrm flipH="1">
-            <a:off x="279980" y="838200"/>
-            <a:ext cx="3453820" cy="611970"/>
+            <a:off x="1164261" y="838200"/>
+            <a:ext cx="2569540" cy="611970"/>
           </a:xfrm>
           <a:prstGeom prst="straightConnector1">
             <a:avLst/>
@@ -12696,15 +12702,13 @@
       <p:cxnSp>
         <p:nvCxnSpPr>
           <p:cNvPr id="132" name="Straight Arrow Connector 131"/>
-          <p:cNvCxnSpPr>
-            <a:endCxn id="133" idx="0"/>
-          </p:cNvCxnSpPr>
+          <p:cNvCxnSpPr/>
           <p:nvPr/>
         </p:nvCxnSpPr>
         <p:spPr>
           <a:xfrm flipH="1">
-            <a:off x="728899" y="838200"/>
-            <a:ext cx="3004902" cy="607412"/>
+            <a:off x="1808099" y="838200"/>
+            <a:ext cx="1925702" cy="607412"/>
           </a:xfrm>
           <a:prstGeom prst="straightConnector1">
             <a:avLst/>
@@ -12736,7 +12740,7 @@
         </p:nvSpPr>
         <p:spPr>
           <a:xfrm>
-            <a:off x="569240" y="1445612"/>
+            <a:off x="1616875" y="1445612"/>
             <a:ext cx="319318" cy="369332"/>
           </a:xfrm>
           <a:prstGeom prst="rect">
@@ -12774,7 +12778,7 @@
         </p:nvSpPr>
         <p:spPr>
           <a:xfrm>
-            <a:off x="1023589" y="1450170"/>
+            <a:off x="1890826" y="1445612"/>
             <a:ext cx="335348" cy="369332"/>
           </a:xfrm>
           <a:prstGeom prst="rect">
@@ -12807,7 +12811,7 @@
         </p:nvSpPr>
         <p:spPr>
           <a:xfrm>
-            <a:off x="1425257" y="1450170"/>
+            <a:off x="2225119" y="1445612"/>
             <a:ext cx="319318" cy="369332"/>
           </a:xfrm>
           <a:prstGeom prst="rect">
@@ -12834,46 +12838,13 @@
       </p:sp>
       <p:sp>
         <p:nvSpPr>
-          <p:cNvPr id="136" name="TextBox 135"/>
-          <p:cNvSpPr txBox="1"/>
-          <p:nvPr/>
-        </p:nvSpPr>
-        <p:spPr>
-          <a:xfrm>
-            <a:off x="1851150" y="1450170"/>
-            <a:ext cx="285656" cy="369332"/>
-          </a:xfrm>
-          <a:prstGeom prst="rect">
-            <a:avLst/>
-          </a:prstGeom>
-          <a:noFill/>
-        </p:spPr>
-        <p:txBody>
-          <a:bodyPr wrap="none" rtlCol="0">
-            <a:spAutoFit/>
-          </a:bodyPr>
-          <a:lstStyle/>
-          <a:p>
-            <a:r>
-              <a:rPr lang="en-US" b="1" dirty="0">
-                <a:solidFill>
-                  <a:srgbClr val="0070C0"/>
-                </a:solidFill>
-              </a:rPr>
-              <a:t>L</a:t>
-            </a:r>
-          </a:p>
-        </p:txBody>
-      </p:sp>
-      <p:sp>
-        <p:nvSpPr>
           <p:cNvPr id="137" name="TextBox 136"/>
           <p:cNvSpPr txBox="1"/>
           <p:nvPr/>
         </p:nvSpPr>
         <p:spPr>
           <a:xfrm>
-            <a:off x="2195223" y="1450170"/>
+            <a:off x="2864383" y="1445612"/>
             <a:ext cx="346570" cy="369332"/>
           </a:xfrm>
           <a:prstGeom prst="rect">
@@ -12906,7 +12877,7 @@
         </p:nvSpPr>
         <p:spPr>
           <a:xfrm>
-            <a:off x="2743200" y="1450170"/>
+            <a:off x="3242557" y="1445612"/>
             <a:ext cx="359394" cy="369332"/>
           </a:xfrm>
           <a:prstGeom prst="rect">
@@ -12944,7 +12915,7 @@
         </p:nvSpPr>
         <p:spPr>
           <a:xfrm>
-            <a:off x="3200400" y="1450170"/>
+            <a:off x="3542082" y="1450170"/>
             <a:ext cx="383438" cy="369332"/>
           </a:xfrm>
           <a:prstGeom prst="rect">
@@ -13020,7 +12991,7 @@
         </p:nvSpPr>
         <p:spPr>
           <a:xfrm>
-            <a:off x="134748" y="1450170"/>
+            <a:off x="1036663" y="1445612"/>
             <a:ext cx="290464" cy="369332"/>
           </a:xfrm>
           <a:prstGeom prst="rect">
@@ -13096,8 +13067,8 @@
         </p:nvSpPr>
         <p:spPr>
           <a:xfrm>
-            <a:off x="4928509" y="1450170"/>
-            <a:ext cx="349776" cy="369332"/>
+            <a:off x="4810233" y="1445612"/>
+            <a:ext cx="331641" cy="369332"/>
           </a:xfrm>
           <a:prstGeom prst="rect">
             <a:avLst/>
@@ -13111,7 +13082,7 @@
           <a:lstStyle/>
           <a:p>
             <a:r>
-              <a:rPr lang="en-US" b="1" dirty="0" smtClean="0">
+              <a:rPr lang="en-US" b="1" dirty="0">
                 <a:solidFill>
                   <a:srgbClr val="0070C0"/>
                 </a:solidFill>
@@ -13134,7 +13105,7 @@
         </p:nvSpPr>
         <p:spPr>
           <a:xfrm>
-            <a:off x="5334000" y="1450170"/>
+            <a:off x="5188608" y="1440211"/>
             <a:ext cx="410690" cy="369332"/>
           </a:xfrm>
           <a:prstGeom prst="rect">
@@ -13172,7 +13143,7 @@
         </p:nvSpPr>
         <p:spPr>
           <a:xfrm>
-            <a:off x="7518128" y="1445612"/>
+            <a:off x="7070122" y="1445612"/>
             <a:ext cx="449162" cy="369332"/>
           </a:xfrm>
           <a:prstGeom prst="rect">
@@ -13210,7 +13181,7 @@
         </p:nvSpPr>
         <p:spPr>
           <a:xfrm>
-            <a:off x="5867400" y="1450170"/>
+            <a:off x="5511707" y="1440211"/>
             <a:ext cx="425116" cy="369332"/>
           </a:xfrm>
           <a:prstGeom prst="rect">
@@ -13248,7 +13219,7 @@
         </p:nvSpPr>
         <p:spPr>
           <a:xfrm>
-            <a:off x="6400800" y="1450170"/>
+            <a:off x="6033083" y="1434810"/>
             <a:ext cx="449162" cy="369332"/>
           </a:xfrm>
           <a:prstGeom prst="rect">
@@ -13286,7 +13257,7 @@
         </p:nvSpPr>
         <p:spPr>
           <a:xfrm>
-            <a:off x="6934200" y="1450170"/>
+            <a:off x="6564079" y="1450170"/>
             <a:ext cx="461986" cy="369332"/>
           </a:xfrm>
           <a:prstGeom prst="rect">
@@ -13324,7 +13295,7 @@
         </p:nvSpPr>
         <p:spPr>
           <a:xfrm>
-            <a:off x="7972134" y="1445612"/>
+            <a:off x="7660462" y="1445612"/>
             <a:ext cx="415498" cy="369332"/>
           </a:xfrm>
           <a:prstGeom prst="rect">
@@ -13339,7 +13310,7 @@
           <a:lstStyle/>
           <a:p>
             <a:r>
-              <a:rPr lang="en-US" b="1" dirty="0" smtClean="0">
+              <a:rPr lang="en-US" b="1" dirty="0">
                 <a:solidFill>
                   <a:srgbClr val="0070C0"/>
                 </a:solidFill>
@@ -13362,8 +13333,8 @@
         </p:nvSpPr>
         <p:spPr>
           <a:xfrm>
-            <a:off x="8382000" y="1450170"/>
-            <a:ext cx="476412" cy="369332"/>
+            <a:off x="8143794" y="1450170"/>
+            <a:ext cx="453707" cy="369332"/>
           </a:xfrm>
           <a:prstGeom prst="rect">
             <a:avLst/>
@@ -13377,7 +13348,7 @@
           <a:lstStyle/>
           <a:p>
             <a:r>
-              <a:rPr lang="en-US" b="1" dirty="0" smtClean="0">
+              <a:rPr lang="en-US" b="1" dirty="0">
                 <a:solidFill>
                   <a:srgbClr val="FF0000"/>
                 </a:solidFill>
@@ -13395,15 +13366,13 @@
       <p:cxnSp>
         <p:nvCxnSpPr>
           <p:cNvPr id="151" name="Straight Arrow Connector 150"/>
-          <p:cNvCxnSpPr>
-            <a:endCxn id="135" idx="0"/>
-          </p:cNvCxnSpPr>
+          <p:cNvCxnSpPr/>
           <p:nvPr/>
         </p:nvCxnSpPr>
         <p:spPr>
           <a:xfrm flipH="1">
-            <a:off x="1584916" y="838200"/>
-            <a:ext cx="2148884" cy="611970"/>
+            <a:off x="2384778" y="838200"/>
+            <a:ext cx="1349022" cy="611970"/>
           </a:xfrm>
           <a:prstGeom prst="straightConnector1">
             <a:avLst/>
@@ -13430,15 +13399,13 @@
       <p:cxnSp>
         <p:nvCxnSpPr>
           <p:cNvPr id="152" name="Straight Arrow Connector 151"/>
-          <p:cNvCxnSpPr>
-            <a:endCxn id="134" idx="0"/>
-          </p:cNvCxnSpPr>
+          <p:cNvCxnSpPr/>
           <p:nvPr/>
         </p:nvCxnSpPr>
         <p:spPr>
           <a:xfrm flipH="1">
-            <a:off x="1191263" y="838200"/>
-            <a:ext cx="2542537" cy="611970"/>
+            <a:off x="2141209" y="838200"/>
+            <a:ext cx="1592592" cy="607412"/>
           </a:xfrm>
           <a:prstGeom prst="straightConnector1">
             <a:avLst/>
@@ -13465,15 +13432,13 @@
       <p:cxnSp>
         <p:nvCxnSpPr>
           <p:cNvPr id="153" name="Straight Arrow Connector 152"/>
-          <p:cNvCxnSpPr>
-            <a:endCxn id="136" idx="0"/>
-          </p:cNvCxnSpPr>
+          <p:cNvCxnSpPr/>
           <p:nvPr/>
         </p:nvCxnSpPr>
         <p:spPr>
           <a:xfrm flipH="1">
-            <a:off x="1993978" y="838200"/>
-            <a:ext cx="1739823" cy="611970"/>
+            <a:off x="2708674" y="838200"/>
+            <a:ext cx="1025128" cy="607412"/>
           </a:xfrm>
           <a:prstGeom prst="straightConnector1">
             <a:avLst/>
@@ -13500,15 +13465,13 @@
       <p:cxnSp>
         <p:nvCxnSpPr>
           <p:cNvPr id="154" name="Straight Arrow Connector 153"/>
-          <p:cNvCxnSpPr>
-            <a:endCxn id="137" idx="0"/>
-          </p:cNvCxnSpPr>
+          <p:cNvCxnSpPr/>
           <p:nvPr/>
         </p:nvCxnSpPr>
         <p:spPr>
           <a:xfrm flipH="1">
-            <a:off x="2368508" y="838200"/>
-            <a:ext cx="1365293" cy="611970"/>
+            <a:off x="3029463" y="838200"/>
+            <a:ext cx="704339" cy="607412"/>
           </a:xfrm>
           <a:prstGeom prst="straightConnector1">
             <a:avLst/>
@@ -13535,15 +13498,13 @@
       <p:cxnSp>
         <p:nvCxnSpPr>
           <p:cNvPr id="155" name="Straight Arrow Connector 154"/>
-          <p:cNvCxnSpPr>
-            <a:endCxn id="138" idx="0"/>
-          </p:cNvCxnSpPr>
+          <p:cNvCxnSpPr/>
           <p:nvPr/>
         </p:nvCxnSpPr>
         <p:spPr>
           <a:xfrm flipH="1">
-            <a:off x="2922897" y="838200"/>
-            <a:ext cx="810904" cy="611970"/>
+            <a:off x="3386667" y="838200"/>
+            <a:ext cx="347134" cy="611970"/>
           </a:xfrm>
           <a:prstGeom prst="straightConnector1">
             <a:avLst/>
@@ -13570,15 +13531,13 @@
       <p:cxnSp>
         <p:nvCxnSpPr>
           <p:cNvPr id="156" name="Straight Arrow Connector 155"/>
-          <p:cNvCxnSpPr>
-            <a:endCxn id="139" idx="0"/>
-          </p:cNvCxnSpPr>
+          <p:cNvCxnSpPr/>
           <p:nvPr/>
         </p:nvCxnSpPr>
         <p:spPr>
           <a:xfrm flipH="1">
-            <a:off x="3392119" y="838200"/>
-            <a:ext cx="341681" cy="611970"/>
+            <a:off x="3733800" y="838200"/>
+            <a:ext cx="1" cy="611970"/>
           </a:xfrm>
           <a:prstGeom prst="straightConnector1">
             <a:avLst/>
@@ -13675,15 +13634,13 @@
       <p:cxnSp>
         <p:nvCxnSpPr>
           <p:cNvPr id="159" name="Straight Arrow Connector 158"/>
-          <p:cNvCxnSpPr>
-            <a:endCxn id="143" idx="0"/>
-          </p:cNvCxnSpPr>
+          <p:cNvCxnSpPr/>
           <p:nvPr/>
         </p:nvCxnSpPr>
         <p:spPr>
           <a:xfrm>
             <a:off x="4717220" y="838200"/>
-            <a:ext cx="386177" cy="611970"/>
+            <a:ext cx="211289" cy="607412"/>
           </a:xfrm>
           <a:prstGeom prst="straightConnector1">
             <a:avLst/>
@@ -13710,15 +13667,13 @@
       <p:cxnSp>
         <p:nvCxnSpPr>
           <p:cNvPr id="160" name="Straight Arrow Connector 159"/>
-          <p:cNvCxnSpPr>
-            <a:endCxn id="144" idx="0"/>
-          </p:cNvCxnSpPr>
+          <p:cNvCxnSpPr/>
           <p:nvPr/>
         </p:nvCxnSpPr>
         <p:spPr>
           <a:xfrm>
             <a:off x="4717220" y="838200"/>
-            <a:ext cx="822125" cy="611970"/>
+            <a:ext cx="616780" cy="607412"/>
           </a:xfrm>
           <a:prstGeom prst="straightConnector1">
             <a:avLst/>
@@ -13745,15 +13700,13 @@
       <p:cxnSp>
         <p:nvCxnSpPr>
           <p:cNvPr id="161" name="Straight Arrow Connector 160"/>
-          <p:cNvCxnSpPr>
-            <a:endCxn id="146" idx="0"/>
-          </p:cNvCxnSpPr>
+          <p:cNvCxnSpPr/>
           <p:nvPr/>
         </p:nvCxnSpPr>
         <p:spPr>
           <a:xfrm>
             <a:off x="4717220" y="838200"/>
-            <a:ext cx="1362738" cy="611970"/>
+            <a:ext cx="945371" cy="611970"/>
           </a:xfrm>
           <a:prstGeom prst="straightConnector1">
             <a:avLst/>
@@ -13780,15 +13733,13 @@
       <p:cxnSp>
         <p:nvCxnSpPr>
           <p:cNvPr id="162" name="Straight Arrow Connector 161"/>
-          <p:cNvCxnSpPr>
-            <a:endCxn id="147" idx="0"/>
-          </p:cNvCxnSpPr>
+          <p:cNvCxnSpPr/>
           <p:nvPr/>
         </p:nvCxnSpPr>
         <p:spPr>
           <a:xfrm>
             <a:off x="4717220" y="838200"/>
-            <a:ext cx="1908161" cy="611970"/>
+            <a:ext cx="1488241" cy="602011"/>
           </a:xfrm>
           <a:prstGeom prst="straightConnector1">
             <a:avLst/>
@@ -13815,15 +13766,13 @@
       <p:cxnSp>
         <p:nvCxnSpPr>
           <p:cNvPr id="163" name="Straight Arrow Connector 162"/>
-          <p:cNvCxnSpPr>
-            <a:endCxn id="148" idx="0"/>
-          </p:cNvCxnSpPr>
+          <p:cNvCxnSpPr/>
           <p:nvPr/>
         </p:nvCxnSpPr>
         <p:spPr>
           <a:xfrm>
             <a:off x="4717220" y="838200"/>
-            <a:ext cx="2447973" cy="611970"/>
+            <a:ext cx="2033663" cy="611970"/>
           </a:xfrm>
           <a:prstGeom prst="straightConnector1">
             <a:avLst/>
@@ -13850,15 +13799,13 @@
       <p:cxnSp>
         <p:nvCxnSpPr>
           <p:cNvPr id="164" name="Straight Arrow Connector 163"/>
-          <p:cNvCxnSpPr>
-            <a:endCxn id="145" idx="0"/>
-          </p:cNvCxnSpPr>
+          <p:cNvCxnSpPr/>
           <p:nvPr/>
         </p:nvCxnSpPr>
         <p:spPr>
           <a:xfrm>
             <a:off x="4717220" y="838200"/>
-            <a:ext cx="3025489" cy="607412"/>
+            <a:ext cx="2577483" cy="611970"/>
           </a:xfrm>
           <a:prstGeom prst="straightConnector1">
             <a:avLst/>
@@ -13885,15 +13832,13 @@
       <p:cxnSp>
         <p:nvCxnSpPr>
           <p:cNvPr id="165" name="Straight Arrow Connector 164"/>
-          <p:cNvCxnSpPr>
-            <a:endCxn id="149" idx="0"/>
-          </p:cNvCxnSpPr>
+          <p:cNvCxnSpPr/>
           <p:nvPr/>
         </p:nvCxnSpPr>
         <p:spPr>
           <a:xfrm>
             <a:off x="4717220" y="838200"/>
-            <a:ext cx="3462663" cy="607412"/>
+            <a:ext cx="3150991" cy="611970"/>
           </a:xfrm>
           <a:prstGeom prst="straightConnector1">
             <a:avLst/>
@@ -13920,15 +13865,13 @@
       <p:cxnSp>
         <p:nvCxnSpPr>
           <p:cNvPr id="166" name="Straight Arrow Connector 165"/>
-          <p:cNvCxnSpPr>
-            <a:endCxn id="150" idx="0"/>
-          </p:cNvCxnSpPr>
+          <p:cNvCxnSpPr/>
           <p:nvPr/>
         </p:nvCxnSpPr>
         <p:spPr>
           <a:xfrm>
             <a:off x="4717220" y="838200"/>
-            <a:ext cx="3902986" cy="611970"/>
+            <a:ext cx="3588967" cy="611970"/>
           </a:xfrm>
           <a:prstGeom prst="straightConnector1">
             <a:avLst/>
@@ -14380,7 +14323,7 @@
         </p:nvCxnSpPr>
         <p:spPr>
           <a:xfrm>
-            <a:off x="8680821" y="2423786"/>
+            <a:off x="8388201" y="2438988"/>
             <a:ext cx="0" cy="243214"/>
           </a:xfrm>
           <a:prstGeom prst="straightConnector1">
@@ -14413,8 +14356,8 @@
         </p:nvSpPr>
         <p:spPr>
           <a:xfrm>
-            <a:off x="8457042" y="2667000"/>
-            <a:ext cx="476412" cy="369332"/>
+            <a:off x="8173524" y="2667000"/>
+            <a:ext cx="453707" cy="369332"/>
           </a:xfrm>
           <a:prstGeom prst="rect">
             <a:avLst/>
@@ -14428,7 +14371,7 @@
           <a:lstStyle/>
           <a:p>
             <a:r>
-              <a:rPr lang="en-US" b="1" dirty="0" smtClean="0">
+              <a:rPr lang="en-US" b="1" dirty="0">
                 <a:solidFill>
                   <a:srgbClr val="FF0000"/>
                 </a:solidFill>
@@ -14451,8 +14394,8 @@
         </p:nvCxnSpPr>
         <p:spPr>
           <a:xfrm>
-            <a:off x="8371602" y="3011800"/>
-            <a:ext cx="652541" cy="544179"/>
+            <a:off x="8062207" y="2987267"/>
+            <a:ext cx="635620" cy="497586"/>
           </a:xfrm>
           <a:prstGeom prst="line">
             <a:avLst/>
@@ -14486,8 +14429,8 @@
         </p:nvCxnSpPr>
         <p:spPr>
           <a:xfrm flipV="1">
-            <a:off x="8411730" y="3036333"/>
-            <a:ext cx="612413" cy="519646"/>
+            <a:off x="8159682" y="3011800"/>
+            <a:ext cx="555066" cy="473053"/>
           </a:xfrm>
           <a:prstGeom prst="line">
             <a:avLst/>
@@ -14516,13 +14459,15 @@
       <p:cxnSp>
         <p:nvCxnSpPr>
           <p:cNvPr id="188" name="Straight Arrow Connector 187"/>
-          <p:cNvCxnSpPr/>
+          <p:cNvCxnSpPr>
+            <a:endCxn id="189" idx="0"/>
+          </p:cNvCxnSpPr>
           <p:nvPr/>
         </p:nvCxnSpPr>
         <p:spPr>
           <a:xfrm flipH="1">
-            <a:off x="279980" y="2360581"/>
-            <a:ext cx="10623" cy="306419"/>
+            <a:off x="1016479" y="2297076"/>
+            <a:ext cx="163175" cy="521030"/>
           </a:xfrm>
           <a:prstGeom prst="straightConnector1">
             <a:avLst/>
@@ -14554,7 +14499,7 @@
         </p:nvSpPr>
         <p:spPr>
           <a:xfrm>
-            <a:off x="134748" y="2700826"/>
+            <a:off x="868842" y="2818106"/>
             <a:ext cx="295274" cy="369332"/>
           </a:xfrm>
           <a:prstGeom prst="rect">
@@ -14592,7 +14537,7 @@
         </p:nvCxnSpPr>
         <p:spPr>
           <a:xfrm flipH="1">
-            <a:off x="269357" y="3070158"/>
+            <a:off x="1003451" y="3187438"/>
             <a:ext cx="10623" cy="306419"/>
           </a:xfrm>
           <a:prstGeom prst="straightConnector1">
@@ -14625,7 +14570,7 @@
         </p:nvCxnSpPr>
         <p:spPr>
           <a:xfrm flipH="1">
-            <a:off x="274668" y="3745909"/>
+            <a:off x="1008762" y="3863189"/>
             <a:ext cx="10623" cy="306419"/>
           </a:xfrm>
           <a:prstGeom prst="straightConnector1">
@@ -14658,7 +14603,7 @@
         </p:nvSpPr>
         <p:spPr>
           <a:xfrm>
-            <a:off x="134748" y="3376577"/>
+            <a:off x="868842" y="3493857"/>
             <a:ext cx="295274" cy="369332"/>
           </a:xfrm>
           <a:prstGeom prst="rect">
@@ -14696,7 +14641,7 @@
         </p:nvSpPr>
         <p:spPr>
           <a:xfrm>
-            <a:off x="134748" y="4052328"/>
+            <a:off x="868842" y="4169608"/>
             <a:ext cx="295274" cy="369332"/>
           </a:xfrm>
           <a:prstGeom prst="rect">
@@ -14734,7 +14679,7 @@
         </p:nvCxnSpPr>
         <p:spPr>
           <a:xfrm flipH="1">
-            <a:off x="269357" y="4421659"/>
+            <a:off x="1003451" y="4538939"/>
             <a:ext cx="10623" cy="306419"/>
           </a:xfrm>
           <a:prstGeom prst="straightConnector1">
@@ -14767,8 +14712,8 @@
         </p:nvCxnSpPr>
         <p:spPr>
           <a:xfrm flipV="1">
-            <a:off x="45776" y="4752611"/>
-            <a:ext cx="612413" cy="519646"/>
+            <a:off x="868842" y="4869891"/>
+            <a:ext cx="523441" cy="587032"/>
           </a:xfrm>
           <a:prstGeom prst="line">
             <a:avLst/>
@@ -14802,8 +14747,8 @@
         </p:nvCxnSpPr>
         <p:spPr>
           <a:xfrm>
-            <a:off x="14194" y="4728078"/>
-            <a:ext cx="652541" cy="544179"/>
+            <a:off x="868842" y="4912744"/>
+            <a:ext cx="531987" cy="476793"/>
           </a:xfrm>
           <a:prstGeom prst="line">
             <a:avLst/>
@@ -14837,8 +14782,8 @@
         </p:nvCxnSpPr>
         <p:spPr>
           <a:xfrm>
-            <a:off x="290603" y="2360581"/>
-            <a:ext cx="375093" cy="306419"/>
+            <a:off x="1200244" y="2310209"/>
+            <a:ext cx="287581" cy="128779"/>
           </a:xfrm>
           <a:prstGeom prst="straightConnector1">
             <a:avLst/>
@@ -14864,13 +14809,13 @@
       </p:cxnSp>
       <p:sp>
         <p:nvSpPr>
-          <p:cNvPr id="199" name="TextBox 198"/>
+          <p:cNvPr id="205" name="TextBox 204"/>
           <p:cNvSpPr txBox="1"/>
           <p:nvPr/>
         </p:nvSpPr>
         <p:spPr>
           <a:xfrm>
-            <a:off x="780823" y="2667114"/>
+            <a:off x="1461039" y="5645049"/>
             <a:ext cx="335348" cy="369332"/>
           </a:xfrm>
           <a:prstGeom prst="rect">
@@ -14897,236 +14842,13 @@
       </p:sp>
       <p:sp>
         <p:nvSpPr>
-          <p:cNvPr id="200" name="TextBox 199"/>
-          <p:cNvSpPr txBox="1"/>
-          <p:nvPr/>
-        </p:nvSpPr>
-        <p:spPr>
-          <a:xfrm>
-            <a:off x="1395250" y="3038701"/>
-            <a:ext cx="425116" cy="369332"/>
-          </a:xfrm>
-          <a:prstGeom prst="rect">
-            <a:avLst/>
-          </a:prstGeom>
-          <a:noFill/>
-        </p:spPr>
-        <p:txBody>
-          <a:bodyPr wrap="none" rtlCol="0">
-            <a:spAutoFit/>
-          </a:bodyPr>
-          <a:lstStyle/>
-          <a:p>
-            <a:r>
-              <a:rPr lang="en-US" b="1" dirty="0" smtClean="0">
-                <a:solidFill>
-                  <a:srgbClr val="FFFF00"/>
-                </a:solidFill>
-              </a:rPr>
-              <a:t>F2</a:t>
-            </a:r>
-            <a:endParaRPr lang="en-US" b="1" dirty="0">
-              <a:solidFill>
-                <a:srgbClr val="FFFF00"/>
-              </a:solidFill>
-            </a:endParaRPr>
-          </a:p>
-        </p:txBody>
-      </p:sp>
-      <p:sp>
-        <p:nvSpPr>
-          <p:cNvPr id="201" name="TextBox 200"/>
-          <p:cNvSpPr txBox="1"/>
-          <p:nvPr/>
-        </p:nvSpPr>
-        <p:spPr>
-          <a:xfrm>
-            <a:off x="748763" y="3414590"/>
-            <a:ext cx="415498" cy="369332"/>
-          </a:xfrm>
-          <a:prstGeom prst="rect">
-            <a:avLst/>
-          </a:prstGeom>
-          <a:noFill/>
-        </p:spPr>
-        <p:txBody>
-          <a:bodyPr wrap="none" rtlCol="0">
-            <a:spAutoFit/>
-          </a:bodyPr>
-          <a:lstStyle/>
-          <a:p>
-            <a:r>
-              <a:rPr lang="en-US" b="1" dirty="0" smtClean="0">
-                <a:solidFill>
-                  <a:srgbClr val="0070C0"/>
-                </a:solidFill>
-              </a:rPr>
-              <a:t>L2</a:t>
-            </a:r>
-            <a:endParaRPr lang="en-US" b="1" dirty="0">
-              <a:solidFill>
-                <a:srgbClr val="0070C0"/>
-              </a:solidFill>
-            </a:endParaRPr>
-          </a:p>
-        </p:txBody>
-      </p:sp>
-      <p:sp>
-        <p:nvSpPr>
-          <p:cNvPr id="202" name="TextBox 201"/>
-          <p:cNvSpPr txBox="1"/>
-          <p:nvPr/>
-        </p:nvSpPr>
-        <p:spPr>
-          <a:xfrm>
-            <a:off x="1348529" y="3714452"/>
-            <a:ext cx="461986" cy="369332"/>
-          </a:xfrm>
-          <a:prstGeom prst="rect">
-            <a:avLst/>
-          </a:prstGeom>
-          <a:noFill/>
-        </p:spPr>
-        <p:txBody>
-          <a:bodyPr wrap="none" rtlCol="0">
-            <a:spAutoFit/>
-          </a:bodyPr>
-          <a:lstStyle/>
-          <a:p>
-            <a:r>
-              <a:rPr lang="en-US" b="1" dirty="0" smtClean="0">
-                <a:solidFill>
-                  <a:srgbClr val="FFC000"/>
-                </a:solidFill>
-              </a:rPr>
-              <a:t>U2</a:t>
-            </a:r>
-            <a:endParaRPr lang="en-US" b="1" dirty="0">
-              <a:solidFill>
-                <a:srgbClr val="FFC000"/>
-              </a:solidFill>
-            </a:endParaRPr>
-          </a:p>
-        </p:txBody>
-      </p:sp>
-      <p:sp>
-        <p:nvSpPr>
-          <p:cNvPr id="203" name="TextBox 202"/>
-          <p:cNvSpPr txBox="1"/>
-          <p:nvPr/>
-        </p:nvSpPr>
-        <p:spPr>
-          <a:xfrm>
-            <a:off x="732733" y="4107001"/>
-            <a:ext cx="449162" cy="369332"/>
-          </a:xfrm>
-          <a:prstGeom prst="rect">
-            <a:avLst/>
-          </a:prstGeom>
-          <a:noFill/>
-        </p:spPr>
-        <p:txBody>
-          <a:bodyPr wrap="none" rtlCol="0">
-            <a:spAutoFit/>
-          </a:bodyPr>
-          <a:lstStyle/>
-          <a:p>
-            <a:r>
-              <a:rPr lang="en-US" b="1" dirty="0" smtClean="0">
-                <a:solidFill>
-                  <a:schemeClr val="bg1"/>
-                </a:solidFill>
-              </a:rPr>
-              <a:t>B2</a:t>
-            </a:r>
-            <a:endParaRPr lang="en-US" b="1" dirty="0">
-              <a:solidFill>
-                <a:schemeClr val="bg1"/>
-              </a:solidFill>
-            </a:endParaRPr>
-          </a:p>
-        </p:txBody>
-      </p:sp>
-      <p:sp>
-        <p:nvSpPr>
-          <p:cNvPr id="204" name="TextBox 203"/>
-          <p:cNvSpPr txBox="1"/>
-          <p:nvPr/>
-        </p:nvSpPr>
-        <p:spPr>
-          <a:xfrm>
-            <a:off x="1414036" y="4391676"/>
-            <a:ext cx="349776" cy="369332"/>
-          </a:xfrm>
-          <a:prstGeom prst="rect">
-            <a:avLst/>
-          </a:prstGeom>
-          <a:noFill/>
-        </p:spPr>
-        <p:txBody>
-          <a:bodyPr wrap="none" rtlCol="0">
-            <a:spAutoFit/>
-          </a:bodyPr>
-          <a:lstStyle/>
-          <a:p>
-            <a:r>
-              <a:rPr lang="en-US" b="1" dirty="0" smtClean="0">
-                <a:solidFill>
-                  <a:srgbClr val="0070C0"/>
-                </a:solidFill>
-              </a:rPr>
-              <a:t>L’</a:t>
-            </a:r>
-            <a:endParaRPr lang="en-US" b="1" dirty="0">
-              <a:solidFill>
-                <a:srgbClr val="0070C0"/>
-              </a:solidFill>
-            </a:endParaRPr>
-          </a:p>
-        </p:txBody>
-      </p:sp>
-      <p:sp>
-        <p:nvSpPr>
-          <p:cNvPr id="205" name="TextBox 204"/>
-          <p:cNvSpPr txBox="1"/>
-          <p:nvPr/>
-        </p:nvSpPr>
-        <p:spPr>
-          <a:xfrm>
-            <a:off x="780823" y="4808944"/>
-            <a:ext cx="335348" cy="369332"/>
-          </a:xfrm>
-          <a:prstGeom prst="rect">
-            <a:avLst/>
-          </a:prstGeom>
-          <a:noFill/>
-        </p:spPr>
-        <p:txBody>
-          <a:bodyPr wrap="none" rtlCol="0">
-            <a:spAutoFit/>
-          </a:bodyPr>
-          <a:lstStyle/>
-          <a:p>
-            <a:r>
-              <a:rPr lang="en-US" b="1" dirty="0">
-                <a:solidFill>
-                  <a:srgbClr val="FFC000"/>
-                </a:solidFill>
-              </a:rPr>
-              <a:t>U</a:t>
-            </a:r>
-          </a:p>
-        </p:txBody>
-      </p:sp>
-      <p:sp>
-        <p:nvSpPr>
           <p:cNvPr id="206" name="TextBox 205"/>
           <p:cNvSpPr txBox="1"/>
           <p:nvPr/>
         </p:nvSpPr>
         <p:spPr>
           <a:xfrm>
-            <a:off x="1358937" y="5074800"/>
+            <a:off x="1936193" y="5645049"/>
             <a:ext cx="449162" cy="369332"/>
           </a:xfrm>
           <a:prstGeom prst="rect">
@@ -15164,7 +14886,7 @@
         </p:nvSpPr>
         <p:spPr>
           <a:xfrm>
-            <a:off x="813400" y="5467016"/>
+            <a:off x="2418209" y="5645049"/>
             <a:ext cx="295274" cy="369332"/>
           </a:xfrm>
           <a:prstGeom prst="rect">
@@ -15202,7 +14924,7 @@
         </p:nvSpPr>
         <p:spPr>
           <a:xfrm>
-            <a:off x="1387791" y="5884705"/>
+            <a:off x="2837744" y="5644053"/>
             <a:ext cx="383438" cy="369332"/>
           </a:xfrm>
           <a:prstGeom prst="rect">
@@ -15232,330 +14954,6 @@
           </a:p>
         </p:txBody>
       </p:sp>
-      <p:cxnSp>
-        <p:nvCxnSpPr>
-          <p:cNvPr id="209" name="Straight Arrow Connector 208"/>
-          <p:cNvCxnSpPr>
-            <a:stCxn id="199" idx="2"/>
-            <a:endCxn id="200" idx="1"/>
-          </p:cNvCxnSpPr>
-          <p:nvPr/>
-        </p:nvCxnSpPr>
-        <p:spPr>
-          <a:xfrm>
-            <a:off x="948497" y="3036446"/>
-            <a:ext cx="446753" cy="186921"/>
-          </a:xfrm>
-          <a:prstGeom prst="straightConnector1">
-            <a:avLst/>
-          </a:prstGeom>
-          <a:ln>
-            <a:tailEnd type="arrow"/>
-          </a:ln>
-        </p:spPr>
-        <p:style>
-          <a:lnRef idx="1">
-            <a:schemeClr val="accent1"/>
-          </a:lnRef>
-          <a:fillRef idx="0">
-            <a:schemeClr val="accent1"/>
-          </a:fillRef>
-          <a:effectRef idx="0">
-            <a:schemeClr val="accent1"/>
-          </a:effectRef>
-          <a:fontRef idx="minor">
-            <a:schemeClr val="tx1"/>
-          </a:fontRef>
-        </p:style>
-      </p:cxnSp>
-      <p:cxnSp>
-        <p:nvCxnSpPr>
-          <p:cNvPr id="210" name="Straight Arrow Connector 209"/>
-          <p:cNvCxnSpPr>
-            <a:stCxn id="200" idx="2"/>
-            <a:endCxn id="201" idx="3"/>
-          </p:cNvCxnSpPr>
-          <p:nvPr/>
-        </p:nvCxnSpPr>
-        <p:spPr>
-          <a:xfrm flipH="1">
-            <a:off x="1164261" y="3408033"/>
-            <a:ext cx="443547" cy="191223"/>
-          </a:xfrm>
-          <a:prstGeom prst="straightConnector1">
-            <a:avLst/>
-          </a:prstGeom>
-          <a:ln>
-            <a:tailEnd type="arrow"/>
-          </a:ln>
-        </p:spPr>
-        <p:style>
-          <a:lnRef idx="1">
-            <a:schemeClr val="accent1"/>
-          </a:lnRef>
-          <a:fillRef idx="0">
-            <a:schemeClr val="accent1"/>
-          </a:fillRef>
-          <a:effectRef idx="0">
-            <a:schemeClr val="accent1"/>
-          </a:effectRef>
-          <a:fontRef idx="minor">
-            <a:schemeClr val="tx1"/>
-          </a:fontRef>
-        </p:style>
-      </p:cxnSp>
-      <p:cxnSp>
-        <p:nvCxnSpPr>
-          <p:cNvPr id="211" name="Straight Arrow Connector 210"/>
-          <p:cNvCxnSpPr>
-            <a:stCxn id="201" idx="2"/>
-            <a:endCxn id="202" idx="1"/>
-          </p:cNvCxnSpPr>
-          <p:nvPr/>
-        </p:nvCxnSpPr>
-        <p:spPr>
-          <a:xfrm>
-            <a:off x="956512" y="3783922"/>
-            <a:ext cx="392017" cy="115196"/>
-          </a:xfrm>
-          <a:prstGeom prst="straightConnector1">
-            <a:avLst/>
-          </a:prstGeom>
-          <a:ln>
-            <a:tailEnd type="arrow"/>
-          </a:ln>
-        </p:spPr>
-        <p:style>
-          <a:lnRef idx="1">
-            <a:schemeClr val="accent1"/>
-          </a:lnRef>
-          <a:fillRef idx="0">
-            <a:schemeClr val="accent1"/>
-          </a:fillRef>
-          <a:effectRef idx="0">
-            <a:schemeClr val="accent1"/>
-          </a:effectRef>
-          <a:fontRef idx="minor">
-            <a:schemeClr val="tx1"/>
-          </a:fontRef>
-        </p:style>
-      </p:cxnSp>
-      <p:cxnSp>
-        <p:nvCxnSpPr>
-          <p:cNvPr id="212" name="Straight Arrow Connector 211"/>
-          <p:cNvCxnSpPr>
-            <a:stCxn id="202" idx="2"/>
-            <a:endCxn id="203" idx="3"/>
-          </p:cNvCxnSpPr>
-          <p:nvPr/>
-        </p:nvCxnSpPr>
-        <p:spPr>
-          <a:xfrm flipH="1">
-            <a:off x="1181895" y="4083784"/>
-            <a:ext cx="397627" cy="207883"/>
-          </a:xfrm>
-          <a:prstGeom prst="straightConnector1">
-            <a:avLst/>
-          </a:prstGeom>
-          <a:ln>
-            <a:tailEnd type="arrow"/>
-          </a:ln>
-        </p:spPr>
-        <p:style>
-          <a:lnRef idx="1">
-            <a:schemeClr val="accent1"/>
-          </a:lnRef>
-          <a:fillRef idx="0">
-            <a:schemeClr val="accent1"/>
-          </a:fillRef>
-          <a:effectRef idx="0">
-            <a:schemeClr val="accent1"/>
-          </a:effectRef>
-          <a:fontRef idx="minor">
-            <a:schemeClr val="tx1"/>
-          </a:fontRef>
-        </p:style>
-      </p:cxnSp>
-      <p:cxnSp>
-        <p:nvCxnSpPr>
-          <p:cNvPr id="213" name="Straight Arrow Connector 212"/>
-          <p:cNvCxnSpPr>
-            <a:stCxn id="203" idx="2"/>
-            <a:endCxn id="204" idx="1"/>
-          </p:cNvCxnSpPr>
-          <p:nvPr/>
-        </p:nvCxnSpPr>
-        <p:spPr>
-          <a:xfrm>
-            <a:off x="957314" y="4476333"/>
-            <a:ext cx="456722" cy="100009"/>
-          </a:xfrm>
-          <a:prstGeom prst="straightConnector1">
-            <a:avLst/>
-          </a:prstGeom>
-          <a:ln>
-            <a:tailEnd type="arrow"/>
-          </a:ln>
-        </p:spPr>
-        <p:style>
-          <a:lnRef idx="1">
-            <a:schemeClr val="accent1"/>
-          </a:lnRef>
-          <a:fillRef idx="0">
-            <a:schemeClr val="accent1"/>
-          </a:fillRef>
-          <a:effectRef idx="0">
-            <a:schemeClr val="accent1"/>
-          </a:effectRef>
-          <a:fontRef idx="minor">
-            <a:schemeClr val="tx1"/>
-          </a:fontRef>
-        </p:style>
-      </p:cxnSp>
-      <p:cxnSp>
-        <p:nvCxnSpPr>
-          <p:cNvPr id="214" name="Straight Arrow Connector 213"/>
-          <p:cNvCxnSpPr>
-            <a:stCxn id="204" idx="2"/>
-            <a:endCxn id="205" idx="3"/>
-          </p:cNvCxnSpPr>
-          <p:nvPr/>
-        </p:nvCxnSpPr>
-        <p:spPr>
-          <a:xfrm flipH="1">
-            <a:off x="1116171" y="4761008"/>
-            <a:ext cx="472753" cy="232602"/>
-          </a:xfrm>
-          <a:prstGeom prst="straightConnector1">
-            <a:avLst/>
-          </a:prstGeom>
-          <a:ln>
-            <a:tailEnd type="arrow"/>
-          </a:ln>
-        </p:spPr>
-        <p:style>
-          <a:lnRef idx="1">
-            <a:schemeClr val="accent1"/>
-          </a:lnRef>
-          <a:fillRef idx="0">
-            <a:schemeClr val="accent1"/>
-          </a:fillRef>
-          <a:effectRef idx="0">
-            <a:schemeClr val="accent1"/>
-          </a:effectRef>
-          <a:fontRef idx="minor">
-            <a:schemeClr val="tx1"/>
-          </a:fontRef>
-        </p:style>
-      </p:cxnSp>
-      <p:cxnSp>
-        <p:nvCxnSpPr>
-          <p:cNvPr id="215" name="Straight Arrow Connector 214"/>
-          <p:cNvCxnSpPr>
-            <a:stCxn id="205" idx="2"/>
-            <a:endCxn id="206" idx="1"/>
-          </p:cNvCxnSpPr>
-          <p:nvPr/>
-        </p:nvCxnSpPr>
-        <p:spPr>
-          <a:xfrm>
-            <a:off x="948497" y="5178276"/>
-            <a:ext cx="410440" cy="81190"/>
-          </a:xfrm>
-          <a:prstGeom prst="straightConnector1">
-            <a:avLst/>
-          </a:prstGeom>
-          <a:ln>
-            <a:tailEnd type="arrow"/>
-          </a:ln>
-        </p:spPr>
-        <p:style>
-          <a:lnRef idx="1">
-            <a:schemeClr val="accent1"/>
-          </a:lnRef>
-          <a:fillRef idx="0">
-            <a:schemeClr val="accent1"/>
-          </a:fillRef>
-          <a:effectRef idx="0">
-            <a:schemeClr val="accent1"/>
-          </a:effectRef>
-          <a:fontRef idx="minor">
-            <a:schemeClr val="tx1"/>
-          </a:fontRef>
-        </p:style>
-      </p:cxnSp>
-      <p:cxnSp>
-        <p:nvCxnSpPr>
-          <p:cNvPr id="216" name="Straight Arrow Connector 215"/>
-          <p:cNvCxnSpPr>
-            <a:stCxn id="206" idx="2"/>
-            <a:endCxn id="207" idx="3"/>
-          </p:cNvCxnSpPr>
-          <p:nvPr/>
-        </p:nvCxnSpPr>
-        <p:spPr>
-          <a:xfrm flipH="1">
-            <a:off x="1108674" y="5444132"/>
-            <a:ext cx="474844" cy="207550"/>
-          </a:xfrm>
-          <a:prstGeom prst="straightConnector1">
-            <a:avLst/>
-          </a:prstGeom>
-          <a:ln>
-            <a:tailEnd type="arrow"/>
-          </a:ln>
-        </p:spPr>
-        <p:style>
-          <a:lnRef idx="1">
-            <a:schemeClr val="accent1"/>
-          </a:lnRef>
-          <a:fillRef idx="0">
-            <a:schemeClr val="accent1"/>
-          </a:fillRef>
-          <a:effectRef idx="0">
-            <a:schemeClr val="accent1"/>
-          </a:effectRef>
-          <a:fontRef idx="minor">
-            <a:schemeClr val="tx1"/>
-          </a:fontRef>
-        </p:style>
-      </p:cxnSp>
-      <p:cxnSp>
-        <p:nvCxnSpPr>
-          <p:cNvPr id="217" name="Straight Arrow Connector 216"/>
-          <p:cNvCxnSpPr>
-            <a:stCxn id="207" idx="2"/>
-            <a:endCxn id="208" idx="1"/>
-          </p:cNvCxnSpPr>
-          <p:nvPr/>
-        </p:nvCxnSpPr>
-        <p:spPr>
-          <a:xfrm>
-            <a:off x="961037" y="5836348"/>
-            <a:ext cx="426754" cy="233023"/>
-          </a:xfrm>
-          <a:prstGeom prst="straightConnector1">
-            <a:avLst/>
-          </a:prstGeom>
-          <a:ln>
-            <a:tailEnd type="arrow"/>
-          </a:ln>
-        </p:spPr>
-        <p:style>
-          <a:lnRef idx="1">
-            <a:schemeClr val="accent1"/>
-          </a:lnRef>
-          <a:fillRef idx="0">
-            <a:schemeClr val="accent1"/>
-          </a:fillRef>
-          <a:effectRef idx="0">
-            <a:schemeClr val="accent1"/>
-          </a:effectRef>
-          <a:fontRef idx="minor">
-            <a:schemeClr val="tx1"/>
-          </a:fontRef>
-        </p:style>
-      </p:cxnSp>
       <p:sp>
         <p:nvSpPr>
           <p:cNvPr id="219" name="Oval 218"/>
@@ -15564,8 +14962,8 @@
         </p:nvSpPr>
         <p:spPr>
           <a:xfrm>
-            <a:off x="1811305" y="5621434"/>
-            <a:ext cx="1083839" cy="1168492"/>
+            <a:off x="3356569" y="5215208"/>
+            <a:ext cx="1009931" cy="1088811"/>
           </a:xfrm>
           <a:prstGeom prst="ellipse">
             <a:avLst/>
@@ -15604,14 +15002,14 @@
       </p:sp>
       <p:sp>
         <p:nvSpPr>
-          <p:cNvPr id="223" name="TextBox 222"/>
+          <p:cNvPr id="225" name="TextBox 224"/>
           <p:cNvSpPr txBox="1"/>
           <p:nvPr/>
         </p:nvSpPr>
         <p:spPr>
           <a:xfrm>
-            <a:off x="666735" y="1889986"/>
-            <a:ext cx="268638" cy="400110"/>
+            <a:off x="3078428" y="2310209"/>
+            <a:ext cx="2954655" cy="830997"/>
           </a:xfrm>
           <a:prstGeom prst="rect">
             <a:avLst/>
@@ -15619,137 +15017,50 @@
           <a:noFill/>
         </p:spPr>
         <p:txBody>
+          <a:bodyPr wrap="none" rtlCol="0">
+            <a:spAutoFit/>
+          </a:bodyPr>
+          <a:lstStyle/>
+          <a:p>
+            <a:pPr algn="ctr"/>
+            <a:r>
+              <a:rPr lang="en-US" sz="2400" b="1" dirty="0" smtClean="0"/>
+              <a:t>Kociemba Two-Phase</a:t>
+            </a:r>
+          </a:p>
+          <a:p>
+            <a:pPr algn="ctr"/>
+            <a:r>
+              <a:rPr lang="en-US" sz="2400" b="1" dirty="0" smtClean="0"/>
+              <a:t> Algorithm</a:t>
+            </a:r>
+            <a:endParaRPr lang="en-US" sz="2400" b="1" dirty="0"/>
+          </a:p>
+        </p:txBody>
+      </p:sp>
+      <p:sp>
+        <p:nvSpPr>
+          <p:cNvPr id="227" name="TextBox 226"/>
+          <p:cNvSpPr txBox="1"/>
+          <p:nvPr/>
+        </p:nvSpPr>
+        <p:spPr>
+          <a:xfrm>
+            <a:off x="2092403" y="3292445"/>
+            <a:ext cx="5034035" cy="1754326"/>
+          </a:xfrm>
+          <a:prstGeom prst="rect">
+            <a:avLst/>
+          </a:prstGeom>
+          <a:noFill/>
+        </p:spPr>
+        <p:txBody>
           <a:bodyPr wrap="square" rtlCol="0">
             <a:spAutoFit/>
           </a:bodyPr>
           <a:lstStyle/>
           <a:p>
-            <a:r>
-              <a:rPr lang="en-US" sz="2000" b="1" dirty="0" smtClean="0"/>
-              <a:t>.</a:t>
-            </a:r>
-            <a:endParaRPr lang="en-US" sz="2000" b="1" dirty="0"/>
-          </a:p>
-        </p:txBody>
-      </p:sp>
-      <p:sp>
-        <p:nvSpPr>
-          <p:cNvPr id="224" name="TextBox 223"/>
-          <p:cNvSpPr txBox="1"/>
-          <p:nvPr/>
-        </p:nvSpPr>
-        <p:spPr>
-          <a:xfrm>
-            <a:off x="8037549" y="1888937"/>
-            <a:ext cx="268638" cy="400110"/>
-          </a:xfrm>
-          <a:prstGeom prst="rect">
-            <a:avLst/>
-          </a:prstGeom>
-          <a:noFill/>
-        </p:spPr>
-        <p:txBody>
-          <a:bodyPr wrap="square" rtlCol="0">
-            <a:spAutoFit/>
-          </a:bodyPr>
-          <a:lstStyle/>
-          <a:p>
-            <a:r>
-              <a:rPr lang="en-US" sz="2000" b="1" dirty="0" smtClean="0"/>
-              <a:t>.</a:t>
-            </a:r>
-            <a:endParaRPr lang="en-US" sz="2000" b="1" dirty="0"/>
-          </a:p>
-        </p:txBody>
-      </p:sp>
-      <p:sp>
-        <p:nvSpPr>
-          <p:cNvPr id="225" name="TextBox 224"/>
-          <p:cNvSpPr txBox="1"/>
-          <p:nvPr/>
-        </p:nvSpPr>
-        <p:spPr>
-          <a:xfrm>
-            <a:off x="290748" y="218623"/>
-            <a:ext cx="2898037" cy="830997"/>
-          </a:xfrm>
-          <a:prstGeom prst="rect">
-            <a:avLst/>
-          </a:prstGeom>
-          <a:noFill/>
-        </p:spPr>
-        <p:txBody>
-          <a:bodyPr wrap="none" rtlCol="0">
-            <a:spAutoFit/>
-          </a:bodyPr>
-          <a:lstStyle/>
-          <a:p>
-            <a:r>
-              <a:rPr lang="en-US" sz="2400" b="1" dirty="0" smtClean="0"/>
-              <a:t>Kociemba Two-Phase</a:t>
-            </a:r>
-          </a:p>
-          <a:p>
-            <a:r>
-              <a:rPr lang="en-US" sz="2400" b="1" dirty="0" smtClean="0"/>
-              <a:t> Algorithm</a:t>
-            </a:r>
-            <a:endParaRPr lang="en-US" sz="2400" b="1" dirty="0"/>
-          </a:p>
-        </p:txBody>
-      </p:sp>
-      <p:sp>
-        <p:nvSpPr>
-          <p:cNvPr id="226" name="TextBox 225"/>
-          <p:cNvSpPr txBox="1"/>
-          <p:nvPr/>
-        </p:nvSpPr>
-        <p:spPr>
-          <a:xfrm>
-            <a:off x="6285168" y="309828"/>
-            <a:ext cx="1168910" cy="461665"/>
-          </a:xfrm>
-          <a:prstGeom prst="rect">
-            <a:avLst/>
-          </a:prstGeom>
-          <a:noFill/>
-        </p:spPr>
-        <p:txBody>
-          <a:bodyPr wrap="none" rtlCol="0">
-            <a:spAutoFit/>
-          </a:bodyPr>
-          <a:lstStyle/>
-          <a:p>
-            <a:r>
-              <a:rPr lang="en-US" sz="2400" b="1" dirty="0" smtClean="0"/>
-              <a:t>Phase 1</a:t>
-            </a:r>
-            <a:endParaRPr lang="en-US" sz="2400" b="1" dirty="0"/>
-          </a:p>
-        </p:txBody>
-      </p:sp>
-      <p:sp>
-        <p:nvSpPr>
-          <p:cNvPr id="227" name="TextBox 226"/>
-          <p:cNvSpPr txBox="1"/>
-          <p:nvPr/>
-        </p:nvSpPr>
-        <p:spPr>
-          <a:xfrm>
-            <a:off x="3715188" y="3801456"/>
-            <a:ext cx="5034035" cy="1754326"/>
-          </a:xfrm>
-          <a:prstGeom prst="rect">
-            <a:avLst/>
-          </a:prstGeom>
-          <a:noFill/>
-        </p:spPr>
-        <p:txBody>
-          <a:bodyPr wrap="square" rtlCol="0">
-            <a:spAutoFit/>
-          </a:bodyPr>
-          <a:lstStyle/>
-          <a:p>
+            <a:pPr algn="ctr"/>
             <a:r>
               <a:rPr lang="en-US" dirty="0" smtClean="0"/>
               <a:t>Phase 1</a:t>
@@ -15805,7 +15116,7 @@
         </p:nvSpPr>
         <p:spPr>
           <a:xfrm>
-            <a:off x="3094130" y="6400800"/>
+            <a:off x="2047111" y="6304019"/>
             <a:ext cx="6112571" cy="338554"/>
           </a:xfrm>
           <a:prstGeom prst="rect">
@@ -15887,7 +15198,7 @@
         </p:blipFill>
         <p:spPr>
           <a:xfrm>
-            <a:off x="48986" y="1772599"/>
+            <a:off x="875965" y="1772599"/>
             <a:ext cx="611860" cy="587982"/>
           </a:xfrm>
           <a:prstGeom prst="rect">
@@ -15917,7 +15228,7 @@
         </p:blipFill>
         <p:spPr>
           <a:xfrm>
-            <a:off x="8378030" y="1836039"/>
+            <a:off x="8062207" y="1814944"/>
             <a:ext cx="634435" cy="602949"/>
           </a:xfrm>
           <a:prstGeom prst="rect">
@@ -15947,7 +15258,7 @@
         </p:blipFill>
         <p:spPr>
           <a:xfrm>
-            <a:off x="1889202" y="5753069"/>
+            <a:off x="3407888" y="5333690"/>
             <a:ext cx="958612" cy="905221"/>
           </a:xfrm>
           <a:prstGeom prst="rect">
@@ -15955,6 +15266,567 @@
           </a:prstGeom>
         </p:spPr>
       </p:pic>
+      <p:sp>
+        <p:nvSpPr>
+          <p:cNvPr id="167" name="TextBox 166"/>
+          <p:cNvSpPr txBox="1"/>
+          <p:nvPr/>
+        </p:nvSpPr>
+        <p:spPr>
+          <a:xfrm>
+            <a:off x="1473537" y="2239120"/>
+            <a:ext cx="331190" cy="369332"/>
+          </a:xfrm>
+          <a:prstGeom prst="rect">
+            <a:avLst/>
+          </a:prstGeom>
+          <a:noFill/>
+        </p:spPr>
+        <p:txBody>
+          <a:bodyPr wrap="none" rtlCol="0">
+            <a:spAutoFit/>
+          </a:bodyPr>
+          <a:lstStyle/>
+          <a:p>
+            <a:r>
+              <a:rPr lang="en-US" b="1" dirty="0">
+                <a:solidFill>
+                  <a:srgbClr val="FFC000"/>
+                </a:solidFill>
+              </a:rPr>
+              <a:t>U</a:t>
+            </a:r>
+            <a:endParaRPr lang="en-US" b="1" dirty="0">
+              <a:solidFill>
+                <a:srgbClr val="FFC000"/>
+              </a:solidFill>
+            </a:endParaRPr>
+          </a:p>
+        </p:txBody>
+      </p:sp>
+      <p:cxnSp>
+        <p:nvCxnSpPr>
+          <p:cNvPr id="182" name="Straight Arrow Connector 181"/>
+          <p:cNvCxnSpPr/>
+          <p:nvPr/>
+        </p:nvCxnSpPr>
+        <p:spPr>
+          <a:xfrm flipH="1">
+            <a:off x="1612779" y="2537974"/>
+            <a:ext cx="10432" cy="258052"/>
+          </a:xfrm>
+          <a:prstGeom prst="straightConnector1">
+            <a:avLst/>
+          </a:prstGeom>
+          <a:ln>
+            <a:tailEnd type="arrow"/>
+          </a:ln>
+        </p:spPr>
+        <p:style>
+          <a:lnRef idx="1">
+            <a:schemeClr val="accent1"/>
+          </a:lnRef>
+          <a:fillRef idx="0">
+            <a:schemeClr val="accent1"/>
+          </a:fillRef>
+          <a:effectRef idx="0">
+            <a:schemeClr val="accent1"/>
+          </a:effectRef>
+          <a:fontRef idx="minor">
+            <a:schemeClr val="tx1"/>
+          </a:fontRef>
+        </p:style>
+      </p:cxnSp>
+      <p:cxnSp>
+        <p:nvCxnSpPr>
+          <p:cNvPr id="184" name="Straight Arrow Connector 183"/>
+          <p:cNvCxnSpPr/>
+          <p:nvPr/>
+        </p:nvCxnSpPr>
+        <p:spPr>
+          <a:xfrm flipH="1">
+            <a:off x="1612779" y="3178434"/>
+            <a:ext cx="10623" cy="306419"/>
+          </a:xfrm>
+          <a:prstGeom prst="straightConnector1">
+            <a:avLst/>
+          </a:prstGeom>
+          <a:ln>
+            <a:tailEnd type="arrow"/>
+          </a:ln>
+        </p:spPr>
+        <p:style>
+          <a:lnRef idx="1">
+            <a:schemeClr val="accent1"/>
+          </a:lnRef>
+          <a:fillRef idx="0">
+            <a:schemeClr val="accent1"/>
+          </a:fillRef>
+          <a:effectRef idx="0">
+            <a:schemeClr val="accent1"/>
+          </a:effectRef>
+          <a:fontRef idx="minor">
+            <a:schemeClr val="tx1"/>
+          </a:fontRef>
+        </p:style>
+      </p:cxnSp>
+      <p:sp>
+        <p:nvSpPr>
+          <p:cNvPr id="195" name="TextBox 194"/>
+          <p:cNvSpPr txBox="1"/>
+          <p:nvPr/>
+        </p:nvSpPr>
+        <p:spPr>
+          <a:xfrm>
+            <a:off x="1449201" y="2796026"/>
+            <a:ext cx="417753" cy="369332"/>
+          </a:xfrm>
+          <a:prstGeom prst="rect">
+            <a:avLst/>
+          </a:prstGeom>
+          <a:noFill/>
+        </p:spPr>
+        <p:txBody>
+          <a:bodyPr wrap="none" rtlCol="0">
+            <a:spAutoFit/>
+          </a:bodyPr>
+          <a:lstStyle/>
+          <a:p>
+            <a:r>
+              <a:rPr lang="en-US" b="1" dirty="0" smtClean="0">
+                <a:solidFill>
+                  <a:srgbClr val="FFFF00"/>
+                </a:solidFill>
+              </a:rPr>
+              <a:t>F2</a:t>
+            </a:r>
+            <a:endParaRPr lang="en-US" b="1" dirty="0">
+              <a:solidFill>
+                <a:srgbClr val="FFFF00"/>
+              </a:solidFill>
+            </a:endParaRPr>
+          </a:p>
+        </p:txBody>
+      </p:sp>
+      <p:sp>
+        <p:nvSpPr>
+          <p:cNvPr id="218" name="TextBox 217"/>
+          <p:cNvSpPr txBox="1"/>
+          <p:nvPr/>
+        </p:nvSpPr>
+        <p:spPr>
+          <a:xfrm>
+            <a:off x="1428475" y="3405769"/>
+            <a:ext cx="405692" cy="369332"/>
+          </a:xfrm>
+          <a:prstGeom prst="rect">
+            <a:avLst/>
+          </a:prstGeom>
+          <a:noFill/>
+        </p:spPr>
+        <p:txBody>
+          <a:bodyPr wrap="none" rtlCol="0">
+            <a:spAutoFit/>
+          </a:bodyPr>
+          <a:lstStyle/>
+          <a:p>
+            <a:r>
+              <a:rPr lang="en-US" b="1" dirty="0">
+                <a:solidFill>
+                  <a:srgbClr val="0070C0"/>
+                </a:solidFill>
+              </a:rPr>
+              <a:t>L2</a:t>
+            </a:r>
+            <a:endParaRPr lang="en-US" b="1" dirty="0">
+              <a:solidFill>
+                <a:srgbClr val="0070C0"/>
+              </a:solidFill>
+            </a:endParaRPr>
+          </a:p>
+        </p:txBody>
+      </p:sp>
+      <p:sp>
+        <p:nvSpPr>
+          <p:cNvPr id="222" name="TextBox 221"/>
+          <p:cNvSpPr txBox="1"/>
+          <p:nvPr/>
+        </p:nvSpPr>
+        <p:spPr>
+          <a:xfrm>
+            <a:off x="1408664" y="4026544"/>
+            <a:ext cx="453707" cy="369332"/>
+          </a:xfrm>
+          <a:prstGeom prst="rect">
+            <a:avLst/>
+          </a:prstGeom>
+          <a:noFill/>
+        </p:spPr>
+        <p:txBody>
+          <a:bodyPr wrap="none" rtlCol="0">
+            <a:spAutoFit/>
+          </a:bodyPr>
+          <a:lstStyle/>
+          <a:p>
+            <a:r>
+              <a:rPr lang="en-US" b="1" dirty="0">
+                <a:solidFill>
+                  <a:srgbClr val="FFC000"/>
+                </a:solidFill>
+              </a:rPr>
+              <a:t>U2</a:t>
+            </a:r>
+            <a:endParaRPr lang="en-US" b="1" dirty="0">
+              <a:solidFill>
+                <a:srgbClr val="FFC000"/>
+              </a:solidFill>
+            </a:endParaRPr>
+          </a:p>
+        </p:txBody>
+      </p:sp>
+      <p:sp>
+        <p:nvSpPr>
+          <p:cNvPr id="267" name="TextBox 266"/>
+          <p:cNvSpPr txBox="1"/>
+          <p:nvPr/>
+        </p:nvSpPr>
+        <p:spPr>
+          <a:xfrm>
+            <a:off x="1408664" y="4543412"/>
+            <a:ext cx="429475" cy="369332"/>
+          </a:xfrm>
+          <a:prstGeom prst="rect">
+            <a:avLst/>
+          </a:prstGeom>
+          <a:noFill/>
+        </p:spPr>
+        <p:txBody>
+          <a:bodyPr wrap="none" rtlCol="0">
+            <a:spAutoFit/>
+          </a:bodyPr>
+          <a:lstStyle/>
+          <a:p>
+            <a:r>
+              <a:rPr lang="en-US" b="1" dirty="0">
+                <a:solidFill>
+                  <a:schemeClr val="bg1"/>
+                </a:solidFill>
+              </a:rPr>
+              <a:t>B2</a:t>
+            </a:r>
+            <a:endParaRPr lang="en-US" b="1" dirty="0">
+              <a:solidFill>
+                <a:schemeClr val="bg1"/>
+              </a:solidFill>
+            </a:endParaRPr>
+          </a:p>
+        </p:txBody>
+      </p:sp>
+      <p:cxnSp>
+        <p:nvCxnSpPr>
+          <p:cNvPr id="268" name="Straight Arrow Connector 267"/>
+          <p:cNvCxnSpPr/>
+          <p:nvPr/>
+        </p:nvCxnSpPr>
+        <p:spPr>
+          <a:xfrm flipH="1">
+            <a:off x="1618090" y="4308105"/>
+            <a:ext cx="10623" cy="306419"/>
+          </a:xfrm>
+          <a:prstGeom prst="straightConnector1">
+            <a:avLst/>
+          </a:prstGeom>
+          <a:ln>
+            <a:tailEnd type="arrow"/>
+          </a:ln>
+        </p:spPr>
+        <p:style>
+          <a:lnRef idx="1">
+            <a:schemeClr val="accent1"/>
+          </a:lnRef>
+          <a:fillRef idx="0">
+            <a:schemeClr val="accent1"/>
+          </a:fillRef>
+          <a:effectRef idx="0">
+            <a:schemeClr val="accent1"/>
+          </a:effectRef>
+          <a:fontRef idx="minor">
+            <a:schemeClr val="tx1"/>
+          </a:fontRef>
+        </p:style>
+      </p:cxnSp>
+      <p:sp>
+        <p:nvSpPr>
+          <p:cNvPr id="269" name="TextBox 268"/>
+          <p:cNvSpPr txBox="1"/>
+          <p:nvPr/>
+        </p:nvSpPr>
+        <p:spPr>
+          <a:xfrm>
+            <a:off x="1453934" y="5087591"/>
+            <a:ext cx="338554" cy="369332"/>
+          </a:xfrm>
+          <a:prstGeom prst="rect">
+            <a:avLst/>
+          </a:prstGeom>
+          <a:noFill/>
+        </p:spPr>
+        <p:txBody>
+          <a:bodyPr wrap="none" rtlCol="0">
+            <a:spAutoFit/>
+          </a:bodyPr>
+          <a:lstStyle/>
+          <a:p>
+            <a:r>
+              <a:rPr lang="en-US" b="1" dirty="0">
+                <a:solidFill>
+                  <a:srgbClr val="0070C0"/>
+                </a:solidFill>
+              </a:rPr>
+              <a:t>L’</a:t>
+            </a:r>
+            <a:endParaRPr lang="en-US" b="1" dirty="0">
+              <a:solidFill>
+                <a:srgbClr val="0070C0"/>
+              </a:solidFill>
+            </a:endParaRPr>
+          </a:p>
+        </p:txBody>
+      </p:sp>
+      <p:cxnSp>
+        <p:nvCxnSpPr>
+          <p:cNvPr id="276" name="Straight Arrow Connector 275"/>
+          <p:cNvCxnSpPr/>
+          <p:nvPr/>
+        </p:nvCxnSpPr>
+        <p:spPr>
+          <a:xfrm flipH="1">
+            <a:off x="1617886" y="3745909"/>
+            <a:ext cx="10623" cy="306419"/>
+          </a:xfrm>
+          <a:prstGeom prst="straightConnector1">
+            <a:avLst/>
+          </a:prstGeom>
+          <a:ln>
+            <a:tailEnd type="arrow"/>
+          </a:ln>
+        </p:spPr>
+        <p:style>
+          <a:lnRef idx="1">
+            <a:schemeClr val="accent1"/>
+          </a:lnRef>
+          <a:fillRef idx="0">
+            <a:schemeClr val="accent1"/>
+          </a:fillRef>
+          <a:effectRef idx="0">
+            <a:schemeClr val="accent1"/>
+          </a:effectRef>
+          <a:fontRef idx="minor">
+            <a:schemeClr val="tx1"/>
+          </a:fontRef>
+        </p:style>
+      </p:cxnSp>
+      <p:cxnSp>
+        <p:nvCxnSpPr>
+          <p:cNvPr id="279" name="Straight Arrow Connector 278"/>
+          <p:cNvCxnSpPr/>
+          <p:nvPr/>
+        </p:nvCxnSpPr>
+        <p:spPr>
+          <a:xfrm flipH="1">
+            <a:off x="1618090" y="4851056"/>
+            <a:ext cx="10623" cy="306419"/>
+          </a:xfrm>
+          <a:prstGeom prst="straightConnector1">
+            <a:avLst/>
+          </a:prstGeom>
+          <a:ln>
+            <a:tailEnd type="arrow"/>
+          </a:ln>
+        </p:spPr>
+        <p:style>
+          <a:lnRef idx="1">
+            <a:schemeClr val="accent1"/>
+          </a:lnRef>
+          <a:fillRef idx="0">
+            <a:schemeClr val="accent1"/>
+          </a:fillRef>
+          <a:effectRef idx="0">
+            <a:schemeClr val="accent1"/>
+          </a:effectRef>
+          <a:fontRef idx="minor">
+            <a:schemeClr val="tx1"/>
+          </a:fontRef>
+        </p:style>
+      </p:cxnSp>
+      <p:cxnSp>
+        <p:nvCxnSpPr>
+          <p:cNvPr id="283" name="Straight Arrow Connector 282"/>
+          <p:cNvCxnSpPr/>
+          <p:nvPr/>
+        </p:nvCxnSpPr>
+        <p:spPr>
+          <a:xfrm flipH="1">
+            <a:off x="1602156" y="5402628"/>
+            <a:ext cx="10623" cy="306419"/>
+          </a:xfrm>
+          <a:prstGeom prst="straightConnector1">
+            <a:avLst/>
+          </a:prstGeom>
+          <a:ln>
+            <a:tailEnd type="arrow"/>
+          </a:ln>
+        </p:spPr>
+        <p:style>
+          <a:lnRef idx="1">
+            <a:schemeClr val="accent1"/>
+          </a:lnRef>
+          <a:fillRef idx="0">
+            <a:schemeClr val="accent1"/>
+          </a:fillRef>
+          <a:effectRef idx="0">
+            <a:schemeClr val="accent1"/>
+          </a:effectRef>
+          <a:fontRef idx="minor">
+            <a:schemeClr val="tx1"/>
+          </a:fontRef>
+        </p:style>
+      </p:cxnSp>
+      <p:cxnSp>
+        <p:nvCxnSpPr>
+          <p:cNvPr id="284" name="Straight Arrow Connector 283"/>
+          <p:cNvCxnSpPr>
+            <a:stCxn id="205" idx="3"/>
+            <a:endCxn id="206" idx="1"/>
+          </p:cNvCxnSpPr>
+          <p:nvPr/>
+        </p:nvCxnSpPr>
+        <p:spPr>
+          <a:xfrm>
+            <a:off x="1796387" y="5829715"/>
+            <a:ext cx="139806" cy="0"/>
+          </a:xfrm>
+          <a:prstGeom prst="straightConnector1">
+            <a:avLst/>
+          </a:prstGeom>
+          <a:ln>
+            <a:tailEnd type="arrow"/>
+          </a:ln>
+        </p:spPr>
+        <p:style>
+          <a:lnRef idx="1">
+            <a:schemeClr val="accent1"/>
+          </a:lnRef>
+          <a:fillRef idx="0">
+            <a:schemeClr val="accent1"/>
+          </a:fillRef>
+          <a:effectRef idx="0">
+            <a:schemeClr val="accent1"/>
+          </a:effectRef>
+          <a:fontRef idx="minor">
+            <a:schemeClr val="tx1"/>
+          </a:fontRef>
+        </p:style>
+      </p:cxnSp>
+      <p:cxnSp>
+        <p:nvCxnSpPr>
+          <p:cNvPr id="288" name="Straight Arrow Connector 287"/>
+          <p:cNvCxnSpPr/>
+          <p:nvPr/>
+        </p:nvCxnSpPr>
+        <p:spPr>
+          <a:xfrm>
+            <a:off x="2348306" y="5844656"/>
+            <a:ext cx="139806" cy="0"/>
+          </a:xfrm>
+          <a:prstGeom prst="straightConnector1">
+            <a:avLst/>
+          </a:prstGeom>
+          <a:ln>
+            <a:tailEnd type="arrow"/>
+          </a:ln>
+        </p:spPr>
+        <p:style>
+          <a:lnRef idx="1">
+            <a:schemeClr val="accent1"/>
+          </a:lnRef>
+          <a:fillRef idx="0">
+            <a:schemeClr val="accent1"/>
+          </a:fillRef>
+          <a:effectRef idx="0">
+            <a:schemeClr val="accent1"/>
+          </a:effectRef>
+          <a:fontRef idx="minor">
+            <a:schemeClr val="tx1"/>
+          </a:fontRef>
+        </p:style>
+      </p:cxnSp>
+      <p:cxnSp>
+        <p:nvCxnSpPr>
+          <p:cNvPr id="289" name="Straight Arrow Connector 288"/>
+          <p:cNvCxnSpPr/>
+          <p:nvPr/>
+        </p:nvCxnSpPr>
+        <p:spPr>
+          <a:xfrm>
+            <a:off x="2724577" y="5828719"/>
+            <a:ext cx="139806" cy="0"/>
+          </a:xfrm>
+          <a:prstGeom prst="straightConnector1">
+            <a:avLst/>
+          </a:prstGeom>
+          <a:ln>
+            <a:tailEnd type="arrow"/>
+          </a:ln>
+        </p:spPr>
+        <p:style>
+          <a:lnRef idx="1">
+            <a:schemeClr val="accent1"/>
+          </a:lnRef>
+          <a:fillRef idx="0">
+            <a:schemeClr val="accent1"/>
+          </a:fillRef>
+          <a:effectRef idx="0">
+            <a:schemeClr val="accent1"/>
+          </a:effectRef>
+          <a:fontRef idx="minor">
+            <a:schemeClr val="tx1"/>
+          </a:fontRef>
+        </p:style>
+      </p:cxnSp>
+      <p:sp>
+        <p:nvSpPr>
+          <p:cNvPr id="303" name="TextBox 302"/>
+          <p:cNvSpPr txBox="1"/>
+          <p:nvPr/>
+        </p:nvSpPr>
+        <p:spPr>
+          <a:xfrm>
+            <a:off x="2581749" y="1434810"/>
+            <a:ext cx="285656" cy="369332"/>
+          </a:xfrm>
+          <a:prstGeom prst="rect">
+            <a:avLst/>
+          </a:prstGeom>
+          <a:noFill/>
+        </p:spPr>
+        <p:txBody>
+          <a:bodyPr wrap="none" rtlCol="0">
+            <a:spAutoFit/>
+          </a:bodyPr>
+          <a:lstStyle/>
+          <a:p>
+            <a:r>
+              <a:rPr lang="en-US" b="1" dirty="0">
+                <a:solidFill>
+                  <a:srgbClr val="0070C0"/>
+                </a:solidFill>
+              </a:rPr>
+              <a:t>L</a:t>
+            </a:r>
+          </a:p>
+        </p:txBody>
+      </p:sp>
     </p:spTree>
     <p:extLst>
       <p:ext uri="{BB962C8B-B14F-4D97-AF65-F5344CB8AC3E}">
@@ -16014,7 +15886,7 @@
         </p:blipFill>
         <p:spPr>
           <a:xfrm>
-            <a:off x="53283" y="4756659"/>
+            <a:off x="895406" y="4814755"/>
             <a:ext cx="651793" cy="615491"/>
           </a:xfrm>
           <a:prstGeom prst="rect">
@@ -16044,7 +15916,7 @@
         </p:blipFill>
         <p:spPr>
           <a:xfrm>
-            <a:off x="8369351" y="2996151"/>
+            <a:off x="7982888" y="3073966"/>
             <a:ext cx="651793" cy="615491"/>
           </a:xfrm>
           <a:prstGeom prst="rect">
@@ -16060,7 +15932,7 @@
         </p:nvSpPr>
         <p:spPr>
           <a:xfrm>
-            <a:off x="117617" y="1450170"/>
+            <a:off x="1098273" y="1450170"/>
             <a:ext cx="335348" cy="369332"/>
           </a:xfrm>
           <a:prstGeom prst="rect">
@@ -16093,7 +15965,7 @@
         </p:nvSpPr>
         <p:spPr>
           <a:xfrm>
-            <a:off x="945536" y="1445612"/>
+            <a:off x="1843249" y="1445612"/>
             <a:ext cx="346570" cy="369332"/>
           </a:xfrm>
           <a:prstGeom prst="rect">
@@ -16126,7 +15998,7 @@
         </p:nvSpPr>
         <p:spPr>
           <a:xfrm>
-            <a:off x="1795161" y="1445612"/>
+            <a:off x="2459178" y="1445612"/>
             <a:ext cx="394660" cy="369332"/>
           </a:xfrm>
           <a:prstGeom prst="rect">
@@ -16164,7 +16036,7 @@
         </p:nvSpPr>
         <p:spPr>
           <a:xfrm>
-            <a:off x="2590800" y="1445612"/>
+            <a:off x="2948526" y="1455300"/>
             <a:ext cx="410690" cy="369332"/>
           </a:xfrm>
           <a:prstGeom prst="rect">
@@ -16392,7 +16264,7 @@
         </p:nvSpPr>
         <p:spPr>
           <a:xfrm>
-            <a:off x="8382000" y="1450170"/>
+            <a:off x="8020700" y="1450170"/>
             <a:ext cx="476412" cy="369332"/>
           </a:xfrm>
           <a:prstGeom prst="rect">
@@ -16424,36 +16296,6 @@
       </p:sp>
       <p:sp>
         <p:nvSpPr>
-          <p:cNvPr id="40" name="TextBox 39"/>
-          <p:cNvSpPr txBox="1"/>
-          <p:nvPr/>
-        </p:nvSpPr>
-        <p:spPr>
-          <a:xfrm>
-            <a:off x="997309" y="1888937"/>
-            <a:ext cx="268638" cy="400110"/>
-          </a:xfrm>
-          <a:prstGeom prst="rect">
-            <a:avLst/>
-          </a:prstGeom>
-          <a:noFill/>
-        </p:spPr>
-        <p:txBody>
-          <a:bodyPr wrap="square" rtlCol="0">
-            <a:spAutoFit/>
-          </a:bodyPr>
-          <a:lstStyle/>
-          <a:p>
-            <a:r>
-              <a:rPr lang="en-US" sz="2000" b="1" dirty="0" smtClean="0"/>
-              <a:t>.</a:t>
-            </a:r>
-            <a:endParaRPr lang="en-US" sz="2000" b="1" dirty="0"/>
-          </a:p>
-        </p:txBody>
-      </p:sp>
-      <p:sp>
-        <p:nvSpPr>
           <p:cNvPr id="42" name="TextBox 41"/>
           <p:cNvSpPr txBox="1"/>
           <p:nvPr/>
@@ -16670,7 +16512,7 @@
         </p:nvCxnSpPr>
         <p:spPr>
           <a:xfrm>
-            <a:off x="8680821" y="2423786"/>
+            <a:off x="8305800" y="2514600"/>
             <a:ext cx="0" cy="243214"/>
           </a:xfrm>
           <a:prstGeom prst="straightConnector1">
@@ -16703,7 +16545,7 @@
         </p:nvSpPr>
         <p:spPr>
           <a:xfrm>
-            <a:off x="8457042" y="2667000"/>
+            <a:off x="8091017" y="2700826"/>
             <a:ext cx="476412" cy="369332"/>
           </a:xfrm>
           <a:prstGeom prst="rect">
@@ -16741,7 +16583,7 @@
         </p:nvCxnSpPr>
         <p:spPr>
           <a:xfrm>
-            <a:off x="8371602" y="3011800"/>
+            <a:off x="7985139" y="3089615"/>
             <a:ext cx="652541" cy="544179"/>
           </a:xfrm>
           <a:prstGeom prst="line">
@@ -16776,7 +16618,7 @@
         </p:nvCxnSpPr>
         <p:spPr>
           <a:xfrm flipV="1">
-            <a:off x="8411730" y="3011800"/>
+            <a:off x="8025267" y="3089615"/>
             <a:ext cx="612413" cy="519646"/>
           </a:xfrm>
           <a:prstGeom prst="line">
@@ -16811,7 +16653,7 @@
         </p:nvCxnSpPr>
         <p:spPr>
           <a:xfrm flipH="1">
-            <a:off x="269357" y="3070158"/>
+            <a:off x="1111480" y="3128254"/>
             <a:ext cx="10623" cy="306419"/>
           </a:xfrm>
           <a:prstGeom prst="straightConnector1">
@@ -16844,7 +16686,7 @@
         </p:nvCxnSpPr>
         <p:spPr>
           <a:xfrm flipH="1">
-            <a:off x="274668" y="3745909"/>
+            <a:off x="1116791" y="3804005"/>
             <a:ext cx="10623" cy="306419"/>
           </a:xfrm>
           <a:prstGeom prst="straightConnector1">
@@ -16877,7 +16719,7 @@
         </p:nvCxnSpPr>
         <p:spPr>
           <a:xfrm flipH="1">
-            <a:off x="269357" y="4421659"/>
+            <a:off x="1111480" y="4479755"/>
             <a:ext cx="10623" cy="306419"/>
           </a:xfrm>
           <a:prstGeom prst="straightConnector1">
@@ -16910,7 +16752,7 @@
         </p:nvSpPr>
         <p:spPr>
           <a:xfrm>
-            <a:off x="112306" y="2720283"/>
+            <a:off x="954429" y="2778379"/>
             <a:ext cx="335348" cy="369332"/>
           </a:xfrm>
           <a:prstGeom prst="rect">
@@ -16943,7 +16785,7 @@
         </p:nvSpPr>
         <p:spPr>
           <a:xfrm>
-            <a:off x="1677069" y="3038701"/>
+            <a:off x="1843249" y="3058632"/>
             <a:ext cx="410690" cy="369332"/>
           </a:xfrm>
           <a:prstGeom prst="rect">
@@ -16981,7 +16823,7 @@
         </p:nvSpPr>
         <p:spPr>
           <a:xfrm>
-            <a:off x="895042" y="3403199"/>
+            <a:off x="1777277" y="3650795"/>
             <a:ext cx="449162" cy="369332"/>
           </a:xfrm>
           <a:prstGeom prst="rect">
@@ -17027,7 +16869,7 @@
         </p:nvSpPr>
         <p:spPr>
           <a:xfrm>
-            <a:off x="1621874" y="3737365"/>
+            <a:off x="1838726" y="4183961"/>
             <a:ext cx="394660" cy="369332"/>
           </a:xfrm>
           <a:prstGeom prst="rect">
@@ -17065,7 +16907,7 @@
         </p:nvSpPr>
         <p:spPr>
           <a:xfrm>
-            <a:off x="907064" y="4110890"/>
+            <a:off x="1794611" y="4786174"/>
             <a:ext cx="425116" cy="369332"/>
           </a:xfrm>
           <a:prstGeom prst="rect">
@@ -17111,7 +16953,7 @@
         </p:nvSpPr>
         <p:spPr>
           <a:xfrm>
-            <a:off x="1651530" y="4478636"/>
+            <a:off x="1823561" y="5333176"/>
             <a:ext cx="335348" cy="369332"/>
           </a:xfrm>
           <a:prstGeom prst="rect">
@@ -17144,7 +16986,7 @@
         </p:nvSpPr>
         <p:spPr>
           <a:xfrm>
-            <a:off x="985035" y="4847968"/>
+            <a:off x="1807915" y="5870992"/>
             <a:ext cx="346570" cy="369332"/>
           </a:xfrm>
           <a:prstGeom prst="rect">
@@ -17177,7 +17019,7 @@
         </p:nvSpPr>
         <p:spPr>
           <a:xfrm>
-            <a:off x="1739361" y="5179200"/>
+            <a:off x="2499364" y="5864420"/>
             <a:ext cx="449162" cy="369332"/>
           </a:xfrm>
           <a:prstGeom prst="rect">
@@ -17215,222 +17057,6 @@
           </a:p>
         </p:txBody>
       </p:sp>
-      <p:cxnSp>
-        <p:nvCxnSpPr>
-          <p:cNvPr id="82" name="Straight Arrow Connector 81"/>
-          <p:cNvCxnSpPr>
-            <a:stCxn id="72" idx="2"/>
-            <a:endCxn id="73" idx="3"/>
-          </p:cNvCxnSpPr>
-          <p:nvPr/>
-        </p:nvCxnSpPr>
-        <p:spPr>
-          <a:xfrm flipH="1">
-            <a:off x="1344204" y="3408033"/>
-            <a:ext cx="538210" cy="179832"/>
-          </a:xfrm>
-          <a:prstGeom prst="straightConnector1">
-            <a:avLst/>
-          </a:prstGeom>
-          <a:ln>
-            <a:tailEnd type="arrow"/>
-          </a:ln>
-        </p:spPr>
-        <p:style>
-          <a:lnRef idx="1">
-            <a:schemeClr val="accent1"/>
-          </a:lnRef>
-          <a:fillRef idx="0">
-            <a:schemeClr val="accent1"/>
-          </a:fillRef>
-          <a:effectRef idx="0">
-            <a:schemeClr val="accent1"/>
-          </a:effectRef>
-          <a:fontRef idx="minor">
-            <a:schemeClr val="tx1"/>
-          </a:fontRef>
-        </p:style>
-      </p:cxnSp>
-      <p:cxnSp>
-        <p:nvCxnSpPr>
-          <p:cNvPr id="83" name="Straight Arrow Connector 82"/>
-          <p:cNvCxnSpPr>
-            <a:stCxn id="73" idx="2"/>
-            <a:endCxn id="74" idx="1"/>
-          </p:cNvCxnSpPr>
-          <p:nvPr/>
-        </p:nvCxnSpPr>
-        <p:spPr>
-          <a:xfrm>
-            <a:off x="1119623" y="3772531"/>
-            <a:ext cx="502251" cy="149500"/>
-          </a:xfrm>
-          <a:prstGeom prst="straightConnector1">
-            <a:avLst/>
-          </a:prstGeom>
-          <a:ln>
-            <a:tailEnd type="arrow"/>
-          </a:ln>
-        </p:spPr>
-        <p:style>
-          <a:lnRef idx="1">
-            <a:schemeClr val="accent1"/>
-          </a:lnRef>
-          <a:fillRef idx="0">
-            <a:schemeClr val="accent1"/>
-          </a:fillRef>
-          <a:effectRef idx="0">
-            <a:schemeClr val="accent1"/>
-          </a:effectRef>
-          <a:fontRef idx="minor">
-            <a:schemeClr val="tx1"/>
-          </a:fontRef>
-        </p:style>
-      </p:cxnSp>
-      <p:cxnSp>
-        <p:nvCxnSpPr>
-          <p:cNvPr id="84" name="Straight Arrow Connector 83"/>
-          <p:cNvCxnSpPr>
-            <a:stCxn id="74" idx="2"/>
-            <a:endCxn id="75" idx="3"/>
-          </p:cNvCxnSpPr>
-          <p:nvPr/>
-        </p:nvCxnSpPr>
-        <p:spPr>
-          <a:xfrm flipH="1">
-            <a:off x="1332180" y="4106697"/>
-            <a:ext cx="487024" cy="188859"/>
-          </a:xfrm>
-          <a:prstGeom prst="straightConnector1">
-            <a:avLst/>
-          </a:prstGeom>
-          <a:ln>
-            <a:tailEnd type="arrow"/>
-          </a:ln>
-        </p:spPr>
-        <p:style>
-          <a:lnRef idx="1">
-            <a:schemeClr val="accent1"/>
-          </a:lnRef>
-          <a:fillRef idx="0">
-            <a:schemeClr val="accent1"/>
-          </a:fillRef>
-          <a:effectRef idx="0">
-            <a:schemeClr val="accent1"/>
-          </a:effectRef>
-          <a:fontRef idx="minor">
-            <a:schemeClr val="tx1"/>
-          </a:fontRef>
-        </p:style>
-      </p:cxnSp>
-      <p:cxnSp>
-        <p:nvCxnSpPr>
-          <p:cNvPr id="85" name="Straight Arrow Connector 84"/>
-          <p:cNvCxnSpPr>
-            <a:stCxn id="75" idx="2"/>
-            <a:endCxn id="76" idx="1"/>
-          </p:cNvCxnSpPr>
-          <p:nvPr/>
-        </p:nvCxnSpPr>
-        <p:spPr>
-          <a:xfrm>
-            <a:off x="1119622" y="4480222"/>
-            <a:ext cx="531908" cy="183080"/>
-          </a:xfrm>
-          <a:prstGeom prst="straightConnector1">
-            <a:avLst/>
-          </a:prstGeom>
-          <a:ln>
-            <a:tailEnd type="arrow"/>
-          </a:ln>
-        </p:spPr>
-        <p:style>
-          <a:lnRef idx="1">
-            <a:schemeClr val="accent1"/>
-          </a:lnRef>
-          <a:fillRef idx="0">
-            <a:schemeClr val="accent1"/>
-          </a:fillRef>
-          <a:effectRef idx="0">
-            <a:schemeClr val="accent1"/>
-          </a:effectRef>
-          <a:fontRef idx="minor">
-            <a:schemeClr val="tx1"/>
-          </a:fontRef>
-        </p:style>
-      </p:cxnSp>
-      <p:cxnSp>
-        <p:nvCxnSpPr>
-          <p:cNvPr id="86" name="Straight Arrow Connector 85"/>
-          <p:cNvCxnSpPr>
-            <a:stCxn id="76" idx="2"/>
-            <a:endCxn id="77" idx="3"/>
-          </p:cNvCxnSpPr>
-          <p:nvPr/>
-        </p:nvCxnSpPr>
-        <p:spPr>
-          <a:xfrm flipH="1">
-            <a:off x="1331605" y="4847968"/>
-            <a:ext cx="487599" cy="184666"/>
-          </a:xfrm>
-          <a:prstGeom prst="straightConnector1">
-            <a:avLst/>
-          </a:prstGeom>
-          <a:ln>
-            <a:tailEnd type="arrow"/>
-          </a:ln>
-        </p:spPr>
-        <p:style>
-          <a:lnRef idx="1">
-            <a:schemeClr val="accent1"/>
-          </a:lnRef>
-          <a:fillRef idx="0">
-            <a:schemeClr val="accent1"/>
-          </a:fillRef>
-          <a:effectRef idx="0">
-            <a:schemeClr val="accent1"/>
-          </a:effectRef>
-          <a:fontRef idx="minor">
-            <a:schemeClr val="tx1"/>
-          </a:fontRef>
-        </p:style>
-      </p:cxnSp>
-      <p:cxnSp>
-        <p:nvCxnSpPr>
-          <p:cNvPr id="87" name="Straight Arrow Connector 86"/>
-          <p:cNvCxnSpPr>
-            <a:stCxn id="77" idx="2"/>
-            <a:endCxn id="78" idx="1"/>
-          </p:cNvCxnSpPr>
-          <p:nvPr/>
-        </p:nvCxnSpPr>
-        <p:spPr>
-          <a:xfrm>
-            <a:off x="1158320" y="5217300"/>
-            <a:ext cx="581041" cy="146566"/>
-          </a:xfrm>
-          <a:prstGeom prst="straightConnector1">
-            <a:avLst/>
-          </a:prstGeom>
-          <a:ln>
-            <a:tailEnd type="arrow"/>
-          </a:ln>
-        </p:spPr>
-        <p:style>
-          <a:lnRef idx="1">
-            <a:schemeClr val="accent1"/>
-          </a:lnRef>
-          <a:fillRef idx="0">
-            <a:schemeClr val="accent1"/>
-          </a:fillRef>
-          <a:effectRef idx="0">
-            <a:schemeClr val="accent1"/>
-          </a:effectRef>
-          <a:fontRef idx="minor">
-            <a:schemeClr val="tx1"/>
-          </a:fontRef>
-        </p:style>
-      </p:cxnSp>
       <p:sp>
         <p:nvSpPr>
           <p:cNvPr id="91" name="Oval 90"/>
@@ -17439,8 +17065,8 @@
         </p:nvSpPr>
         <p:spPr>
           <a:xfrm>
-            <a:off x="1811305" y="5621434"/>
-            <a:ext cx="1083839" cy="1168492"/>
+            <a:off x="3021038" y="5696593"/>
+            <a:ext cx="1083839" cy="1012101"/>
           </a:xfrm>
           <a:prstGeom prst="ellipse">
             <a:avLst/>
@@ -17479,14 +17105,14 @@
       </p:sp>
       <p:sp>
         <p:nvSpPr>
-          <p:cNvPr id="97" name="TextBox 96"/>
+          <p:cNvPr id="99" name="TextBox 98"/>
           <p:cNvSpPr txBox="1"/>
           <p:nvPr/>
         </p:nvSpPr>
         <p:spPr>
           <a:xfrm>
-            <a:off x="290748" y="218623"/>
-            <a:ext cx="2898037" cy="830997"/>
+            <a:off x="2417792" y="2542799"/>
+            <a:ext cx="5034035" cy="1477328"/>
           </a:xfrm>
           <a:prstGeom prst="rect">
             <a:avLst/>
@@ -17494,77 +17120,12 @@
           <a:noFill/>
         </p:spPr>
         <p:txBody>
-          <a:bodyPr wrap="none" rtlCol="0">
-            <a:spAutoFit/>
-          </a:bodyPr>
-          <a:lstStyle/>
-          <a:p>
-            <a:r>
-              <a:rPr lang="en-US" sz="2400" b="1" dirty="0" smtClean="0"/>
-              <a:t>Kociemba Two-Phase</a:t>
-            </a:r>
-          </a:p>
-          <a:p>
-            <a:r>
-              <a:rPr lang="en-US" sz="2400" b="1" dirty="0" smtClean="0"/>
-              <a:t> Algorithm</a:t>
-            </a:r>
-            <a:endParaRPr lang="en-US" sz="2400" b="1" dirty="0"/>
-          </a:p>
-        </p:txBody>
-      </p:sp>
-      <p:sp>
-        <p:nvSpPr>
-          <p:cNvPr id="98" name="TextBox 97"/>
-          <p:cNvSpPr txBox="1"/>
-          <p:nvPr/>
-        </p:nvSpPr>
-        <p:spPr>
-          <a:xfrm>
-            <a:off x="6285168" y="309828"/>
-            <a:ext cx="1168910" cy="461665"/>
-          </a:xfrm>
-          <a:prstGeom prst="rect">
-            <a:avLst/>
-          </a:prstGeom>
-          <a:noFill/>
-        </p:spPr>
-        <p:txBody>
-          <a:bodyPr wrap="none" rtlCol="0">
-            <a:spAutoFit/>
-          </a:bodyPr>
-          <a:lstStyle/>
-          <a:p>
-            <a:r>
-              <a:rPr lang="en-US" sz="2400" b="1" dirty="0" smtClean="0"/>
-              <a:t>Phase 2</a:t>
-            </a:r>
-            <a:endParaRPr lang="en-US" sz="2400" b="1" dirty="0"/>
-          </a:p>
-        </p:txBody>
-      </p:sp>
-      <p:sp>
-        <p:nvSpPr>
-          <p:cNvPr id="99" name="TextBox 98"/>
-          <p:cNvSpPr txBox="1"/>
-          <p:nvPr/>
-        </p:nvSpPr>
-        <p:spPr>
-          <a:xfrm>
-            <a:off x="3423007" y="3676592"/>
-            <a:ext cx="5034035" cy="1477328"/>
-          </a:xfrm>
-          <a:prstGeom prst="rect">
-            <a:avLst/>
-          </a:prstGeom>
-          <a:noFill/>
-        </p:spPr>
-        <p:txBody>
           <a:bodyPr wrap="square" rtlCol="0">
             <a:spAutoFit/>
           </a:bodyPr>
           <a:lstStyle/>
           <a:p>
+            <a:pPr algn="ctr"/>
             <a:r>
               <a:rPr lang="en-US" dirty="0" smtClean="0"/>
               <a:t>Phase 2</a:t>
@@ -17620,15 +17181,13 @@
       <p:cxnSp>
         <p:nvCxnSpPr>
           <p:cNvPr id="102" name="Straight Arrow Connector 101"/>
-          <p:cNvCxnSpPr>
-            <a:endCxn id="6" idx="0"/>
-          </p:cNvCxnSpPr>
+          <p:cNvCxnSpPr/>
           <p:nvPr/>
         </p:nvCxnSpPr>
         <p:spPr>
           <a:xfrm flipH="1">
-            <a:off x="285291" y="914400"/>
-            <a:ext cx="3429897" cy="535770"/>
+            <a:off x="1265947" y="914400"/>
+            <a:ext cx="2449242" cy="540900"/>
           </a:xfrm>
           <a:prstGeom prst="straightConnector1">
             <a:avLst/>
@@ -17655,15 +17214,13 @@
       <p:cxnSp>
         <p:nvCxnSpPr>
           <p:cNvPr id="104" name="Straight Arrow Connector 103"/>
-          <p:cNvCxnSpPr>
-            <a:endCxn id="9" idx="0"/>
-          </p:cNvCxnSpPr>
+          <p:cNvCxnSpPr/>
           <p:nvPr/>
         </p:nvCxnSpPr>
         <p:spPr>
           <a:xfrm flipH="1">
-            <a:off x="1118821" y="914400"/>
-            <a:ext cx="2596367" cy="531212"/>
+            <a:off x="2016534" y="914400"/>
+            <a:ext cx="1698655" cy="531212"/>
           </a:xfrm>
           <a:prstGeom prst="straightConnector1">
             <a:avLst/>
@@ -17690,15 +17247,13 @@
       <p:cxnSp>
         <p:nvCxnSpPr>
           <p:cNvPr id="106" name="Straight Arrow Connector 105"/>
-          <p:cNvCxnSpPr>
-            <a:endCxn id="12" idx="0"/>
-          </p:cNvCxnSpPr>
+          <p:cNvCxnSpPr/>
           <p:nvPr/>
         </p:nvCxnSpPr>
         <p:spPr>
           <a:xfrm flipH="1">
-            <a:off x="1992491" y="914400"/>
-            <a:ext cx="1722697" cy="531212"/>
+            <a:off x="2626506" y="914400"/>
+            <a:ext cx="1088683" cy="540900"/>
           </a:xfrm>
           <a:prstGeom prst="straightConnector1">
             <a:avLst/>
@@ -17725,15 +17280,13 @@
       <p:cxnSp>
         <p:nvCxnSpPr>
           <p:cNvPr id="108" name="Straight Arrow Connector 107"/>
-          <p:cNvCxnSpPr>
-            <a:endCxn id="16" idx="0"/>
-          </p:cNvCxnSpPr>
+          <p:cNvCxnSpPr/>
           <p:nvPr/>
         </p:nvCxnSpPr>
         <p:spPr>
           <a:xfrm flipH="1">
-            <a:off x="2796145" y="914400"/>
-            <a:ext cx="919043" cy="531212"/>
+            <a:off x="3188785" y="914400"/>
+            <a:ext cx="526404" cy="540900"/>
           </a:xfrm>
           <a:prstGeom prst="straightConnector1">
             <a:avLst/>
@@ -17935,15 +17488,13 @@
       <p:cxnSp>
         <p:nvCxnSpPr>
           <p:cNvPr id="120" name="Straight Arrow Connector 119"/>
-          <p:cNvCxnSpPr>
-            <a:endCxn id="22" idx="0"/>
-          </p:cNvCxnSpPr>
+          <p:cNvCxnSpPr/>
           <p:nvPr/>
         </p:nvCxnSpPr>
         <p:spPr>
           <a:xfrm>
             <a:off x="4530310" y="914400"/>
-            <a:ext cx="4089896" cy="535770"/>
+            <a:ext cx="3678396" cy="540900"/>
           </a:xfrm>
           <a:prstGeom prst="straightConnector1">
             <a:avLst/>
@@ -17975,8 +17526,8 @@
         </p:nvCxnSpPr>
         <p:spPr>
           <a:xfrm>
-            <a:off x="59058" y="4792314"/>
-            <a:ext cx="652541" cy="544179"/>
+            <a:off x="901181" y="4850410"/>
+            <a:ext cx="646018" cy="544179"/>
           </a:xfrm>
           <a:prstGeom prst="line">
             <a:avLst/>
@@ -18010,8 +17561,8 @@
         </p:nvCxnSpPr>
         <p:spPr>
           <a:xfrm flipV="1">
-            <a:off x="117617" y="4778444"/>
-            <a:ext cx="612413" cy="519646"/>
+            <a:off x="959740" y="4850410"/>
+            <a:ext cx="587459" cy="505776"/>
           </a:xfrm>
           <a:prstGeom prst="line">
             <a:avLst/>
@@ -18045,7 +17596,7 @@
         </p:nvSpPr>
         <p:spPr>
           <a:xfrm>
-            <a:off x="112306" y="4083784"/>
+            <a:off x="954429" y="4141880"/>
             <a:ext cx="335348" cy="369332"/>
           </a:xfrm>
           <a:prstGeom prst="rect">
@@ -18078,7 +17629,7 @@
         </p:nvSpPr>
         <p:spPr>
           <a:xfrm>
-            <a:off x="112306" y="3408033"/>
+            <a:off x="954429" y="3466129"/>
             <a:ext cx="335348" cy="369332"/>
           </a:xfrm>
           <a:prstGeom prst="rect">
@@ -18106,15 +17657,13 @@
       <p:cxnSp>
         <p:nvCxnSpPr>
           <p:cNvPr id="132" name="Straight Arrow Connector 131"/>
-          <p:cNvCxnSpPr>
-            <a:endCxn id="71" idx="0"/>
-          </p:cNvCxnSpPr>
+          <p:cNvCxnSpPr/>
           <p:nvPr/>
         </p:nvCxnSpPr>
         <p:spPr>
           <a:xfrm flipH="1">
-            <a:off x="279980" y="2412491"/>
-            <a:ext cx="83551" cy="307792"/>
+            <a:off x="1169676" y="2401202"/>
+            <a:ext cx="72197" cy="299624"/>
           </a:xfrm>
           <a:prstGeom prst="straightConnector1">
             <a:avLst/>
@@ -18146,8 +17695,8 @@
         </p:nvCxnSpPr>
         <p:spPr>
           <a:xfrm>
-            <a:off x="363531" y="2412491"/>
-            <a:ext cx="582005" cy="254509"/>
+            <a:off x="1341624" y="2401202"/>
+            <a:ext cx="397737" cy="113398"/>
           </a:xfrm>
           <a:prstGeom prst="straightConnector1">
             <a:avLst/>
@@ -18179,7 +17728,7 @@
         </p:nvSpPr>
         <p:spPr>
           <a:xfrm>
-            <a:off x="925909" y="2720283"/>
+            <a:off x="1762297" y="2476570"/>
             <a:ext cx="449162" cy="369332"/>
           </a:xfrm>
           <a:prstGeom prst="rect">
@@ -18209,42 +17758,6 @@
           </a:p>
         </p:txBody>
       </p:sp>
-      <p:cxnSp>
-        <p:nvCxnSpPr>
-          <p:cNvPr id="137" name="Straight Arrow Connector 136"/>
-          <p:cNvCxnSpPr>
-            <a:stCxn id="135" idx="2"/>
-            <a:endCxn id="72" idx="1"/>
-          </p:cNvCxnSpPr>
-          <p:nvPr/>
-        </p:nvCxnSpPr>
-        <p:spPr>
-          <a:xfrm>
-            <a:off x="1150490" y="3089615"/>
-            <a:ext cx="526579" cy="133752"/>
-          </a:xfrm>
-          <a:prstGeom prst="straightConnector1">
-            <a:avLst/>
-          </a:prstGeom>
-          <a:ln>
-            <a:tailEnd type="arrow"/>
-          </a:ln>
-        </p:spPr>
-        <p:style>
-          <a:lnRef idx="1">
-            <a:schemeClr val="accent1"/>
-          </a:lnRef>
-          <a:fillRef idx="0">
-            <a:schemeClr val="accent1"/>
-          </a:fillRef>
-          <a:effectRef idx="0">
-            <a:schemeClr val="accent1"/>
-          </a:effectRef>
-          <a:fontRef idx="minor">
-            <a:schemeClr val="tx1"/>
-          </a:fontRef>
-        </p:style>
-      </p:cxnSp>
       <p:sp>
         <p:nvSpPr>
           <p:cNvPr id="165" name="Rectangle 164"/>
@@ -18253,7 +17766,7 @@
         </p:nvSpPr>
         <p:spPr>
           <a:xfrm>
-            <a:off x="3078224" y="5742918"/>
+            <a:off x="2263462" y="4447620"/>
             <a:ext cx="6042338" cy="338554"/>
           </a:xfrm>
           <a:prstGeom prst="rect">
@@ -18301,7 +17814,7 @@
         </p:nvSpPr>
         <p:spPr>
           <a:xfrm>
-            <a:off x="3078224" y="6049086"/>
+            <a:off x="2314330" y="5010056"/>
             <a:ext cx="6042338" cy="584775"/>
           </a:xfrm>
           <a:prstGeom prst="rect">
@@ -18405,7 +17918,7 @@
         </p:blipFill>
         <p:spPr>
           <a:xfrm>
-            <a:off x="49831" y="1741400"/>
+            <a:off x="884644" y="1814198"/>
             <a:ext cx="747983" cy="695183"/>
           </a:xfrm>
           <a:prstGeom prst="rect">
@@ -18435,7 +17948,7 @@
         </p:blipFill>
         <p:spPr>
           <a:xfrm>
-            <a:off x="8258906" y="1729349"/>
+            <a:off x="7918052" y="1814944"/>
             <a:ext cx="674548" cy="694437"/>
           </a:xfrm>
           <a:prstGeom prst="rect">
@@ -18465,7 +17978,7 @@
         </p:blipFill>
         <p:spPr>
           <a:xfrm>
-            <a:off x="1872571" y="5752812"/>
+            <a:off x="3047417" y="5702508"/>
             <a:ext cx="981267" cy="926614"/>
           </a:xfrm>
           <a:prstGeom prst="rect">
@@ -18473,6 +17986,240 @@
           </a:prstGeom>
         </p:spPr>
       </p:pic>
+      <p:cxnSp>
+        <p:nvCxnSpPr>
+          <p:cNvPr id="90" name="Straight Arrow Connector 89"/>
+          <p:cNvCxnSpPr/>
+          <p:nvPr/>
+        </p:nvCxnSpPr>
+        <p:spPr>
+          <a:xfrm flipH="1">
+            <a:off x="2001858" y="2787331"/>
+            <a:ext cx="10623" cy="306419"/>
+          </a:xfrm>
+          <a:prstGeom prst="straightConnector1">
+            <a:avLst/>
+          </a:prstGeom>
+          <a:ln>
+            <a:tailEnd type="arrow"/>
+          </a:ln>
+        </p:spPr>
+        <p:style>
+          <a:lnRef idx="1">
+            <a:schemeClr val="accent1"/>
+          </a:lnRef>
+          <a:fillRef idx="0">
+            <a:schemeClr val="accent1"/>
+          </a:fillRef>
+          <a:effectRef idx="0">
+            <a:schemeClr val="accent1"/>
+          </a:effectRef>
+          <a:fontRef idx="minor">
+            <a:schemeClr val="tx1"/>
+          </a:fontRef>
+        </p:style>
+      </p:cxnSp>
+      <p:cxnSp>
+        <p:nvCxnSpPr>
+          <p:cNvPr id="92" name="Straight Arrow Connector 91"/>
+          <p:cNvCxnSpPr/>
+          <p:nvPr/>
+        </p:nvCxnSpPr>
+        <p:spPr>
+          <a:xfrm flipH="1">
+            <a:off x="1991235" y="3387658"/>
+            <a:ext cx="10623" cy="306419"/>
+          </a:xfrm>
+          <a:prstGeom prst="straightConnector1">
+            <a:avLst/>
+          </a:prstGeom>
+          <a:ln>
+            <a:tailEnd type="arrow"/>
+          </a:ln>
+        </p:spPr>
+        <p:style>
+          <a:lnRef idx="1">
+            <a:schemeClr val="accent1"/>
+          </a:lnRef>
+          <a:fillRef idx="0">
+            <a:schemeClr val="accent1"/>
+          </a:fillRef>
+          <a:effectRef idx="0">
+            <a:schemeClr val="accent1"/>
+          </a:effectRef>
+          <a:fontRef idx="minor">
+            <a:schemeClr val="tx1"/>
+          </a:fontRef>
+        </p:style>
+      </p:cxnSp>
+      <p:cxnSp>
+        <p:nvCxnSpPr>
+          <p:cNvPr id="93" name="Straight Arrow Connector 92"/>
+          <p:cNvCxnSpPr/>
+          <p:nvPr/>
+        </p:nvCxnSpPr>
+        <p:spPr>
+          <a:xfrm flipH="1">
+            <a:off x="1985923" y="3957214"/>
+            <a:ext cx="10623" cy="306419"/>
+          </a:xfrm>
+          <a:prstGeom prst="straightConnector1">
+            <a:avLst/>
+          </a:prstGeom>
+          <a:ln>
+            <a:tailEnd type="arrow"/>
+          </a:ln>
+        </p:spPr>
+        <p:style>
+          <a:lnRef idx="1">
+            <a:schemeClr val="accent1"/>
+          </a:lnRef>
+          <a:fillRef idx="0">
+            <a:schemeClr val="accent1"/>
+          </a:fillRef>
+          <a:effectRef idx="0">
+            <a:schemeClr val="accent1"/>
+          </a:effectRef>
+          <a:fontRef idx="minor">
+            <a:schemeClr val="tx1"/>
+          </a:fontRef>
+        </p:style>
+      </p:cxnSp>
+      <p:cxnSp>
+        <p:nvCxnSpPr>
+          <p:cNvPr id="94" name="Straight Arrow Connector 93"/>
+          <p:cNvCxnSpPr/>
+          <p:nvPr/>
+        </p:nvCxnSpPr>
+        <p:spPr>
+          <a:xfrm flipH="1">
+            <a:off x="1996546" y="4531834"/>
+            <a:ext cx="10623" cy="306419"/>
+          </a:xfrm>
+          <a:prstGeom prst="straightConnector1">
+            <a:avLst/>
+          </a:prstGeom>
+          <a:ln>
+            <a:tailEnd type="arrow"/>
+          </a:ln>
+        </p:spPr>
+        <p:style>
+          <a:lnRef idx="1">
+            <a:schemeClr val="accent1"/>
+          </a:lnRef>
+          <a:fillRef idx="0">
+            <a:schemeClr val="accent1"/>
+          </a:fillRef>
+          <a:effectRef idx="0">
+            <a:schemeClr val="accent1"/>
+          </a:effectRef>
+          <a:fontRef idx="minor">
+            <a:schemeClr val="tx1"/>
+          </a:fontRef>
+        </p:style>
+      </p:cxnSp>
+      <p:cxnSp>
+        <p:nvCxnSpPr>
+          <p:cNvPr id="95" name="Straight Arrow Connector 94"/>
+          <p:cNvCxnSpPr/>
+          <p:nvPr/>
+        </p:nvCxnSpPr>
+        <p:spPr>
+          <a:xfrm flipH="1">
+            <a:off x="1981200" y="5105400"/>
+            <a:ext cx="10623" cy="306419"/>
+          </a:xfrm>
+          <a:prstGeom prst="straightConnector1">
+            <a:avLst/>
+          </a:prstGeom>
+          <a:ln>
+            <a:tailEnd type="arrow"/>
+          </a:ln>
+        </p:spPr>
+        <p:style>
+          <a:lnRef idx="1">
+            <a:schemeClr val="accent1"/>
+          </a:lnRef>
+          <a:fillRef idx="0">
+            <a:schemeClr val="accent1"/>
+          </a:fillRef>
+          <a:effectRef idx="0">
+            <a:schemeClr val="accent1"/>
+          </a:effectRef>
+          <a:fontRef idx="minor">
+            <a:schemeClr val="tx1"/>
+          </a:fontRef>
+        </p:style>
+      </p:cxnSp>
+      <p:cxnSp>
+        <p:nvCxnSpPr>
+          <p:cNvPr id="96" name="Straight Arrow Connector 95"/>
+          <p:cNvCxnSpPr/>
+          <p:nvPr/>
+        </p:nvCxnSpPr>
+        <p:spPr>
+          <a:xfrm flipH="1">
+            <a:off x="1970577" y="5621434"/>
+            <a:ext cx="10623" cy="306419"/>
+          </a:xfrm>
+          <a:prstGeom prst="straightConnector1">
+            <a:avLst/>
+          </a:prstGeom>
+          <a:ln>
+            <a:tailEnd type="arrow"/>
+          </a:ln>
+        </p:spPr>
+        <p:style>
+          <a:lnRef idx="1">
+            <a:schemeClr val="accent1"/>
+          </a:lnRef>
+          <a:fillRef idx="0">
+            <a:schemeClr val="accent1"/>
+          </a:fillRef>
+          <a:effectRef idx="0">
+            <a:schemeClr val="accent1"/>
+          </a:effectRef>
+          <a:fontRef idx="minor">
+            <a:schemeClr val="tx1"/>
+          </a:fontRef>
+        </p:style>
+      </p:cxnSp>
+      <p:cxnSp>
+        <p:nvCxnSpPr>
+          <p:cNvPr id="100" name="Straight Arrow Connector 99"/>
+          <p:cNvCxnSpPr>
+            <a:stCxn id="77" idx="3"/>
+            <a:endCxn id="78" idx="1"/>
+          </p:cNvCxnSpPr>
+          <p:nvPr/>
+        </p:nvCxnSpPr>
+        <p:spPr>
+          <a:xfrm flipV="1">
+            <a:off x="2154485" y="6049086"/>
+            <a:ext cx="344879" cy="6572"/>
+          </a:xfrm>
+          <a:prstGeom prst="straightConnector1">
+            <a:avLst/>
+          </a:prstGeom>
+          <a:ln>
+            <a:tailEnd type="arrow"/>
+          </a:ln>
+        </p:spPr>
+        <p:style>
+          <a:lnRef idx="1">
+            <a:schemeClr val="accent1"/>
+          </a:lnRef>
+          <a:fillRef idx="0">
+            <a:schemeClr val="accent1"/>
+          </a:fillRef>
+          <a:effectRef idx="0">
+            <a:schemeClr val="accent1"/>
+          </a:effectRef>
+          <a:fontRef idx="minor">
+            <a:schemeClr val="tx1"/>
+          </a:fontRef>
+        </p:style>
+      </p:cxnSp>
     </p:spTree>
     <p:extLst>
       <p:ext uri="{BB962C8B-B14F-4D97-AF65-F5344CB8AC3E}">
@@ -18520,7 +18267,12 @@
             <p:ph type="title"/>
           </p:nvPr>
         </p:nvSpPr>
-        <p:spPr/>
+        <p:spPr>
+          <a:xfrm>
+            <a:off x="856060" y="269332"/>
+            <a:ext cx="7429499" cy="1478570"/>
+          </a:xfrm>
+        </p:spPr>
         <p:txBody>
           <a:bodyPr/>
           <a:lstStyle/>
@@ -18571,8 +18323,8 @@
         </p:nvSpPr>
         <p:spPr>
           <a:xfrm>
-            <a:off x="1445941" y="1747902"/>
-            <a:ext cx="6714192" cy="4985980"/>
+            <a:off x="1333052" y="1747902"/>
+            <a:ext cx="6714192" cy="4678204"/>
           </a:xfrm>
           <a:prstGeom prst="rect">
             <a:avLst/>
@@ -18591,7 +18343,11 @@
             </a:pPr>
             <a:r>
               <a:rPr lang="en-US" sz="2000" dirty="0" smtClean="0"/>
-              <a:t>One arm for each face of the cube</a:t>
+              <a:t>One arm for each </a:t>
+            </a:r>
+            <a:r>
+              <a:rPr lang="en-US" sz="2000" dirty="0" smtClean="0"/>
+              <a:t>face</a:t>
             </a:r>
           </a:p>
           <a:p>
@@ -18600,12 +18356,8 @@
               <a:buChar char="•"/>
             </a:pPr>
             <a:r>
-              <a:rPr lang="en-US" sz="2000" dirty="0"/>
-              <a:t>E</a:t>
-            </a:r>
-            <a:r>
               <a:rPr lang="en-US" sz="2000" dirty="0" smtClean="0"/>
-              <a:t>ach </a:t>
+              <a:t>Each </a:t>
             </a:r>
             <a:r>
               <a:rPr lang="en-US" sz="2000" dirty="0"/>
@@ -18613,7 +18365,15 @@
             </a:r>
             <a:r>
               <a:rPr lang="en-US" sz="2000" dirty="0" smtClean="0"/>
-              <a:t>actuate, and avoid contact with the other arms</a:t>
+              <a:t>actuate, </a:t>
+            </a:r>
+            <a:r>
+              <a:rPr lang="en-US" sz="2000" dirty="0" smtClean="0"/>
+              <a:t>avoiding </a:t>
+            </a:r>
+            <a:r>
+              <a:rPr lang="en-US" sz="2000" dirty="0" smtClean="0"/>
+              <a:t>contact with the other arms</a:t>
             </a:r>
           </a:p>
           <a:p>
@@ -18622,23 +18382,10 @@
               <a:buChar char="•"/>
             </a:pPr>
             <a:r>
-              <a:rPr lang="en-US" sz="2000" dirty="0"/>
-              <a:t>Very time </a:t>
-            </a:r>
-            <a:r>
               <a:rPr lang="en-US" sz="2000" dirty="0" smtClean="0"/>
-              <a:t>critical component</a:t>
-            </a:r>
-          </a:p>
-          <a:p>
-            <a:pPr marL="285750" indent="-285750">
-              <a:buFont typeface="Arial"/>
-              <a:buChar char="•"/>
-            </a:pPr>
-            <a:r>
-              <a:rPr lang="en-US" sz="2000" dirty="0" smtClean="0"/>
-              <a:t>Initial ideas included motors</a:t>
-            </a:r>
+              <a:t>Initial design ideas:</a:t>
+            </a:r>
+            <a:endParaRPr lang="en-US" sz="2000" dirty="0" smtClean="0"/>
           </a:p>
           <a:p>
             <a:pPr marL="800100" lvl="1" indent="-342900">
@@ -18675,7 +18422,11 @@
             </a:r>
             <a:r>
               <a:rPr lang="en-US" sz="2000" dirty="0" smtClean="0"/>
-              <a:t>double action pneumatic air cylinder</a:t>
+              <a:t>Double </a:t>
+            </a:r>
+            <a:r>
+              <a:rPr lang="en-US" sz="2000" dirty="0" smtClean="0"/>
+              <a:t>action pneumatic air cylinder</a:t>
             </a:r>
           </a:p>
           <a:p>
@@ -18715,8 +18466,13 @@
             </a:pPr>
             <a:r>
               <a:rPr lang="en-US" sz="2000" dirty="0" smtClean="0"/>
-              <a:t>Controlled by solenoid valve and a </a:t>
-            </a:r>
+              <a:t>Controlled by solenoid valve </a:t>
+            </a:r>
+            <a:r>
+              <a:rPr lang="en-US" sz="2000" dirty="0" smtClean="0"/>
+              <a:t>and a</a:t>
+            </a:r>
+            <a:endParaRPr lang="en-US" sz="2000" dirty="0" smtClean="0"/>
           </a:p>
           <a:p>
             <a:r>
@@ -18725,7 +18481,15 @@
             </a:r>
             <a:r>
               <a:rPr lang="en-US" sz="2000" dirty="0" smtClean="0"/>
-              <a:t>    Relay board</a:t>
+              <a:t>    </a:t>
+            </a:r>
+            <a:r>
+              <a:rPr lang="en-US" sz="2000" dirty="0" smtClean="0"/>
+              <a:t>relay </a:t>
+            </a:r>
+            <a:r>
+              <a:rPr lang="en-US" sz="2000" dirty="0" smtClean="0"/>
+              <a:t>board</a:t>
             </a:r>
           </a:p>
           <a:p>
@@ -18852,7 +18616,7 @@
         </p:blipFill>
         <p:spPr>
           <a:xfrm>
-            <a:off x="5104798" y="4075705"/>
+            <a:off x="5104799" y="4273260"/>
             <a:ext cx="3180760" cy="2381961"/>
           </a:xfrm>
         </p:spPr>
@@ -18866,7 +18630,7 @@
         <p:spPr>
           <a:xfrm>
             <a:off x="856060" y="2364069"/>
-            <a:ext cx="7115471" cy="3785652"/>
+            <a:ext cx="7115471" cy="4093428"/>
           </a:xfrm>
           <a:prstGeom prst="rect">
             <a:avLst/>
@@ -18889,8 +18653,13 @@
             </a:r>
             <a:r>
               <a:rPr lang="en-US" sz="2000" dirty="0" smtClean="0"/>
-              <a:t>motor to control rotating each face of the cube</a:t>
-            </a:r>
+              <a:t>motor to </a:t>
+            </a:r>
+            <a:r>
+              <a:rPr lang="en-US" sz="2000" dirty="0" smtClean="0"/>
+              <a:t>rotate each face</a:t>
+            </a:r>
+            <a:endParaRPr lang="en-US" sz="2000" dirty="0"/>
           </a:p>
           <a:p>
             <a:pPr marL="342900" indent="-342900">
@@ -18899,7 +18668,15 @@
             </a:pPr>
             <a:r>
               <a:rPr lang="en-US" sz="2000" dirty="0" smtClean="0"/>
-              <a:t>90 degree or 180 degree rotations</a:t>
+              <a:t>90/180 </a:t>
+            </a:r>
+            <a:r>
+              <a:rPr lang="en-US" sz="2000" dirty="0" smtClean="0"/>
+              <a:t>degree </a:t>
+            </a:r>
+            <a:r>
+              <a:rPr lang="en-US" sz="2000" dirty="0" smtClean="0"/>
+              <a:t>rotations clockwise or counter-clockwise</a:t>
             </a:r>
           </a:p>
           <a:p>
@@ -18907,10 +18684,7 @@
               <a:buFont typeface="Arial"/>
               <a:buChar char="•"/>
             </a:pPr>
-            <a:r>
-              <a:rPr lang="en-US" sz="2000" dirty="0" smtClean="0"/>
-              <a:t>Clockwise or Counter-Clockwise rotations</a:t>
-            </a:r>
+            <a:endParaRPr lang="en-US" sz="2000" dirty="0" smtClean="0"/>
           </a:p>
           <a:p>
             <a:pPr marL="342900" indent="-342900">
@@ -18919,7 +18693,23 @@
             </a:pPr>
             <a:r>
               <a:rPr lang="en-US" sz="2000" dirty="0" smtClean="0"/>
-              <a:t>Controlled by a FPGA and Motor control board, which contains a motor driver chip for each stepper</a:t>
+              <a:t>Controlled by an FPGA </a:t>
+            </a:r>
+            <a:r>
+              <a:rPr lang="en-US" sz="2000" dirty="0" smtClean="0"/>
+              <a:t>and </a:t>
+            </a:r>
+            <a:r>
+              <a:rPr lang="en-US" sz="2000" dirty="0" smtClean="0"/>
+              <a:t>proprietary motor </a:t>
+            </a:r>
+            <a:r>
+              <a:rPr lang="en-US" sz="2000" dirty="0" smtClean="0"/>
+              <a:t>control </a:t>
+            </a:r>
+            <a:r>
+              <a:rPr lang="en-US" sz="2000" dirty="0" smtClean="0"/>
+              <a:t>board</a:t>
             </a:r>
           </a:p>
           <a:p>
@@ -18927,10 +18717,7 @@
               <a:buFont typeface="Arial"/>
               <a:buChar char="•"/>
             </a:pPr>
-            <a:r>
-              <a:rPr lang="en-US" sz="2000" dirty="0" smtClean="0"/>
-              <a:t>Full Steps, no micro-stepping</a:t>
-            </a:r>
+            <a:endParaRPr lang="en-US" sz="2000" dirty="0" smtClean="0"/>
           </a:p>
           <a:p>
             <a:pPr marL="342900" indent="-342900">
@@ -18939,7 +18726,28 @@
             </a:pPr>
             <a:r>
               <a:rPr lang="en-US" sz="2000" dirty="0" smtClean="0"/>
-              <a:t>Break Sensor for 90 degree </a:t>
+              <a:t>Full steps, no micro-stepping</a:t>
+            </a:r>
+          </a:p>
+          <a:p>
+            <a:pPr marL="342900" indent="-342900">
+              <a:buFont typeface="Arial"/>
+              <a:buChar char="•"/>
+            </a:pPr>
+            <a:endParaRPr lang="en-US" sz="2000" dirty="0" smtClean="0"/>
+          </a:p>
+          <a:p>
+            <a:pPr marL="342900" indent="-342900">
+              <a:buFont typeface="Arial"/>
+              <a:buChar char="•"/>
+            </a:pPr>
+            <a:r>
+              <a:rPr lang="en-US" sz="2000" dirty="0" smtClean="0"/>
+              <a:t>Break sensor </a:t>
+            </a:r>
+            <a:r>
+              <a:rPr lang="en-US" sz="2000" dirty="0" smtClean="0"/>
+              <a:t>for 90 degree </a:t>
             </a:r>
           </a:p>
           <a:p>
@@ -18949,13 +18757,16 @@
             </a:r>
             <a:r>
               <a:rPr lang="en-US" sz="2000" dirty="0" smtClean="0"/>
-              <a:t>   </a:t>
-            </a:r>
-            <a:r>
-              <a:rPr lang="en-US" sz="2000" smtClean="0"/>
-              <a:t> alignment.</a:t>
-            </a:r>
-            <a:endParaRPr lang="en-US" sz="2000" dirty="0" smtClean="0"/>
+              <a:t>  </a:t>
+            </a:r>
+            <a:r>
+              <a:rPr lang="en-US" sz="2000" dirty="0" smtClean="0"/>
+              <a:t>  alignment</a:t>
+            </a:r>
+            <a:r>
+              <a:rPr lang="en-US" sz="2000" dirty="0" smtClean="0"/>
+              <a:t>.</a:t>
+            </a:r>
           </a:p>
           <a:p>
             <a:pPr marL="342900" indent="-342900">
@@ -21947,7 +21758,7 @@
   <a:extraClrSchemeLst/>
   <a:extLst>
     <a:ext uri="{05A4C25C-085E-4340-85A3-A5531E510DB2}">
-      <thm15:themeFamily xmlns:thm15="http://schemas.microsoft.com/office/thememl/2012/main" xmlns="" name="Circuit" id="{0AC2F7E7-15F5-431C-B2A2-456FE929F56C}" vid="{0911B802-464C-4241-8DD9-B60FF88E379F}"/>
+      <thm15:themeFamily xmlns="" xmlns:thm15="http://schemas.microsoft.com/office/thememl/2012/main" name="Circuit" id="{0AC2F7E7-15F5-431C-B2A2-456FE929F56C}" vid="{0911B802-464C-4241-8DD9-B60FF88E379F}"/>
     </a:ext>
   </a:extLst>
 </a:theme>

--- a/Documents/Presentations/HerbertPresentation.pptx
+++ b/Documents/Presentations/HerbertPresentation.pptx
@@ -121,7 +121,7 @@
   </p:defaultTextStyle>
   <p:extLst>
     <p:ext uri="{EFAFB233-063F-42B5-8137-9DF3F51BA10A}">
-      <p15:sldGuideLst xmlns="" xmlns:p15="http://schemas.microsoft.com/office/powerpoint/2012/main">
+      <p15:sldGuideLst xmlns:p15="http://schemas.microsoft.com/office/powerpoint/2012/main" xmlns="">
         <p15:guide id="1" orient="horz" pos="2160">
           <p15:clr>
             <a:srgbClr val="A4A3A4"/>
@@ -4421,7 +4421,7 @@
           <a:p>
             <a:fld id="{B3D6EF8A-A6D9-B040-9BC2-718C5C9E1F91}" type="datetimeFigureOut">
               <a:rPr lang="en-US" smtClean="0"/>
-              <a:t>4/28/15</a:t>
+              <a:t>4/29/15</a:t>
             </a:fld>
             <a:endParaRPr lang="en-US"/>
           </a:p>
@@ -4688,7 +4688,7 @@
           <a:p>
             <a:fld id="{B3D6EF8A-A6D9-B040-9BC2-718C5C9E1F91}" type="datetimeFigureOut">
               <a:rPr lang="en-US" smtClean="0"/>
-              <a:t>4/28/15</a:t>
+              <a:t>4/29/15</a:t>
             </a:fld>
             <a:endParaRPr lang="en-US"/>
           </a:p>
@@ -4884,7 +4884,7 @@
           <a:p>
             <a:fld id="{B3D6EF8A-A6D9-B040-9BC2-718C5C9E1F91}" type="datetimeFigureOut">
               <a:rPr lang="en-US" smtClean="0"/>
-              <a:t>4/28/15</a:t>
+              <a:t>4/29/15</a:t>
             </a:fld>
             <a:endParaRPr lang="en-US"/>
           </a:p>
@@ -5147,7 +5147,7 @@
           <a:p>
             <a:fld id="{B3D6EF8A-A6D9-B040-9BC2-718C5C9E1F91}" type="datetimeFigureOut">
               <a:rPr lang="en-US" smtClean="0"/>
-              <a:t>4/28/15</a:t>
+              <a:t>4/29/15</a:t>
             </a:fld>
             <a:endParaRPr lang="en-US"/>
           </a:p>
@@ -5581,7 +5581,7 @@
           <a:p>
             <a:fld id="{B3D6EF8A-A6D9-B040-9BC2-718C5C9E1F91}" type="datetimeFigureOut">
               <a:rPr lang="en-US" smtClean="0"/>
-              <a:t>4/28/15</a:t>
+              <a:t>4/29/15</a:t>
             </a:fld>
             <a:endParaRPr lang="en-US"/>
           </a:p>
@@ -6127,7 +6127,7 @@
           <a:p>
             <a:fld id="{B3D6EF8A-A6D9-B040-9BC2-718C5C9E1F91}" type="datetimeFigureOut">
               <a:rPr lang="en-US" smtClean="0"/>
-              <a:t>4/28/15</a:t>
+              <a:t>4/29/15</a:t>
             </a:fld>
             <a:endParaRPr lang="en-US"/>
           </a:p>
@@ -6847,7 +6847,7 @@
           <a:p>
             <a:fld id="{B3D6EF8A-A6D9-B040-9BC2-718C5C9E1F91}" type="datetimeFigureOut">
               <a:rPr lang="en-US" smtClean="0"/>
-              <a:t>4/28/15</a:t>
+              <a:t>4/29/15</a:t>
             </a:fld>
             <a:endParaRPr lang="en-US"/>
           </a:p>
@@ -7021,7 +7021,7 @@
           <a:p>
             <a:fld id="{B3D6EF8A-A6D9-B040-9BC2-718C5C9E1F91}" type="datetimeFigureOut">
               <a:rPr lang="en-US" smtClean="0"/>
-              <a:t>4/28/15</a:t>
+              <a:t>4/29/15</a:t>
             </a:fld>
             <a:endParaRPr lang="en-US"/>
           </a:p>
@@ -7201,7 +7201,7 @@
           <a:p>
             <a:fld id="{B3D6EF8A-A6D9-B040-9BC2-718C5C9E1F91}" type="datetimeFigureOut">
               <a:rPr lang="en-US" smtClean="0"/>
-              <a:t>4/28/15</a:t>
+              <a:t>4/29/15</a:t>
             </a:fld>
             <a:endParaRPr lang="en-US"/>
           </a:p>
@@ -7386,7 +7386,7 @@
           <a:p>
             <a:fld id="{B3D6EF8A-A6D9-B040-9BC2-718C5C9E1F91}" type="datetimeFigureOut">
               <a:rPr lang="en-US" smtClean="0"/>
-              <a:t>4/28/15</a:t>
+              <a:t>4/29/15</a:t>
             </a:fld>
             <a:endParaRPr lang="en-US"/>
           </a:p>
@@ -7646,7 +7646,7 @@
           <a:p>
             <a:fld id="{B3D6EF8A-A6D9-B040-9BC2-718C5C9E1F91}" type="datetimeFigureOut">
               <a:rPr lang="en-US" smtClean="0"/>
-              <a:t>4/28/15</a:t>
+              <a:t>4/29/15</a:t>
             </a:fld>
             <a:endParaRPr lang="en-US"/>
           </a:p>
@@ -7878,7 +7878,7 @@
           <a:p>
             <a:fld id="{B3D6EF8A-A6D9-B040-9BC2-718C5C9E1F91}" type="datetimeFigureOut">
               <a:rPr lang="en-US" smtClean="0"/>
-              <a:t>4/28/15</a:t>
+              <a:t>4/29/15</a:t>
             </a:fld>
             <a:endParaRPr lang="en-US"/>
           </a:p>
@@ -8259,7 +8259,7 @@
           <a:p>
             <a:fld id="{B3D6EF8A-A6D9-B040-9BC2-718C5C9E1F91}" type="datetimeFigureOut">
               <a:rPr lang="en-US" smtClean="0"/>
-              <a:t>4/28/15</a:t>
+              <a:t>4/29/15</a:t>
             </a:fld>
             <a:endParaRPr lang="en-US"/>
           </a:p>
@@ -8377,7 +8377,7 @@
           <a:p>
             <a:fld id="{B3D6EF8A-A6D9-B040-9BC2-718C5C9E1F91}" type="datetimeFigureOut">
               <a:rPr lang="en-US" smtClean="0"/>
-              <a:t>4/28/15</a:t>
+              <a:t>4/29/15</a:t>
             </a:fld>
             <a:endParaRPr lang="en-US"/>
           </a:p>
@@ -8472,7 +8472,7 @@
           <a:p>
             <a:fld id="{B3D6EF8A-A6D9-B040-9BC2-718C5C9E1F91}" type="datetimeFigureOut">
               <a:rPr lang="en-US" smtClean="0"/>
-              <a:t>4/28/15</a:t>
+              <a:t>4/29/15</a:t>
             </a:fld>
             <a:endParaRPr lang="en-US"/>
           </a:p>
@@ -8721,7 +8721,7 @@
           <a:p>
             <a:fld id="{B3D6EF8A-A6D9-B040-9BC2-718C5C9E1F91}" type="datetimeFigureOut">
               <a:rPr lang="en-US" smtClean="0"/>
-              <a:t>4/28/15</a:t>
+              <a:t>4/29/15</a:t>
             </a:fld>
             <a:endParaRPr lang="en-US"/>
           </a:p>
@@ -8973,7 +8973,7 @@
           <a:p>
             <a:fld id="{B3D6EF8A-A6D9-B040-9BC2-718C5C9E1F91}" type="datetimeFigureOut">
               <a:rPr lang="en-US" smtClean="0"/>
-              <a:t>4/28/15</a:t>
+              <a:t>4/29/15</a:t>
             </a:fld>
             <a:endParaRPr lang="en-US"/>
           </a:p>
@@ -12057,7 +12057,7 @@
           <a:p>
             <a:fld id="{B3D6EF8A-A6D9-B040-9BC2-718C5C9E1F91}" type="datetimeFigureOut">
               <a:rPr lang="en-US" smtClean="0"/>
-              <a:t>4/28/15</a:t>
+              <a:t>4/29/15</a:t>
             </a:fld>
             <a:endParaRPr lang="en-US"/>
           </a:p>
@@ -13089,11 +13089,6 @@
               </a:rPr>
               <a:t>L’</a:t>
             </a:r>
-            <a:endParaRPr lang="en-US" b="1" dirty="0">
-              <a:solidFill>
-                <a:srgbClr val="0070C0"/>
-              </a:solidFill>
-            </a:endParaRPr>
           </a:p>
         </p:txBody>
       </p:sp>
@@ -13317,11 +13312,6 @@
               </a:rPr>
               <a:t>L2</a:t>
             </a:r>
-            <a:endParaRPr lang="en-US" b="1" dirty="0">
-              <a:solidFill>
-                <a:srgbClr val="0070C0"/>
-              </a:solidFill>
-            </a:endParaRPr>
           </a:p>
         </p:txBody>
       </p:sp>
@@ -13355,11 +13345,6 @@
               </a:rPr>
               <a:t>D2</a:t>
             </a:r>
-            <a:endParaRPr lang="en-US" b="1" dirty="0">
-              <a:solidFill>
-                <a:srgbClr val="FF0000"/>
-              </a:solidFill>
-            </a:endParaRPr>
           </a:p>
         </p:txBody>
       </p:sp>
@@ -14378,11 +14363,6 @@
               </a:rPr>
               <a:t>D2</a:t>
             </a:r>
-            <a:endParaRPr lang="en-US" b="1" dirty="0">
-              <a:solidFill>
-                <a:srgbClr val="FF0000"/>
-              </a:solidFill>
-            </a:endParaRPr>
           </a:p>
         </p:txBody>
       </p:sp>
@@ -15296,11 +15276,6 @@
               </a:rPr>
               <a:t>U</a:t>
             </a:r>
-            <a:endParaRPr lang="en-US" b="1" dirty="0">
-              <a:solidFill>
-                <a:srgbClr val="FFC000"/>
-              </a:solidFill>
-            </a:endParaRPr>
           </a:p>
         </p:txBody>
       </p:sp>
@@ -15438,11 +15413,6 @@
               </a:rPr>
               <a:t>L2</a:t>
             </a:r>
-            <a:endParaRPr lang="en-US" b="1" dirty="0">
-              <a:solidFill>
-                <a:srgbClr val="0070C0"/>
-              </a:solidFill>
-            </a:endParaRPr>
           </a:p>
         </p:txBody>
       </p:sp>
@@ -15476,11 +15446,6 @@
               </a:rPr>
               <a:t>U2</a:t>
             </a:r>
-            <a:endParaRPr lang="en-US" b="1" dirty="0">
-              <a:solidFill>
-                <a:srgbClr val="FFC000"/>
-              </a:solidFill>
-            </a:endParaRPr>
           </a:p>
         </p:txBody>
       </p:sp>
@@ -15514,11 +15479,6 @@
               </a:rPr>
               <a:t>B2</a:t>
             </a:r>
-            <a:endParaRPr lang="en-US" b="1" dirty="0">
-              <a:solidFill>
-                <a:schemeClr val="bg1"/>
-              </a:solidFill>
-            </a:endParaRPr>
           </a:p>
         </p:txBody>
       </p:sp>
@@ -15585,11 +15545,6 @@
               </a:rPr>
               <a:t>L’</a:t>
             </a:r>
-            <a:endParaRPr lang="en-US" b="1" dirty="0">
-              <a:solidFill>
-                <a:srgbClr val="0070C0"/>
-              </a:solidFill>
-            </a:endParaRPr>
           </a:p>
         </p:txBody>
       </p:sp>
@@ -18343,11 +18298,7 @@
             </a:pPr>
             <a:r>
               <a:rPr lang="en-US" sz="2000" dirty="0" smtClean="0"/>
-              <a:t>One arm for each </a:t>
-            </a:r>
-            <a:r>
-              <a:rPr lang="en-US" sz="2000" dirty="0" smtClean="0"/>
-              <a:t>face</a:t>
+              <a:t>One arm for each face</a:t>
             </a:r>
           </a:p>
           <a:p>
@@ -18365,15 +18316,7 @@
             </a:r>
             <a:r>
               <a:rPr lang="en-US" sz="2000" dirty="0" smtClean="0"/>
-              <a:t>actuate, </a:t>
-            </a:r>
-            <a:r>
-              <a:rPr lang="en-US" sz="2000" dirty="0" smtClean="0"/>
-              <a:t>avoiding </a:t>
-            </a:r>
-            <a:r>
-              <a:rPr lang="en-US" sz="2000" dirty="0" smtClean="0"/>
-              <a:t>contact with the other arms</a:t>
+              <a:t>actuate, avoiding contact with the other arms</a:t>
             </a:r>
           </a:p>
           <a:p>
@@ -18385,7 +18328,6 @@
               <a:rPr lang="en-US" sz="2000" dirty="0" smtClean="0"/>
               <a:t>Initial design ideas:</a:t>
             </a:r>
-            <a:endParaRPr lang="en-US" sz="2000" dirty="0" smtClean="0"/>
           </a:p>
           <a:p>
             <a:pPr marL="800100" lvl="1" indent="-342900">
@@ -18422,11 +18364,7 @@
             </a:r>
             <a:r>
               <a:rPr lang="en-US" sz="2000" dirty="0" smtClean="0"/>
-              <a:t>Double </a:t>
-            </a:r>
-            <a:r>
-              <a:rPr lang="en-US" sz="2000" dirty="0" smtClean="0"/>
-              <a:t>action pneumatic air cylinder</a:t>
+              <a:t>Double action pneumatic air cylinder</a:t>
             </a:r>
           </a:p>
           <a:p>
@@ -18466,13 +18404,8 @@
             </a:pPr>
             <a:r>
               <a:rPr lang="en-US" sz="2000" dirty="0" smtClean="0"/>
-              <a:t>Controlled by solenoid valve </a:t>
-            </a:r>
-            <a:r>
-              <a:rPr lang="en-US" sz="2000" dirty="0" smtClean="0"/>
-              <a:t>and a</a:t>
-            </a:r>
-            <a:endParaRPr lang="en-US" sz="2000" dirty="0" smtClean="0"/>
+              <a:t>Controlled by solenoid valve and a</a:t>
+            </a:r>
           </a:p>
           <a:p>
             <a:r>
@@ -18481,15 +18414,7 @@
             </a:r>
             <a:r>
               <a:rPr lang="en-US" sz="2000" dirty="0" smtClean="0"/>
-              <a:t>    </a:t>
-            </a:r>
-            <a:r>
-              <a:rPr lang="en-US" sz="2000" dirty="0" smtClean="0"/>
-              <a:t>relay </a:t>
-            </a:r>
-            <a:r>
-              <a:rPr lang="en-US" sz="2000" dirty="0" smtClean="0"/>
-              <a:t>board</a:t>
+              <a:t>    relay board</a:t>
             </a:r>
           </a:p>
           <a:p>
@@ -18653,11 +18578,7 @@
             </a:r>
             <a:r>
               <a:rPr lang="en-US" sz="2000" dirty="0" smtClean="0"/>
-              <a:t>motor to </a:t>
-            </a:r>
-            <a:r>
-              <a:rPr lang="en-US" sz="2000" dirty="0" smtClean="0"/>
-              <a:t>rotate each face</a:t>
+              <a:t>motor to rotate each face</a:t>
             </a:r>
             <a:endParaRPr lang="en-US" sz="2000" dirty="0"/>
           </a:p>
@@ -18668,15 +18589,7 @@
             </a:pPr>
             <a:r>
               <a:rPr lang="en-US" sz="2000" dirty="0" smtClean="0"/>
-              <a:t>90/180 </a:t>
-            </a:r>
-            <a:r>
-              <a:rPr lang="en-US" sz="2000" dirty="0" smtClean="0"/>
-              <a:t>degree </a:t>
-            </a:r>
-            <a:r>
-              <a:rPr lang="en-US" sz="2000" dirty="0" smtClean="0"/>
-              <a:t>rotations clockwise or counter-clockwise</a:t>
+              <a:t>90/180 degree rotations clockwise or counter-clockwise</a:t>
             </a:r>
           </a:p>
           <a:p>
@@ -18693,23 +18606,7 @@
             </a:pPr>
             <a:r>
               <a:rPr lang="en-US" sz="2000" dirty="0" smtClean="0"/>
-              <a:t>Controlled by an FPGA </a:t>
-            </a:r>
-            <a:r>
-              <a:rPr lang="en-US" sz="2000" dirty="0" smtClean="0"/>
-              <a:t>and </a:t>
-            </a:r>
-            <a:r>
-              <a:rPr lang="en-US" sz="2000" dirty="0" smtClean="0"/>
-              <a:t>proprietary motor </a:t>
-            </a:r>
-            <a:r>
-              <a:rPr lang="en-US" sz="2000" dirty="0" smtClean="0"/>
-              <a:t>control </a:t>
-            </a:r>
-            <a:r>
-              <a:rPr lang="en-US" sz="2000" dirty="0" smtClean="0"/>
-              <a:t>board</a:t>
+              <a:t>Controlled by an FPGA and proprietary motor control board</a:t>
             </a:r>
           </a:p>
           <a:p>
@@ -18743,11 +18640,7 @@
             </a:pPr>
             <a:r>
               <a:rPr lang="en-US" sz="2000" dirty="0" smtClean="0"/>
-              <a:t>Break sensor </a:t>
-            </a:r>
-            <a:r>
-              <a:rPr lang="en-US" sz="2000" dirty="0" smtClean="0"/>
-              <a:t>for 90 degree </a:t>
+              <a:t>Break sensor for 90 degree </a:t>
             </a:r>
           </a:p>
           <a:p>
@@ -18757,15 +18650,7 @@
             </a:r>
             <a:r>
               <a:rPr lang="en-US" sz="2000" dirty="0" smtClean="0"/>
-              <a:t>  </a:t>
-            </a:r>
-            <a:r>
-              <a:rPr lang="en-US" sz="2000" dirty="0" smtClean="0"/>
-              <a:t>  alignment</a:t>
-            </a:r>
-            <a:r>
-              <a:rPr lang="en-US" sz="2000" dirty="0" smtClean="0"/>
-              <a:t>.</a:t>
+              <a:t>    alignment.</a:t>
             </a:r>
           </a:p>
           <a:p>
@@ -19523,8 +19408,15 @@
             </a:r>
             <a:r>
               <a:rPr lang="en-US" dirty="0" smtClean="0"/>
-              <a:t> 3 – Fastest robot to solve a Rubik’s Cube (3.253s) [1].</a:t>
-            </a:r>
+              <a:t> 3 – Fastest robot to solve a Rubik’s Cube (3.253s) [1]</a:t>
+            </a:r>
+            <a:r>
+              <a:rPr lang="en-US" dirty="0" smtClean="0"/>
+              <a:t>.</a:t>
+            </a:r>
+          </a:p>
+          <a:p>
+            <a:endParaRPr lang="en-US" dirty="0" smtClean="0"/>
           </a:p>
           <a:p>
             <a:endParaRPr lang="en-US" dirty="0"/>
@@ -19560,6 +19452,47 @@
           </a:prstGeom>
         </p:spPr>
       </p:pic>
+      <p:sp>
+        <p:nvSpPr>
+          <p:cNvPr id="4" name="Rectangle 3"/>
+          <p:cNvSpPr/>
+          <p:nvPr/>
+        </p:nvSpPr>
+        <p:spPr>
+          <a:xfrm>
+            <a:off x="3137827" y="6027751"/>
+            <a:ext cx="3065901" cy="369332"/>
+          </a:xfrm>
+          <a:prstGeom prst="rect">
+            <a:avLst/>
+          </a:prstGeom>
+        </p:spPr>
+        <p:txBody>
+          <a:bodyPr wrap="none">
+            <a:spAutoFit/>
+          </a:bodyPr>
+          <a:lstStyle/>
+          <a:p>
+            <a:r>
+              <a:rPr lang="en-US" dirty="0">
+                <a:hlinkClick r:id="rId4"/>
+              </a:rPr>
+              <a:t>https://youtu.be/</a:t>
+            </a:r>
+            <a:r>
+              <a:rPr lang="en-US" dirty="0" smtClean="0">
+                <a:hlinkClick r:id="rId4"/>
+              </a:rPr>
+              <a:t>X0pFZG7j5cE</a:t>
+            </a:r>
+            <a:r>
+              <a:rPr lang="en-US" dirty="0" smtClean="0"/>
+              <a:t> </a:t>
+            </a:r>
+            <a:endParaRPr lang="en-US" dirty="0"/>
+          </a:p>
+        </p:txBody>
+      </p:sp>
     </p:spTree>
     <p:extLst>
       <p:ext uri="{BB962C8B-B14F-4D97-AF65-F5344CB8AC3E}">
@@ -19573,7 +19506,77 @@
   <p:timing>
     <p:tnLst>
       <p:par>
-        <p:cTn xmlns:p14="http://schemas.microsoft.com/office/powerpoint/2010/main" id="1" dur="indefinite" restart="never" nodeType="tmRoot"/>
+        <p:cTn xmlns:p14="http://schemas.microsoft.com/office/powerpoint/2010/main" id="1" dur="indefinite" restart="never" nodeType="tmRoot">
+          <p:childTnLst>
+            <p:seq concurrent="1" nextAc="seek">
+              <p:cTn id="2" dur="indefinite" nodeType="mainSeq">
+                <p:childTnLst>
+                  <p:par>
+                    <p:cTn id="3" fill="hold">
+                      <p:stCondLst>
+                        <p:cond delay="indefinite"/>
+                      </p:stCondLst>
+                      <p:childTnLst>
+                        <p:par>
+                          <p:cTn id="4" fill="hold">
+                            <p:stCondLst>
+                              <p:cond delay="0"/>
+                            </p:stCondLst>
+                            <p:childTnLst>
+                              <p:par>
+                                <p:cTn id="5" presetID="1" presetClass="mediacall" presetSubtype="0" fill="hold" nodeType="clickEffect">
+                                  <p:stCondLst>
+                                    <p:cond delay="0"/>
+                                  </p:stCondLst>
+                                  <p:childTnLst>
+                                    <p:cmd type="call" cmd="playFrom(0.0)">
+                                      <p:cBhvr>
+                                        <p:cTn id="6" dur="1" fill="hold"/>
+                                        <p:tgtEl>
+                                          <p:spTgt spid="6"/>
+                                        </p:tgtEl>
+                                      </p:cBhvr>
+                                    </p:cmd>
+                                  </p:childTnLst>
+                                </p:cTn>
+                              </p:par>
+                            </p:childTnLst>
+                          </p:cTn>
+                        </p:par>
+                      </p:childTnLst>
+                    </p:cTn>
+                  </p:par>
+                </p:childTnLst>
+              </p:cTn>
+              <p:prevCondLst>
+                <p:cond evt="onPrev" delay="0">
+                  <p:tgtEl>
+                    <p:sldTgt/>
+                  </p:tgtEl>
+                </p:cond>
+              </p:prevCondLst>
+              <p:nextCondLst>
+                <p:cond evt="onNext" delay="0">
+                  <p:tgtEl>
+                    <p:sldTgt/>
+                  </p:tgtEl>
+                </p:cond>
+              </p:nextCondLst>
+            </p:seq>
+            <p:video>
+              <p:cMediaNode vol="80000">
+                <p:cTn id="7" display="0">
+                  <p:stCondLst>
+                    <p:cond delay="indefinite"/>
+                  </p:stCondLst>
+                </p:cTn>
+                <p:tgtEl>
+                  <p:spTgt spid="6"/>
+                </p:tgtEl>
+              </p:cMediaNode>
+            </p:video>
+          </p:childTnLst>
+        </p:cTn>
       </p:par>
     </p:tnLst>
   </p:timing>
@@ -21758,7 +21761,7 @@
   <a:extraClrSchemeLst/>
   <a:extLst>
     <a:ext uri="{05A4C25C-085E-4340-85A3-A5531E510DB2}">
-      <thm15:themeFamily xmlns="" xmlns:thm15="http://schemas.microsoft.com/office/thememl/2012/main" name="Circuit" id="{0AC2F7E7-15F5-431C-B2A2-456FE929F56C}" vid="{0911B802-464C-4241-8DD9-B60FF88E379F}"/>
+      <thm15:themeFamily xmlns:thm15="http://schemas.microsoft.com/office/thememl/2012/main" xmlns="" name="Circuit" id="{0AC2F7E7-15F5-431C-B2A2-456FE929F56C}" vid="{0911B802-464C-4241-8DD9-B60FF88E379F}"/>
     </a:ext>
   </a:extLst>
 </a:theme>

--- a/Documents/Presentations/HerbertPresentation.pptx
+++ b/Documents/Presentations/HerbertPresentation.pptx
@@ -4421,7 +4421,7 @@
           <a:p>
             <a:fld id="{B3D6EF8A-A6D9-B040-9BC2-718C5C9E1F91}" type="datetimeFigureOut">
               <a:rPr lang="en-US" smtClean="0"/>
-              <a:t>4/29/15</a:t>
+              <a:t>12/10/15</a:t>
             </a:fld>
             <a:endParaRPr lang="en-US"/>
           </a:p>
@@ -4688,7 +4688,7 @@
           <a:p>
             <a:fld id="{B3D6EF8A-A6D9-B040-9BC2-718C5C9E1F91}" type="datetimeFigureOut">
               <a:rPr lang="en-US" smtClean="0"/>
-              <a:t>4/29/15</a:t>
+              <a:t>12/10/15</a:t>
             </a:fld>
             <a:endParaRPr lang="en-US"/>
           </a:p>
@@ -4884,7 +4884,7 @@
           <a:p>
             <a:fld id="{B3D6EF8A-A6D9-B040-9BC2-718C5C9E1F91}" type="datetimeFigureOut">
               <a:rPr lang="en-US" smtClean="0"/>
-              <a:t>4/29/15</a:t>
+              <a:t>12/10/15</a:t>
             </a:fld>
             <a:endParaRPr lang="en-US"/>
           </a:p>
@@ -5147,7 +5147,7 @@
           <a:p>
             <a:fld id="{B3D6EF8A-A6D9-B040-9BC2-718C5C9E1F91}" type="datetimeFigureOut">
               <a:rPr lang="en-US" smtClean="0"/>
-              <a:t>4/29/15</a:t>
+              <a:t>12/10/15</a:t>
             </a:fld>
             <a:endParaRPr lang="en-US"/>
           </a:p>
@@ -5581,7 +5581,7 @@
           <a:p>
             <a:fld id="{B3D6EF8A-A6D9-B040-9BC2-718C5C9E1F91}" type="datetimeFigureOut">
               <a:rPr lang="en-US" smtClean="0"/>
-              <a:t>4/29/15</a:t>
+              <a:t>12/10/15</a:t>
             </a:fld>
             <a:endParaRPr lang="en-US"/>
           </a:p>
@@ -6127,7 +6127,7 @@
           <a:p>
             <a:fld id="{B3D6EF8A-A6D9-B040-9BC2-718C5C9E1F91}" type="datetimeFigureOut">
               <a:rPr lang="en-US" smtClean="0"/>
-              <a:t>4/29/15</a:t>
+              <a:t>12/10/15</a:t>
             </a:fld>
             <a:endParaRPr lang="en-US"/>
           </a:p>
@@ -6847,7 +6847,7 @@
           <a:p>
             <a:fld id="{B3D6EF8A-A6D9-B040-9BC2-718C5C9E1F91}" type="datetimeFigureOut">
               <a:rPr lang="en-US" smtClean="0"/>
-              <a:t>4/29/15</a:t>
+              <a:t>12/10/15</a:t>
             </a:fld>
             <a:endParaRPr lang="en-US"/>
           </a:p>
@@ -7021,7 +7021,7 @@
           <a:p>
             <a:fld id="{B3D6EF8A-A6D9-B040-9BC2-718C5C9E1F91}" type="datetimeFigureOut">
               <a:rPr lang="en-US" smtClean="0"/>
-              <a:t>4/29/15</a:t>
+              <a:t>12/10/15</a:t>
             </a:fld>
             <a:endParaRPr lang="en-US"/>
           </a:p>
@@ -7201,7 +7201,7 @@
           <a:p>
             <a:fld id="{B3D6EF8A-A6D9-B040-9BC2-718C5C9E1F91}" type="datetimeFigureOut">
               <a:rPr lang="en-US" smtClean="0"/>
-              <a:t>4/29/15</a:t>
+              <a:t>12/10/15</a:t>
             </a:fld>
             <a:endParaRPr lang="en-US"/>
           </a:p>
@@ -7386,7 +7386,7 @@
           <a:p>
             <a:fld id="{B3D6EF8A-A6D9-B040-9BC2-718C5C9E1F91}" type="datetimeFigureOut">
               <a:rPr lang="en-US" smtClean="0"/>
-              <a:t>4/29/15</a:t>
+              <a:t>12/10/15</a:t>
             </a:fld>
             <a:endParaRPr lang="en-US"/>
           </a:p>
@@ -7646,7 +7646,7 @@
           <a:p>
             <a:fld id="{B3D6EF8A-A6D9-B040-9BC2-718C5C9E1F91}" type="datetimeFigureOut">
               <a:rPr lang="en-US" smtClean="0"/>
-              <a:t>4/29/15</a:t>
+              <a:t>12/10/15</a:t>
             </a:fld>
             <a:endParaRPr lang="en-US"/>
           </a:p>
@@ -7878,7 +7878,7 @@
           <a:p>
             <a:fld id="{B3D6EF8A-A6D9-B040-9BC2-718C5C9E1F91}" type="datetimeFigureOut">
               <a:rPr lang="en-US" smtClean="0"/>
-              <a:t>4/29/15</a:t>
+              <a:t>12/10/15</a:t>
             </a:fld>
             <a:endParaRPr lang="en-US"/>
           </a:p>
@@ -8259,7 +8259,7 @@
           <a:p>
             <a:fld id="{B3D6EF8A-A6D9-B040-9BC2-718C5C9E1F91}" type="datetimeFigureOut">
               <a:rPr lang="en-US" smtClean="0"/>
-              <a:t>4/29/15</a:t>
+              <a:t>12/10/15</a:t>
             </a:fld>
             <a:endParaRPr lang="en-US"/>
           </a:p>
@@ -8377,7 +8377,7 @@
           <a:p>
             <a:fld id="{B3D6EF8A-A6D9-B040-9BC2-718C5C9E1F91}" type="datetimeFigureOut">
               <a:rPr lang="en-US" smtClean="0"/>
-              <a:t>4/29/15</a:t>
+              <a:t>12/10/15</a:t>
             </a:fld>
             <a:endParaRPr lang="en-US"/>
           </a:p>
@@ -8472,7 +8472,7 @@
           <a:p>
             <a:fld id="{B3D6EF8A-A6D9-B040-9BC2-718C5C9E1F91}" type="datetimeFigureOut">
               <a:rPr lang="en-US" smtClean="0"/>
-              <a:t>4/29/15</a:t>
+              <a:t>12/10/15</a:t>
             </a:fld>
             <a:endParaRPr lang="en-US"/>
           </a:p>
@@ -8721,7 +8721,7 @@
           <a:p>
             <a:fld id="{B3D6EF8A-A6D9-B040-9BC2-718C5C9E1F91}" type="datetimeFigureOut">
               <a:rPr lang="en-US" smtClean="0"/>
-              <a:t>4/29/15</a:t>
+              <a:t>12/10/15</a:t>
             </a:fld>
             <a:endParaRPr lang="en-US"/>
           </a:p>
@@ -8973,7 +8973,7 @@
           <a:p>
             <a:fld id="{B3D6EF8A-A6D9-B040-9BC2-718C5C9E1F91}" type="datetimeFigureOut">
               <a:rPr lang="en-US" smtClean="0"/>
-              <a:t>4/29/15</a:t>
+              <a:t>12/10/15</a:t>
             </a:fld>
             <a:endParaRPr lang="en-US"/>
           </a:p>
@@ -12057,7 +12057,7 @@
           <a:p>
             <a:fld id="{B3D6EF8A-A6D9-B040-9BC2-718C5C9E1F91}" type="datetimeFigureOut">
               <a:rPr lang="en-US" smtClean="0"/>
-              <a:t>4/29/15</a:t>
+              <a:t>12/10/15</a:t>
             </a:fld>
             <a:endParaRPr lang="en-US"/>
           </a:p>
@@ -19408,11 +19408,7 @@
             </a:r>
             <a:r>
               <a:rPr lang="en-US" dirty="0" smtClean="0"/>
-              <a:t> 3 – Fastest robot to solve a Rubik’s Cube (3.253s) [1]</a:t>
-            </a:r>
-            <a:r>
-              <a:rPr lang="en-US" dirty="0" smtClean="0"/>
-              <a:t>.</a:t>
+              <a:t> 3 – Fastest robot to solve a Rubik’s Cube (3.253s) [1].</a:t>
             </a:r>
           </a:p>
           <a:p>
@@ -19676,7 +19672,11 @@
           <a:p>
             <a:r>
               <a:rPr lang="en-US" dirty="0" smtClean="0"/>
-              <a:t>Take Guinness </a:t>
+              <a:t>Possibly </a:t>
+            </a:r>
+            <a:r>
+              <a:rPr lang="en-US" dirty="0" smtClean="0"/>
+              <a:t>take Guinness </a:t>
             </a:r>
             <a:r>
               <a:rPr lang="en-US" dirty="0"/>
@@ -21176,7 +21176,7 @@
         </p:nvSpPr>
         <p:spPr>
           <a:xfrm>
-            <a:off x="856059" y="2205944"/>
+            <a:off x="856059" y="2097088"/>
             <a:ext cx="7429499" cy="3541714"/>
           </a:xfrm>
         </p:spPr>
@@ -21187,8 +21187,12 @@
           <a:lstStyle/>
           <a:p>
             <a:r>
+              <a:rPr lang="en-US" smtClean="0"/>
+              <a:t>Two </a:t>
+            </a:r>
+            <a:r>
               <a:rPr lang="en-US" dirty="0" smtClean="0"/>
-              <a:t>Two cameras, one for three </a:t>
+              <a:t>cameras, one for three </a:t>
             </a:r>
             <a:r>
               <a:rPr lang="en-US" dirty="0"/>
